--- a/Ordered Learning/resources/learning_procedure.pptx
+++ b/Ordered Learning/resources/learning_procedure.pptx
@@ -197,7 +197,7 @@
           </a:lstStyle>
           <a:p>
             <a:fld id="{2FFE7D56-2A7E-6547-89BD-800656E84409}" type="datetimeFigureOut">
-              <a:t>10/15/18</a:t>
+              <a:t>10/16/18</a:t>
             </a:fld>
             <a:endParaRPr lang="en-US"/>
           </a:p>
@@ -761,7 +761,7 @@
           <a:p>
             <a:fld id="{F8782BB8-19F3-3D45-9ED3-7C72268176C5}" type="datetimeFigureOut">
               <a:rPr lang="en-US" smtClean="0"/>
-              <a:t>10/15/18</a:t>
+              <a:t>10/16/18</a:t>
             </a:fld>
             <a:endParaRPr lang="en-US"/>
           </a:p>
@@ -931,7 +931,7 @@
           <a:p>
             <a:fld id="{F8782BB8-19F3-3D45-9ED3-7C72268176C5}" type="datetimeFigureOut">
               <a:rPr lang="en-US" smtClean="0"/>
-              <a:t>10/15/18</a:t>
+              <a:t>10/16/18</a:t>
             </a:fld>
             <a:endParaRPr lang="en-US"/>
           </a:p>
@@ -1111,7 +1111,7 @@
           <a:p>
             <a:fld id="{F8782BB8-19F3-3D45-9ED3-7C72268176C5}" type="datetimeFigureOut">
               <a:rPr lang="en-US" smtClean="0"/>
-              <a:t>10/15/18</a:t>
+              <a:t>10/16/18</a:t>
             </a:fld>
             <a:endParaRPr lang="en-US"/>
           </a:p>
@@ -1281,7 +1281,7 @@
           <a:p>
             <a:fld id="{F8782BB8-19F3-3D45-9ED3-7C72268176C5}" type="datetimeFigureOut">
               <a:rPr lang="en-US" smtClean="0"/>
-              <a:t>10/15/18</a:t>
+              <a:t>10/16/18</a:t>
             </a:fld>
             <a:endParaRPr lang="en-US"/>
           </a:p>
@@ -1527,7 +1527,7 @@
           <a:p>
             <a:fld id="{F8782BB8-19F3-3D45-9ED3-7C72268176C5}" type="datetimeFigureOut">
               <a:rPr lang="en-US" smtClean="0"/>
-              <a:t>10/15/18</a:t>
+              <a:t>10/16/18</a:t>
             </a:fld>
             <a:endParaRPr lang="en-US"/>
           </a:p>
@@ -1759,7 +1759,7 @@
           <a:p>
             <a:fld id="{F8782BB8-19F3-3D45-9ED3-7C72268176C5}" type="datetimeFigureOut">
               <a:rPr lang="en-US" smtClean="0"/>
-              <a:t>10/15/18</a:t>
+              <a:t>10/16/18</a:t>
             </a:fld>
             <a:endParaRPr lang="en-US"/>
           </a:p>
@@ -2126,7 +2126,7 @@
           <a:p>
             <a:fld id="{F8782BB8-19F3-3D45-9ED3-7C72268176C5}" type="datetimeFigureOut">
               <a:rPr lang="en-US" smtClean="0"/>
-              <a:t>10/15/18</a:t>
+              <a:t>10/16/18</a:t>
             </a:fld>
             <a:endParaRPr lang="en-US"/>
           </a:p>
@@ -2244,7 +2244,7 @@
           <a:p>
             <a:fld id="{F8782BB8-19F3-3D45-9ED3-7C72268176C5}" type="datetimeFigureOut">
               <a:rPr lang="en-US" smtClean="0"/>
-              <a:t>10/15/18</a:t>
+              <a:t>10/16/18</a:t>
             </a:fld>
             <a:endParaRPr lang="en-US"/>
           </a:p>
@@ -2339,7 +2339,7 @@
           <a:p>
             <a:fld id="{F8782BB8-19F3-3D45-9ED3-7C72268176C5}" type="datetimeFigureOut">
               <a:rPr lang="en-US" smtClean="0"/>
-              <a:t>10/15/18</a:t>
+              <a:t>10/16/18</a:t>
             </a:fld>
             <a:endParaRPr lang="en-US"/>
           </a:p>
@@ -2616,7 +2616,7 @@
           <a:p>
             <a:fld id="{F8782BB8-19F3-3D45-9ED3-7C72268176C5}" type="datetimeFigureOut">
               <a:rPr lang="en-US" smtClean="0"/>
-              <a:t>10/15/18</a:t>
+              <a:t>10/16/18</a:t>
             </a:fld>
             <a:endParaRPr lang="en-US"/>
           </a:p>
@@ -2869,7 +2869,7 @@
           <a:p>
             <a:fld id="{F8782BB8-19F3-3D45-9ED3-7C72268176C5}" type="datetimeFigureOut">
               <a:rPr lang="en-US" smtClean="0"/>
-              <a:t>10/15/18</a:t>
+              <a:t>10/16/18</a:t>
             </a:fld>
             <a:endParaRPr lang="en-US"/>
           </a:p>
@@ -3082,7 +3082,7 @@
           <a:p>
             <a:fld id="{F8782BB8-19F3-3D45-9ED3-7C72268176C5}" type="datetimeFigureOut">
               <a:rPr lang="en-US" smtClean="0"/>
-              <a:t>10/15/18</a:t>
+              <a:t>10/16/18</a:t>
             </a:fld>
             <a:endParaRPr lang="en-US"/>
           </a:p>
@@ -3501,10 +3501,10 @@
         </p:nvGrpSpPr>
         <p:grpSpPr>
           <a:xfrm>
-            <a:off x="1108859" y="697220"/>
-            <a:ext cx="10694002" cy="4704619"/>
-            <a:chOff x="1108859" y="697220"/>
-            <a:chExt cx="10694002" cy="4704619"/>
+            <a:off x="960269" y="677550"/>
+            <a:ext cx="10842592" cy="4816622"/>
+            <a:chOff x="960269" y="677550"/>
+            <a:chExt cx="10842592" cy="4816622"/>
           </a:xfrm>
         </p:grpSpPr>
         <p:grpSp>
@@ -3521,10 +3521,10 @@
           </p:nvGrpSpPr>
           <p:grpSpPr>
             <a:xfrm>
-              <a:off x="6674131" y="1900132"/>
-              <a:ext cx="5128730" cy="2162633"/>
-              <a:chOff x="1960058" y="4260487"/>
-              <a:chExt cx="5128730" cy="2162633"/>
+              <a:off x="6515867" y="1900132"/>
+              <a:ext cx="5286994" cy="2224188"/>
+              <a:chOff x="1801794" y="4260487"/>
+              <a:chExt cx="5286994" cy="2224188"/>
             </a:xfrm>
           </p:grpSpPr>
           <p:sp>
@@ -3542,7 +3542,7 @@
             <p:spPr>
               <a:xfrm>
                 <a:off x="6684279" y="4804918"/>
-                <a:ext cx="404509" cy="400110"/>
+                <a:ext cx="404509" cy="461665"/>
               </a:xfrm>
               <a:prstGeom prst="rect">
                 <a:avLst/>
@@ -3556,10 +3556,10 @@
               <a:lstStyle/>
               <a:p>
                 <a:r>
-                  <a:rPr lang="en-US" sz="2000" dirty="0">
-                    <a:latin typeface="Times New Roman" charset="0"/>
-                    <a:ea typeface="Times New Roman" charset="0"/>
-                    <a:cs typeface="Times New Roman" charset="0"/>
+                  <a:rPr lang="en-US" sz="2400" dirty="0">
+                    <a:latin typeface="Times New Roman" panose="02020603050405020304" pitchFamily="18" charset="0"/>
+                    <a:ea typeface="Tahoma" panose="020B0604030504040204" pitchFamily="34" charset="0"/>
+                    <a:cs typeface="Times New Roman" panose="02020603050405020304" pitchFamily="18" charset="0"/>
                   </a:rPr>
                   <a:t>t</a:t>
                 </a:r>
@@ -3581,7 +3581,7 @@
             <p:spPr>
               <a:xfrm>
                 <a:off x="6688238" y="5689742"/>
-                <a:ext cx="280969" cy="400110"/>
+                <a:ext cx="280969" cy="461665"/>
               </a:xfrm>
               <a:prstGeom prst="rect">
                 <a:avLst/>
@@ -3595,17 +3595,17 @@
               <a:lstStyle/>
               <a:p>
                 <a:r>
-                  <a:rPr lang="en-US" sz="2000">
-                    <a:latin typeface="Times New Roman" charset="0"/>
-                    <a:ea typeface="Times New Roman" charset="0"/>
-                    <a:cs typeface="Times New Roman" charset="0"/>
+                  <a:rPr lang="en-US" sz="2400">
+                    <a:latin typeface="Times New Roman" panose="02020603050405020304" pitchFamily="18" charset="0"/>
+                    <a:ea typeface="Tahoma" panose="020B0604030504040204" pitchFamily="34" charset="0"/>
+                    <a:cs typeface="Times New Roman" panose="02020603050405020304" pitchFamily="18" charset="0"/>
                   </a:rPr>
                   <a:t>t</a:t>
                 </a:r>
-                <a:endParaRPr lang="en-US" sz="2000" dirty="0">
-                  <a:latin typeface="Times New Roman" charset="0"/>
-                  <a:ea typeface="Times New Roman" charset="0"/>
-                  <a:cs typeface="Times New Roman" charset="0"/>
+                <a:endParaRPr lang="en-US" sz="2400" dirty="0">
+                  <a:latin typeface="Times New Roman" panose="02020603050405020304" pitchFamily="18" charset="0"/>
+                  <a:ea typeface="Tahoma" panose="020B0604030504040204" pitchFamily="34" charset="0"/>
+                  <a:cs typeface="Times New Roman" panose="02020603050405020304" pitchFamily="18" charset="0"/>
                 </a:endParaRPr>
               </a:p>
             </p:txBody>
@@ -3625,7 +3625,7 @@
             <p:spPr>
               <a:xfrm>
                 <a:off x="6266667" y="4260487"/>
-                <a:ext cx="584155" cy="461665"/>
+                <a:ext cx="584155" cy="523220"/>
               </a:xfrm>
               <a:prstGeom prst="rect">
                 <a:avLst/>
@@ -3639,17 +3639,17 @@
               <a:lstStyle/>
               <a:p>
                 <a:r>
-                  <a:rPr lang="mr-IN" sz="2400" dirty="0">
-                    <a:latin typeface="Times" charset="0"/>
-                    <a:ea typeface="Times" charset="0"/>
+                  <a:rPr lang="mr-IN" sz="2800" dirty="0">
+                    <a:latin typeface="Times New Roman" panose="02020603050405020304" pitchFamily="18" charset="0"/>
+                    <a:ea typeface="Tahoma" panose="020B0604030504040204" pitchFamily="34" charset="0"/>
                     <a:cs typeface="Times" charset="0"/>
                   </a:rPr>
                   <a:t>…</a:t>
                 </a:r>
-                <a:endParaRPr lang="en-US" baseline="-25000" dirty="0">
-                  <a:latin typeface="Times" charset="0"/>
-                  <a:ea typeface="Times" charset="0"/>
-                  <a:cs typeface="Times" charset="0"/>
+                <a:endParaRPr lang="en-US" sz="2000" baseline="-25000" dirty="0">
+                  <a:latin typeface="Times New Roman" panose="02020603050405020304" pitchFamily="18" charset="0"/>
+                  <a:ea typeface="Tahoma" panose="020B0604030504040204" pitchFamily="34" charset="0"/>
+                  <a:cs typeface="Times New Roman" panose="02020603050405020304" pitchFamily="18" charset="0"/>
                 </a:endParaRPr>
               </a:p>
             </p:txBody>
@@ -3668,10 +3668,10 @@
             </p:nvGrpSpPr>
             <p:grpSpPr>
               <a:xfrm>
-                <a:off x="1960058" y="4294178"/>
-                <a:ext cx="4870276" cy="2128942"/>
-                <a:chOff x="3287194" y="4376174"/>
-                <a:chExt cx="4870276" cy="2128942"/>
+                <a:off x="1801794" y="4294178"/>
+                <a:ext cx="5028540" cy="2190497"/>
+                <a:chOff x="3128930" y="4376174"/>
+                <a:chExt cx="5028540" cy="2190497"/>
               </a:xfrm>
             </p:grpSpPr>
             <p:sp>
@@ -3688,8 +3688,8 @@
               </p:nvSpPr>
               <p:spPr>
                 <a:xfrm>
-                  <a:off x="3296097" y="4530742"/>
-                  <a:ext cx="973636" cy="400110"/>
+                  <a:off x="3128930" y="4530742"/>
+                  <a:ext cx="1140803" cy="461665"/>
                 </a:xfrm>
                 <a:prstGeom prst="rect">
                   <a:avLst/>
@@ -3703,18 +3703,18 @@
                 <a:lstStyle/>
                 <a:p>
                   <a:r>
-                    <a:rPr lang="en-US" sz="2000" dirty="0">
-                      <a:latin typeface="Times New Roman" charset="0"/>
-                      <a:ea typeface="Times New Roman" charset="0"/>
-                      <a:cs typeface="Times New Roman" charset="0"/>
+                    <a:rPr lang="en-US" sz="2400" dirty="0">
+                      <a:latin typeface="Times New Roman" panose="02020603050405020304" pitchFamily="18" charset="0"/>
+                      <a:ea typeface="Tahoma" panose="020B0604030504040204" pitchFamily="34" charset="0"/>
+                      <a:cs typeface="Times New Roman" panose="02020603050405020304" pitchFamily="18" charset="0"/>
                     </a:rPr>
                     <a:t>Agent</a:t>
                   </a:r>
                   <a:r>
-                    <a:rPr lang="en-US" sz="2000" baseline="-25000" dirty="0">
-                      <a:latin typeface="Times New Roman" charset="0"/>
-                      <a:ea typeface="Times New Roman" charset="0"/>
-                      <a:cs typeface="Times New Roman" charset="0"/>
+                    <a:rPr lang="en-US" sz="2400" baseline="-25000" dirty="0">
+                      <a:latin typeface="Times New Roman" panose="02020603050405020304" pitchFamily="18" charset="0"/>
+                      <a:ea typeface="Tahoma" panose="020B0604030504040204" pitchFamily="34" charset="0"/>
+                      <a:cs typeface="Times New Roman" panose="02020603050405020304" pitchFamily="18" charset="0"/>
                     </a:rPr>
                     <a:t>A</a:t>
                   </a:r>
@@ -3735,8 +3735,8 @@
               </p:nvSpPr>
               <p:spPr>
                 <a:xfrm>
-                  <a:off x="3287194" y="5326593"/>
-                  <a:ext cx="1329550" cy="400110"/>
+                  <a:off x="3150034" y="5326593"/>
+                  <a:ext cx="1329550" cy="461665"/>
                 </a:xfrm>
                 <a:prstGeom prst="rect">
                   <a:avLst/>
@@ -3750,18 +3750,18 @@
                 <a:lstStyle/>
                 <a:p>
                   <a:r>
-                    <a:rPr lang="en-US" sz="2000" dirty="0">
-                      <a:latin typeface="Times New Roman" charset="0"/>
-                      <a:ea typeface="Times New Roman" charset="0"/>
-                      <a:cs typeface="Times New Roman" charset="0"/>
+                    <a:rPr lang="en-US" sz="2400" dirty="0">
+                      <a:latin typeface="Times New Roman" panose="02020603050405020304" pitchFamily="18" charset="0"/>
+                      <a:ea typeface="Tahoma" panose="020B0604030504040204" pitchFamily="34" charset="0"/>
+                      <a:cs typeface="Times New Roman" panose="02020603050405020304" pitchFamily="18" charset="0"/>
                     </a:rPr>
                     <a:t>Agent</a:t>
                   </a:r>
                   <a:r>
-                    <a:rPr lang="en-US" sz="2000" baseline="-25000" dirty="0">
-                      <a:latin typeface="Times New Roman" charset="0"/>
-                      <a:ea typeface="Times New Roman" charset="0"/>
-                      <a:cs typeface="Times New Roman" charset="0"/>
+                    <a:rPr lang="en-US" sz="2400" baseline="-25000" dirty="0">
+                      <a:latin typeface="Times New Roman" panose="02020603050405020304" pitchFamily="18" charset="0"/>
+                      <a:ea typeface="Tahoma" panose="020B0604030504040204" pitchFamily="34" charset="0"/>
+                      <a:cs typeface="Times New Roman" panose="02020603050405020304" pitchFamily="18" charset="0"/>
                     </a:rPr>
                     <a:t>B</a:t>
                   </a:r>
@@ -3784,8 +3784,8 @@
                   </p:nvSpPr>
                   <p:spPr>
                     <a:xfrm>
-                      <a:off x="3879617" y="6105006"/>
-                      <a:ext cx="2522902" cy="400110"/>
+                      <a:off x="3753887" y="6105006"/>
+                      <a:ext cx="3204890" cy="461665"/>
                     </a:xfrm>
                     <a:prstGeom prst="rect">
                       <a:avLst/>
@@ -3799,17 +3799,17 @@
                     <a:lstStyle/>
                     <a:p>
                       <a:r>
-                        <a:rPr lang="en-US" sz="2000" dirty="0">
-                          <a:latin typeface="Times New Roman" charset="0"/>
-                          <a:ea typeface="Times New Roman" charset="0"/>
-                          <a:cs typeface="Times New Roman" charset="0"/>
+                        <a:rPr lang="en-US" sz="2400" dirty="0">
+                          <a:latin typeface="Times New Roman" panose="02020603050405020304" pitchFamily="18" charset="0"/>
+                          <a:ea typeface="Tahoma" panose="020B0604030504040204" pitchFamily="34" charset="0"/>
+                          <a:cs typeface="Times New Roman" panose="02020603050405020304" pitchFamily="18" charset="0"/>
                         </a:rPr>
                         <a:t>Learning iteration, </a:t>
                       </a:r>
                       <a14:m>
                         <m:oMath xmlns:m="http://schemas.openxmlformats.org/officeDocument/2006/math">
                           <m:r>
-                            <a:rPr lang="en-US" sz="2000" i="1" dirty="0">
+                            <a:rPr lang="en-US" sz="2400" i="1" dirty="0">
                               <a:latin typeface="Cambria Math" panose="02040503050406030204" pitchFamily="18" charset="0"/>
                               <a:ea typeface="Times New Roman" charset="0"/>
                               <a:cs typeface="Times New Roman" charset="0"/>
@@ -3817,7 +3817,7 @@
                             <m:t>∆</m:t>
                           </m:r>
                           <m:r>
-                            <a:rPr lang="es-ES" sz="2000" b="0" i="1" dirty="0">
+                            <a:rPr lang="es-ES" sz="2400" b="0" i="1" dirty="0">
                               <a:latin typeface="Cambria Math" panose="02040503050406030204" pitchFamily="18" charset="0"/>
                               <a:ea typeface="Times New Roman" charset="0"/>
                               <a:cs typeface="Times New Roman" charset="0"/>
@@ -3826,10 +3826,10 @@
                           </m:r>
                         </m:oMath>
                       </a14:m>
-                      <a:endParaRPr lang="en-US" sz="2000" baseline="-25000" dirty="0">
-                        <a:latin typeface="Times New Roman" charset="0"/>
-                        <a:ea typeface="Times New Roman" charset="0"/>
-                        <a:cs typeface="Times New Roman" charset="0"/>
+                      <a:endParaRPr lang="en-US" sz="2400" baseline="-25000" dirty="0">
+                        <a:latin typeface="Times New Roman" panose="02020603050405020304" pitchFamily="18" charset="0"/>
+                        <a:ea typeface="Tahoma" panose="020B0604030504040204" pitchFamily="34" charset="0"/>
+                        <a:cs typeface="Times New Roman" panose="02020603050405020304" pitchFamily="18" charset="0"/>
                       </a:endParaRPr>
                     </a:p>
                   </p:txBody>
@@ -3852,8 +3852,8 @@
                   </p:nvSpPr>
                   <p:spPr>
                     <a:xfrm>
-                      <a:off x="3879617" y="6105006"/>
-                      <a:ext cx="2522902" cy="400110"/>
+                      <a:off x="3753887" y="6105006"/>
+                      <a:ext cx="3204890" cy="461665"/>
                     </a:xfrm>
                     <a:prstGeom prst="rect">
                       <a:avLst/>
@@ -3861,7 +3861,7 @@
                     <a:blipFill>
                       <a:blip r:embed="rId3"/>
                       <a:stretch>
-                        <a:fillRect l="-2000" t="-9375" b="-25000"/>
+                        <a:fillRect l="-2756" t="-10811" b="-27027"/>
                       </a:stretch>
                     </a:blipFill>
                   </p:spPr>
@@ -3925,7 +3925,10 @@
                 <a:lstStyle/>
                 <a:p>
                   <a:pPr algn="ctr"/>
-                  <a:endParaRPr lang="en-US"/>
+                  <a:endParaRPr lang="en-US" sz="2000">
+                    <a:latin typeface="Times New Roman" panose="02020603050405020304" pitchFamily="18" charset="0"/>
+                    <a:cs typeface="Times New Roman" panose="02020603050405020304" pitchFamily="18" charset="0"/>
+                  </a:endParaRPr>
                 </a:p>
               </p:txBody>
             </p:sp>
@@ -4071,13 +4074,13 @@
                 <a:lstStyle/>
                 <a:p>
                   <a:pPr algn="ctr"/>
-                  <a:endParaRPr lang="en-US" dirty="0">
+                  <a:endParaRPr lang="en-US" sz="2000" dirty="0">
                     <a:solidFill>
                       <a:schemeClr val="tx1"/>
                     </a:solidFill>
-                    <a:latin typeface="Times New Roman" charset="0"/>
-                    <a:ea typeface="Times New Roman" charset="0"/>
-                    <a:cs typeface="Times New Roman" charset="0"/>
+                    <a:latin typeface="Times New Roman" panose="02020603050405020304" pitchFamily="18" charset="0"/>
+                    <a:ea typeface="Tahoma" panose="020B0604030504040204" pitchFamily="34" charset="0"/>
+                    <a:cs typeface="Times New Roman" panose="02020603050405020304" pitchFamily="18" charset="0"/>
                   </a:endParaRPr>
                 </a:p>
               </p:txBody>
@@ -4140,13 +4143,13 @@
                 <a:lstStyle/>
                 <a:p>
                   <a:pPr algn="ctr"/>
-                  <a:endParaRPr lang="en-US" dirty="0">
+                  <a:endParaRPr lang="en-US" sz="2000" dirty="0">
                     <a:solidFill>
                       <a:schemeClr val="tx1"/>
                     </a:solidFill>
-                    <a:latin typeface="Times New Roman" charset="0"/>
-                    <a:ea typeface="Times New Roman" charset="0"/>
-                    <a:cs typeface="Times New Roman" charset="0"/>
+                    <a:latin typeface="Times New Roman" panose="02020603050405020304" pitchFamily="18" charset="0"/>
+                    <a:ea typeface="Tahoma" panose="020B0604030504040204" pitchFamily="34" charset="0"/>
+                    <a:cs typeface="Times New Roman" panose="02020603050405020304" pitchFamily="18" charset="0"/>
                   </a:endParaRPr>
                 </a:p>
               </p:txBody>
@@ -4209,13 +4212,13 @@
                 <a:lstStyle/>
                 <a:p>
                   <a:pPr algn="ctr"/>
-                  <a:endParaRPr lang="en-US" dirty="0">
+                  <a:endParaRPr lang="en-US" sz="2000" dirty="0">
                     <a:solidFill>
                       <a:schemeClr val="tx1"/>
                     </a:solidFill>
-                    <a:latin typeface="Times New Roman" charset="0"/>
-                    <a:ea typeface="Times New Roman" charset="0"/>
-                    <a:cs typeface="Times New Roman" charset="0"/>
+                    <a:latin typeface="Times New Roman" panose="02020603050405020304" pitchFamily="18" charset="0"/>
+                    <a:ea typeface="Tahoma" panose="020B0604030504040204" pitchFamily="34" charset="0"/>
+                    <a:cs typeface="Times New Roman" panose="02020603050405020304" pitchFamily="18" charset="0"/>
                   </a:endParaRPr>
                 </a:p>
               </p:txBody>
@@ -4235,7 +4238,7 @@
               <p:spPr>
                 <a:xfrm>
                   <a:off x="7589433" y="5220417"/>
-                  <a:ext cx="529047" cy="461665"/>
+                  <a:ext cx="529047" cy="523220"/>
                 </a:xfrm>
                 <a:prstGeom prst="rect">
                   <a:avLst/>
@@ -4249,17 +4252,17 @@
                 <a:lstStyle/>
                 <a:p>
                   <a:r>
-                    <a:rPr lang="mr-IN" sz="2400" dirty="0">
-                      <a:latin typeface="Times" charset="0"/>
-                      <a:ea typeface="Times" charset="0"/>
+                    <a:rPr lang="mr-IN" sz="2800" dirty="0">
+                      <a:latin typeface="Times New Roman" panose="02020603050405020304" pitchFamily="18" charset="0"/>
+                      <a:ea typeface="Tahoma" panose="020B0604030504040204" pitchFamily="34" charset="0"/>
                       <a:cs typeface="Times" charset="0"/>
                     </a:rPr>
                     <a:t>…</a:t>
                   </a:r>
-                  <a:endParaRPr lang="en-US" baseline="-25000" dirty="0">
-                    <a:latin typeface="Times" charset="0"/>
-                    <a:ea typeface="Times" charset="0"/>
-                    <a:cs typeface="Times" charset="0"/>
+                  <a:endParaRPr lang="en-US" sz="2000" baseline="-25000" dirty="0">
+                    <a:latin typeface="Times New Roman" panose="02020603050405020304" pitchFamily="18" charset="0"/>
+                    <a:ea typeface="Tahoma" panose="020B0604030504040204" pitchFamily="34" charset="0"/>
+                    <a:cs typeface="Times New Roman" panose="02020603050405020304" pitchFamily="18" charset="0"/>
                   </a:endParaRPr>
                 </a:p>
               </p:txBody>
@@ -4320,13 +4323,13 @@
                 <a:lstStyle/>
                 <a:p>
                   <a:pPr algn="ctr"/>
-                  <a:endParaRPr lang="en-US" dirty="0">
+                  <a:endParaRPr lang="en-US" sz="2000" dirty="0">
                     <a:solidFill>
                       <a:schemeClr val="tx1"/>
                     </a:solidFill>
-                    <a:latin typeface="Times New Roman" charset="0"/>
-                    <a:ea typeface="Times New Roman" charset="0"/>
-                    <a:cs typeface="Times New Roman" charset="0"/>
+                    <a:latin typeface="Times New Roman" panose="02020603050405020304" pitchFamily="18" charset="0"/>
+                    <a:ea typeface="Tahoma" panose="020B0604030504040204" pitchFamily="34" charset="0"/>
+                    <a:cs typeface="Times New Roman" panose="02020603050405020304" pitchFamily="18" charset="0"/>
                   </a:endParaRPr>
                 </a:p>
               </p:txBody>
@@ -4390,13 +4393,13 @@
                 <a:lstStyle/>
                 <a:p>
                   <a:pPr algn="ctr"/>
-                  <a:endParaRPr lang="en-US" dirty="0">
+                  <a:endParaRPr lang="en-US" sz="2000" dirty="0">
                     <a:solidFill>
                       <a:schemeClr val="tx1"/>
                     </a:solidFill>
-                    <a:latin typeface="Times New Roman" charset="0"/>
-                    <a:ea typeface="Times New Roman" charset="0"/>
-                    <a:cs typeface="Times New Roman" charset="0"/>
+                    <a:latin typeface="Times New Roman" panose="02020603050405020304" pitchFamily="18" charset="0"/>
+                    <a:ea typeface="Tahoma" panose="020B0604030504040204" pitchFamily="34" charset="0"/>
+                    <a:cs typeface="Times New Roman" panose="02020603050405020304" pitchFamily="18" charset="0"/>
                   </a:endParaRPr>
                 </a:p>
               </p:txBody>
@@ -4457,13 +4460,13 @@
                 <a:lstStyle/>
                 <a:p>
                   <a:pPr algn="ctr"/>
-                  <a:endParaRPr lang="en-US" dirty="0">
+                  <a:endParaRPr lang="en-US" sz="2000" dirty="0">
                     <a:solidFill>
                       <a:schemeClr val="tx1"/>
                     </a:solidFill>
-                    <a:latin typeface="Times New Roman" charset="0"/>
-                    <a:ea typeface="Times New Roman" charset="0"/>
-                    <a:cs typeface="Times New Roman" charset="0"/>
+                    <a:latin typeface="Times New Roman" panose="02020603050405020304" pitchFamily="18" charset="0"/>
+                    <a:ea typeface="Tahoma" panose="020B0604030504040204" pitchFamily="34" charset="0"/>
+                    <a:cs typeface="Times New Roman" panose="02020603050405020304" pitchFamily="18" charset="0"/>
                   </a:endParaRPr>
                 </a:p>
               </p:txBody>
@@ -4527,13 +4530,13 @@
                 <a:lstStyle/>
                 <a:p>
                   <a:pPr algn="ctr"/>
-                  <a:endParaRPr lang="en-US" dirty="0">
+                  <a:endParaRPr lang="en-US" sz="2000" dirty="0">
                     <a:solidFill>
                       <a:schemeClr val="tx1"/>
                     </a:solidFill>
-                    <a:latin typeface="Times New Roman" charset="0"/>
-                    <a:ea typeface="Times New Roman" charset="0"/>
-                    <a:cs typeface="Times New Roman" charset="0"/>
+                    <a:latin typeface="Times New Roman" panose="02020603050405020304" pitchFamily="18" charset="0"/>
+                    <a:ea typeface="Tahoma" panose="020B0604030504040204" pitchFamily="34" charset="0"/>
+                    <a:cs typeface="Times New Roman" panose="02020603050405020304" pitchFamily="18" charset="0"/>
                   </a:endParaRPr>
                 </a:p>
               </p:txBody>
@@ -4683,10 +4686,10 @@
           </p:nvGrpSpPr>
           <p:grpSpPr>
             <a:xfrm>
-              <a:off x="4551161" y="4230620"/>
-              <a:ext cx="4451502" cy="1171219"/>
+              <a:off x="4551164" y="4230620"/>
+              <a:ext cx="3643327" cy="1263552"/>
               <a:chOff x="8817030" y="4581939"/>
-              <a:chExt cx="2661910" cy="1171219"/>
+              <a:chExt cx="2178637" cy="1263552"/>
             </a:xfrm>
           </p:grpSpPr>
           <p:sp>
@@ -4745,13 +4748,13 @@
               <a:lstStyle/>
               <a:p>
                 <a:pPr algn="ctr"/>
-                <a:endParaRPr lang="en-US" dirty="0">
+                <a:endParaRPr lang="en-US" sz="2000" dirty="0">
                   <a:solidFill>
                     <a:schemeClr val="tx1"/>
                   </a:solidFill>
-                  <a:latin typeface="Times New Roman" charset="0"/>
-                  <a:ea typeface="Times New Roman" charset="0"/>
-                  <a:cs typeface="Times New Roman" charset="0"/>
+                  <a:latin typeface="Times New Roman" panose="02020603050405020304" pitchFamily="18" charset="0"/>
+                  <a:ea typeface="Tahoma" panose="020B0604030504040204" pitchFamily="34" charset="0"/>
+                  <a:cs typeface="Times New Roman" panose="02020603050405020304" pitchFamily="18" charset="0"/>
                 </a:endParaRPr>
               </a:p>
             </p:txBody>
@@ -4815,13 +4818,13 @@
               <a:lstStyle/>
               <a:p>
                 <a:pPr algn="ctr"/>
-                <a:endParaRPr lang="en-US" dirty="0">
+                <a:endParaRPr lang="en-US" sz="2000" dirty="0">
                   <a:solidFill>
                     <a:schemeClr val="tx1"/>
                   </a:solidFill>
-                  <a:latin typeface="Times New Roman" charset="0"/>
-                  <a:ea typeface="Times New Roman" charset="0"/>
-                  <a:cs typeface="Times New Roman" charset="0"/>
+                  <a:latin typeface="Times New Roman" panose="02020603050405020304" pitchFamily="18" charset="0"/>
+                  <a:ea typeface="Tahoma" panose="020B0604030504040204" pitchFamily="34" charset="0"/>
+                  <a:cs typeface="Times New Roman" panose="02020603050405020304" pitchFamily="18" charset="0"/>
                 </a:endParaRPr>
               </a:p>
             </p:txBody>
@@ -4884,13 +4887,13 @@
               <a:lstStyle/>
               <a:p>
                 <a:pPr algn="ctr"/>
-                <a:endParaRPr lang="en-US" dirty="0">
+                <a:endParaRPr lang="en-US" sz="2000" dirty="0">
                   <a:solidFill>
                     <a:schemeClr val="tx1"/>
                   </a:solidFill>
-                  <a:latin typeface="Times New Roman" charset="0"/>
-                  <a:ea typeface="Times New Roman" charset="0"/>
-                  <a:cs typeface="Times New Roman" charset="0"/>
+                  <a:latin typeface="Times New Roman" panose="02020603050405020304" pitchFamily="18" charset="0"/>
+                  <a:ea typeface="Tahoma" panose="020B0604030504040204" pitchFamily="34" charset="0"/>
+                  <a:cs typeface="Times New Roman" panose="02020603050405020304" pitchFamily="18" charset="0"/>
                 </a:endParaRPr>
               </a:p>
             </p:txBody>
@@ -4910,7 +4913,7 @@
             <p:spPr>
               <a:xfrm>
                 <a:off x="9286370" y="4581939"/>
-                <a:ext cx="2165978" cy="369332"/>
+                <a:ext cx="1688223" cy="461665"/>
               </a:xfrm>
               <a:prstGeom prst="rect">
                 <a:avLst/>
@@ -4923,10 +4926,10 @@
               <a:lstStyle/>
               <a:p>
                 <a:r>
-                  <a:rPr lang="en-US" dirty="0">
-                    <a:latin typeface="Times New Roman" charset="0"/>
-                    <a:ea typeface="Times New Roman" charset="0"/>
-                    <a:cs typeface="Times New Roman" charset="0"/>
+                  <a:rPr lang="en-US" sz="2400" dirty="0">
+                    <a:latin typeface="Times New Roman" panose="02020603050405020304" pitchFamily="18" charset="0"/>
+                    <a:ea typeface="Tahoma" panose="020B0604030504040204" pitchFamily="34" charset="0"/>
+                    <a:cs typeface="Times New Roman" panose="02020603050405020304" pitchFamily="18" charset="0"/>
                   </a:rPr>
                   <a:t>Monitor performance</a:t>
                 </a:r>
@@ -4948,7 +4951,7 @@
             <p:spPr>
               <a:xfrm>
                 <a:off x="9287314" y="4989317"/>
-                <a:ext cx="1999265" cy="369332"/>
+                <a:ext cx="1554983" cy="461665"/>
               </a:xfrm>
               <a:prstGeom prst="rect">
                 <a:avLst/>
@@ -4961,10 +4964,10 @@
               <a:lstStyle/>
               <a:p>
                 <a:r>
-                  <a:rPr lang="en-US" dirty="0">
-                    <a:latin typeface="Times New Roman" charset="0"/>
-                    <a:ea typeface="Times New Roman" charset="0"/>
-                    <a:cs typeface="Times New Roman" charset="0"/>
+                  <a:rPr lang="en-US" sz="2400" dirty="0">
+                    <a:latin typeface="Times New Roman" panose="02020603050405020304" pitchFamily="18" charset="0"/>
+                    <a:ea typeface="Tahoma" panose="020B0604030504040204" pitchFamily="34" charset="0"/>
+                    <a:cs typeface="Times New Roman" panose="02020603050405020304" pitchFamily="18" charset="0"/>
                   </a:rPr>
                   <a:t>Update information</a:t>
                 </a:r>
@@ -4986,7 +4989,7 @@
             <p:spPr>
               <a:xfrm>
                 <a:off x="9287314" y="5383826"/>
-                <a:ext cx="2191626" cy="369332"/>
+                <a:ext cx="1708353" cy="461665"/>
               </a:xfrm>
               <a:prstGeom prst="rect">
                 <a:avLst/>
@@ -4999,10 +5002,10 @@
               <a:lstStyle/>
               <a:p>
                 <a:r>
-                  <a:rPr lang="en-US" dirty="0">
-                    <a:latin typeface="Times New Roman" charset="0"/>
-                    <a:ea typeface="Times New Roman" charset="0"/>
-                    <a:cs typeface="Times New Roman" charset="0"/>
+                  <a:rPr lang="en-US" sz="2400" dirty="0">
+                    <a:latin typeface="Times New Roman" panose="02020603050405020304" pitchFamily="18" charset="0"/>
+                    <a:ea typeface="Tahoma" panose="020B0604030504040204" pitchFamily="34" charset="0"/>
+                    <a:cs typeface="Times New Roman" panose="02020603050405020304" pitchFamily="18" charset="0"/>
                   </a:rPr>
                   <a:t>Change configuration</a:t>
                 </a:r>
@@ -5024,10 +5027,10 @@
           </p:nvGrpSpPr>
           <p:grpSpPr>
             <a:xfrm>
-              <a:off x="1108859" y="1303269"/>
-              <a:ext cx="5691387" cy="2646417"/>
-              <a:chOff x="5224855" y="675999"/>
-              <a:chExt cx="5691387" cy="2646417"/>
+              <a:off x="960269" y="1303406"/>
+              <a:ext cx="5839977" cy="2762805"/>
+              <a:chOff x="5076265" y="676136"/>
+              <a:chExt cx="5839977" cy="2762805"/>
             </a:xfrm>
           </p:grpSpPr>
           <p:sp>
@@ -5088,13 +5091,13 @@
               <a:lstStyle/>
               <a:p>
                 <a:pPr algn="ctr"/>
-                <a:endParaRPr lang="en-US" dirty="0">
+                <a:endParaRPr lang="en-US" sz="2000" dirty="0">
                   <a:solidFill>
                     <a:schemeClr val="tx1"/>
                   </a:solidFill>
-                  <a:latin typeface="Times New Roman" charset="0"/>
-                  <a:ea typeface="Times New Roman" charset="0"/>
-                  <a:cs typeface="Times New Roman" charset="0"/>
+                  <a:latin typeface="Times New Roman" panose="02020603050405020304" pitchFamily="18" charset="0"/>
+                  <a:ea typeface="Tahoma" panose="020B0604030504040204" pitchFamily="34" charset="0"/>
+                  <a:cs typeface="Times New Roman" panose="02020603050405020304" pitchFamily="18" charset="0"/>
                 </a:endParaRPr>
               </a:p>
             </p:txBody>
@@ -5155,13 +5158,13 @@
               <a:lstStyle/>
               <a:p>
                 <a:pPr algn="ctr"/>
-                <a:endParaRPr lang="en-US" dirty="0">
+                <a:endParaRPr lang="en-US" sz="2000" dirty="0">
                   <a:solidFill>
                     <a:schemeClr val="tx1"/>
                   </a:solidFill>
-                  <a:latin typeface="Times New Roman" charset="0"/>
-                  <a:ea typeface="Times New Roman" charset="0"/>
-                  <a:cs typeface="Times New Roman" charset="0"/>
+                  <a:latin typeface="Times New Roman" panose="02020603050405020304" pitchFamily="18" charset="0"/>
+                  <a:ea typeface="Tahoma" panose="020B0604030504040204" pitchFamily="34" charset="0"/>
+                  <a:cs typeface="Times New Roman" panose="02020603050405020304" pitchFamily="18" charset="0"/>
                 </a:endParaRPr>
               </a:p>
             </p:txBody>
@@ -5225,13 +5228,13 @@
               <a:lstStyle/>
               <a:p>
                 <a:pPr algn="ctr"/>
-                <a:endParaRPr lang="en-US" dirty="0">
+                <a:endParaRPr lang="en-US" sz="2000" dirty="0">
                   <a:solidFill>
                     <a:schemeClr val="tx1"/>
                   </a:solidFill>
-                  <a:latin typeface="Times New Roman" charset="0"/>
-                  <a:ea typeface="Times New Roman" charset="0"/>
-                  <a:cs typeface="Times New Roman" charset="0"/>
+                  <a:latin typeface="Times New Roman" panose="02020603050405020304" pitchFamily="18" charset="0"/>
+                  <a:ea typeface="Tahoma" panose="020B0604030504040204" pitchFamily="34" charset="0"/>
+                  <a:cs typeface="Times New Roman" panose="02020603050405020304" pitchFamily="18" charset="0"/>
                 </a:endParaRPr>
               </a:p>
             </p:txBody>
@@ -5294,13 +5297,13 @@
               <a:lstStyle/>
               <a:p>
                 <a:pPr algn="ctr"/>
-                <a:endParaRPr lang="en-US" dirty="0">
+                <a:endParaRPr lang="en-US" sz="2000" dirty="0">
                   <a:solidFill>
                     <a:schemeClr val="tx1"/>
                   </a:solidFill>
-                  <a:latin typeface="Times New Roman" charset="0"/>
-                  <a:ea typeface="Times New Roman" charset="0"/>
-                  <a:cs typeface="Times New Roman" charset="0"/>
+                  <a:latin typeface="Times New Roman" panose="02020603050405020304" pitchFamily="18" charset="0"/>
+                  <a:ea typeface="Tahoma" panose="020B0604030504040204" pitchFamily="34" charset="0"/>
+                  <a:cs typeface="Times New Roman" panose="02020603050405020304" pitchFamily="18" charset="0"/>
                 </a:endParaRPr>
               </a:p>
             </p:txBody>
@@ -5361,13 +5364,13 @@
               <a:lstStyle/>
               <a:p>
                 <a:pPr algn="ctr"/>
-                <a:endParaRPr lang="en-US" dirty="0">
+                <a:endParaRPr lang="en-US" sz="2000" dirty="0">
                   <a:solidFill>
                     <a:schemeClr val="tx1"/>
                   </a:solidFill>
-                  <a:latin typeface="Times New Roman" charset="0"/>
-                  <a:ea typeface="Times New Roman" charset="0"/>
-                  <a:cs typeface="Times New Roman" charset="0"/>
+                  <a:latin typeface="Times New Roman" panose="02020603050405020304" pitchFamily="18" charset="0"/>
+                  <a:ea typeface="Tahoma" panose="020B0604030504040204" pitchFamily="34" charset="0"/>
+                  <a:cs typeface="Times New Roman" panose="02020603050405020304" pitchFamily="18" charset="0"/>
                 </a:endParaRPr>
               </a:p>
             </p:txBody>
@@ -5431,13 +5434,13 @@
               <a:lstStyle/>
               <a:p>
                 <a:pPr algn="ctr"/>
-                <a:endParaRPr lang="en-US" dirty="0">
+                <a:endParaRPr lang="en-US" sz="2000" dirty="0">
                   <a:solidFill>
                     <a:schemeClr val="tx1"/>
                   </a:solidFill>
-                  <a:latin typeface="Times New Roman" charset="0"/>
-                  <a:ea typeface="Times New Roman" charset="0"/>
-                  <a:cs typeface="Times New Roman" charset="0"/>
+                  <a:latin typeface="Times New Roman" panose="02020603050405020304" pitchFamily="18" charset="0"/>
+                  <a:ea typeface="Tahoma" panose="020B0604030504040204" pitchFamily="34" charset="0"/>
+                  <a:cs typeface="Times New Roman" panose="02020603050405020304" pitchFamily="18" charset="0"/>
                 </a:endParaRPr>
               </a:p>
             </p:txBody>
@@ -5500,13 +5503,13 @@
               <a:lstStyle/>
               <a:p>
                 <a:pPr algn="ctr"/>
-                <a:endParaRPr lang="en-US" dirty="0">
+                <a:endParaRPr lang="en-US" sz="2000" dirty="0">
                   <a:solidFill>
                     <a:schemeClr val="tx1"/>
                   </a:solidFill>
-                  <a:latin typeface="Times New Roman" charset="0"/>
-                  <a:ea typeface="Times New Roman" charset="0"/>
-                  <a:cs typeface="Times New Roman" charset="0"/>
+                  <a:latin typeface="Times New Roman" panose="02020603050405020304" pitchFamily="18" charset="0"/>
+                  <a:ea typeface="Tahoma" panose="020B0604030504040204" pitchFamily="34" charset="0"/>
+                  <a:cs typeface="Times New Roman" panose="02020603050405020304" pitchFamily="18" charset="0"/>
                 </a:endParaRPr>
               </a:p>
             </p:txBody>
@@ -5567,13 +5570,13 @@
               <a:lstStyle/>
               <a:p>
                 <a:pPr algn="ctr"/>
-                <a:endParaRPr lang="en-US" dirty="0">
+                <a:endParaRPr lang="en-US" sz="2000" dirty="0">
                   <a:solidFill>
                     <a:schemeClr val="tx1"/>
                   </a:solidFill>
-                  <a:latin typeface="Times New Roman" charset="0"/>
-                  <a:ea typeface="Times New Roman" charset="0"/>
-                  <a:cs typeface="Times New Roman" charset="0"/>
+                  <a:latin typeface="Times New Roman" panose="02020603050405020304" pitchFamily="18" charset="0"/>
+                  <a:ea typeface="Tahoma" panose="020B0604030504040204" pitchFamily="34" charset="0"/>
+                  <a:cs typeface="Times New Roman" panose="02020603050405020304" pitchFamily="18" charset="0"/>
                 </a:endParaRPr>
               </a:p>
             </p:txBody>
@@ -5637,13 +5640,13 @@
               <a:lstStyle/>
               <a:p>
                 <a:pPr algn="ctr"/>
-                <a:endParaRPr lang="en-US" dirty="0">
+                <a:endParaRPr lang="en-US" sz="2000" dirty="0">
                   <a:solidFill>
                     <a:schemeClr val="tx1"/>
                   </a:solidFill>
-                  <a:latin typeface="Times New Roman" charset="0"/>
-                  <a:ea typeface="Times New Roman" charset="0"/>
-                  <a:cs typeface="Times New Roman" charset="0"/>
+                  <a:latin typeface="Times New Roman" panose="02020603050405020304" pitchFamily="18" charset="0"/>
+                  <a:ea typeface="Tahoma" panose="020B0604030504040204" pitchFamily="34" charset="0"/>
+                  <a:cs typeface="Times New Roman" panose="02020603050405020304" pitchFamily="18" charset="0"/>
                 </a:endParaRPr>
               </a:p>
             </p:txBody>
@@ -5706,13 +5709,13 @@
               <a:lstStyle/>
               <a:p>
                 <a:pPr algn="ctr"/>
-                <a:endParaRPr lang="en-US" dirty="0">
+                <a:endParaRPr lang="en-US" sz="2000" dirty="0">
                   <a:solidFill>
                     <a:schemeClr val="tx1"/>
                   </a:solidFill>
-                  <a:latin typeface="Times New Roman" charset="0"/>
-                  <a:ea typeface="Times New Roman" charset="0"/>
-                  <a:cs typeface="Times New Roman" charset="0"/>
+                  <a:latin typeface="Times New Roman" panose="02020603050405020304" pitchFamily="18" charset="0"/>
+                  <a:ea typeface="Tahoma" panose="020B0604030504040204" pitchFamily="34" charset="0"/>
+                  <a:cs typeface="Times New Roman" panose="02020603050405020304" pitchFamily="18" charset="0"/>
                 </a:endParaRPr>
               </a:p>
             </p:txBody>
@@ -5731,10 +5734,10 @@
             </p:nvGrpSpPr>
             <p:grpSpPr>
               <a:xfrm>
-                <a:off x="5224855" y="1416912"/>
-                <a:ext cx="4870276" cy="1905504"/>
-                <a:chOff x="3287194" y="4486059"/>
-                <a:chExt cx="4870276" cy="1905504"/>
+                <a:off x="5076265" y="1416912"/>
+                <a:ext cx="5018866" cy="2022029"/>
+                <a:chOff x="3138604" y="4486059"/>
+                <a:chExt cx="5018866" cy="2022029"/>
               </a:xfrm>
             </p:grpSpPr>
             <p:sp>
@@ -5751,8 +5754,8 @@
               </p:nvSpPr>
               <p:spPr>
                 <a:xfrm>
-                  <a:off x="3296097" y="4530742"/>
-                  <a:ext cx="973636" cy="400110"/>
+                  <a:off x="3144771" y="4530268"/>
+                  <a:ext cx="1147906" cy="461665"/>
                 </a:xfrm>
                 <a:prstGeom prst="rect">
                   <a:avLst/>
@@ -5766,18 +5769,18 @@
                 <a:lstStyle/>
                 <a:p>
                   <a:r>
-                    <a:rPr lang="en-US" sz="2000" dirty="0">
-                      <a:latin typeface="Times New Roman" charset="0"/>
-                      <a:ea typeface="Times New Roman" charset="0"/>
-                      <a:cs typeface="Times New Roman" charset="0"/>
+                    <a:rPr lang="en-US" sz="2400" dirty="0">
+                      <a:latin typeface="Times New Roman" panose="02020603050405020304" pitchFamily="18" charset="0"/>
+                      <a:ea typeface="Tahoma" panose="020B0604030504040204" pitchFamily="34" charset="0"/>
+                      <a:cs typeface="Times New Roman" panose="02020603050405020304" pitchFamily="18" charset="0"/>
                     </a:rPr>
                     <a:t>Agent</a:t>
                   </a:r>
                   <a:r>
-                    <a:rPr lang="en-US" sz="2000" baseline="-25000" dirty="0">
-                      <a:latin typeface="Times New Roman" charset="0"/>
-                      <a:ea typeface="Times New Roman" charset="0"/>
-                      <a:cs typeface="Times New Roman" charset="0"/>
+                    <a:rPr lang="en-US" sz="2400" baseline="-25000" dirty="0">
+                      <a:latin typeface="Times New Roman" panose="02020603050405020304" pitchFamily="18" charset="0"/>
+                      <a:ea typeface="Tahoma" panose="020B0604030504040204" pitchFamily="34" charset="0"/>
+                      <a:cs typeface="Times New Roman" panose="02020603050405020304" pitchFamily="18" charset="0"/>
                     </a:rPr>
                     <a:t>A</a:t>
                   </a:r>
@@ -5798,8 +5801,8 @@
               </p:nvSpPr>
               <p:spPr>
                 <a:xfrm>
-                  <a:off x="3287194" y="5326593"/>
-                  <a:ext cx="1329550" cy="400110"/>
+                  <a:off x="3138604" y="5326593"/>
+                  <a:ext cx="1329550" cy="461665"/>
                 </a:xfrm>
                 <a:prstGeom prst="rect">
                   <a:avLst/>
@@ -5813,18 +5816,18 @@
                 <a:lstStyle/>
                 <a:p>
                   <a:r>
-                    <a:rPr lang="en-US" sz="2000" dirty="0">
-                      <a:latin typeface="Times New Roman" charset="0"/>
-                      <a:ea typeface="Times New Roman" charset="0"/>
-                      <a:cs typeface="Times New Roman" charset="0"/>
+                    <a:rPr lang="en-US" sz="2400" dirty="0">
+                      <a:latin typeface="Times New Roman" panose="02020603050405020304" pitchFamily="18" charset="0"/>
+                      <a:ea typeface="Tahoma" panose="020B0604030504040204" pitchFamily="34" charset="0"/>
+                      <a:cs typeface="Times New Roman" panose="02020603050405020304" pitchFamily="18" charset="0"/>
                     </a:rPr>
                     <a:t>Agent</a:t>
                   </a:r>
                   <a:r>
-                    <a:rPr lang="en-US" sz="2000" baseline="-25000" dirty="0">
-                      <a:latin typeface="Times New Roman" charset="0"/>
-                      <a:ea typeface="Times New Roman" charset="0"/>
-                      <a:cs typeface="Times New Roman" charset="0"/>
+                    <a:rPr lang="en-US" sz="2400" baseline="-25000" dirty="0">
+                      <a:latin typeface="Times New Roman" panose="02020603050405020304" pitchFamily="18" charset="0"/>
+                      <a:ea typeface="Tahoma" panose="020B0604030504040204" pitchFamily="34" charset="0"/>
+                      <a:cs typeface="Times New Roman" panose="02020603050405020304" pitchFamily="18" charset="0"/>
                     </a:rPr>
                     <a:t>B</a:t>
                   </a:r>
@@ -5847,8 +5850,8 @@
                   </p:nvSpPr>
                   <p:spPr>
                     <a:xfrm>
-                      <a:off x="4530108" y="5991453"/>
-                      <a:ext cx="2522902" cy="400110"/>
+                      <a:off x="4292677" y="6046423"/>
+                      <a:ext cx="3221698" cy="461665"/>
                     </a:xfrm>
                     <a:prstGeom prst="rect">
                       <a:avLst/>
@@ -5862,17 +5865,17 @@
                     <a:lstStyle/>
                     <a:p>
                       <a:r>
-                        <a:rPr lang="en-US" sz="2000" dirty="0">
-                          <a:latin typeface="Times New Roman" charset="0"/>
-                          <a:ea typeface="Times New Roman" charset="0"/>
-                          <a:cs typeface="Times New Roman" charset="0"/>
+                        <a:rPr lang="en-US" sz="2400" dirty="0">
+                          <a:latin typeface="Times New Roman" panose="02020603050405020304" pitchFamily="18" charset="0"/>
+                          <a:ea typeface="Tahoma" panose="020B0604030504040204" pitchFamily="34" charset="0"/>
+                          <a:cs typeface="Times New Roman" panose="02020603050405020304" pitchFamily="18" charset="0"/>
                         </a:rPr>
                         <a:t>Learning iteration, </a:t>
                       </a:r>
                       <a14:m>
                         <m:oMath xmlns:m="http://schemas.openxmlformats.org/officeDocument/2006/math">
                           <m:r>
-                            <a:rPr lang="en-US" sz="2000" i="1" dirty="0">
+                            <a:rPr lang="en-US" sz="2400" i="1" dirty="0">
                               <a:latin typeface="Cambria Math" panose="02040503050406030204" pitchFamily="18" charset="0"/>
                               <a:ea typeface="Times New Roman" charset="0"/>
                               <a:cs typeface="Times New Roman" charset="0"/>
@@ -5880,7 +5883,7 @@
                             <m:t>∆</m:t>
                           </m:r>
                           <m:r>
-                            <a:rPr lang="es-ES" sz="2000" b="0" i="1" dirty="0">
+                            <a:rPr lang="es-ES" sz="2400" b="0" i="1" dirty="0">
                               <a:latin typeface="Cambria Math" panose="02040503050406030204" pitchFamily="18" charset="0"/>
                               <a:ea typeface="Times New Roman" charset="0"/>
                               <a:cs typeface="Times New Roman" charset="0"/>
@@ -5889,10 +5892,10 @@
                           </m:r>
                         </m:oMath>
                       </a14:m>
-                      <a:endParaRPr lang="en-US" sz="2000" baseline="-25000" dirty="0">
-                        <a:latin typeface="Times New Roman" charset="0"/>
-                        <a:ea typeface="Times New Roman" charset="0"/>
-                        <a:cs typeface="Times New Roman" charset="0"/>
+                      <a:endParaRPr lang="en-US" sz="2400" baseline="-25000" dirty="0">
+                        <a:latin typeface="Times New Roman" panose="02020603050405020304" pitchFamily="18" charset="0"/>
+                        <a:ea typeface="Tahoma" panose="020B0604030504040204" pitchFamily="34" charset="0"/>
+                        <a:cs typeface="Times New Roman" panose="02020603050405020304" pitchFamily="18" charset="0"/>
                       </a:endParaRPr>
                     </a:p>
                   </p:txBody>
@@ -5915,16 +5918,16 @@
                   </p:nvSpPr>
                   <p:spPr>
                     <a:xfrm>
-                      <a:off x="4530108" y="5991453"/>
-                      <a:ext cx="2522902" cy="400110"/>
+                      <a:off x="4292677" y="6046423"/>
+                      <a:ext cx="3221698" cy="461665"/>
                     </a:xfrm>
                     <a:prstGeom prst="rect">
                       <a:avLst/>
                     </a:prstGeom>
                     <a:blipFill>
-                      <a:blip r:embed="rId3"/>
+                      <a:blip r:embed="rId4"/>
                       <a:stretch>
-                        <a:fillRect l="-2000" t="-6061" b="-24242"/>
+                        <a:fillRect l="-2745" t="-10811" b="-29730"/>
                       </a:stretch>
                     </a:blipFill>
                   </p:spPr>
@@ -5988,7 +5991,10 @@
                 <a:lstStyle/>
                 <a:p>
                   <a:pPr algn="ctr"/>
-                  <a:endParaRPr lang="en-US"/>
+                  <a:endParaRPr lang="en-US" sz="2000">
+                    <a:latin typeface="Times New Roman" panose="02020603050405020304" pitchFamily="18" charset="0"/>
+                    <a:cs typeface="Times New Roman" panose="02020603050405020304" pitchFamily="18" charset="0"/>
+                  </a:endParaRPr>
                 </a:p>
               </p:txBody>
             </p:sp>
@@ -6050,13 +6056,13 @@
                 <a:lstStyle/>
                 <a:p>
                   <a:pPr algn="ctr"/>
-                  <a:endParaRPr lang="en-US" dirty="0">
+                  <a:endParaRPr lang="en-US" sz="2000" dirty="0">
                     <a:solidFill>
                       <a:schemeClr val="tx1"/>
                     </a:solidFill>
-                    <a:latin typeface="Times New Roman" charset="0"/>
-                    <a:ea typeface="Times New Roman" charset="0"/>
-                    <a:cs typeface="Times New Roman" charset="0"/>
+                    <a:latin typeface="Times New Roman" panose="02020603050405020304" pitchFamily="18" charset="0"/>
+                    <a:ea typeface="Tahoma" panose="020B0604030504040204" pitchFamily="34" charset="0"/>
+                    <a:cs typeface="Times New Roman" panose="02020603050405020304" pitchFamily="18" charset="0"/>
                   </a:endParaRPr>
                 </a:p>
               </p:txBody>
@@ -6076,7 +6082,7 @@
               <p:spPr>
                 <a:xfrm>
                   <a:off x="7589433" y="5220417"/>
-                  <a:ext cx="529047" cy="461665"/>
+                  <a:ext cx="529047" cy="523220"/>
                 </a:xfrm>
                 <a:prstGeom prst="rect">
                   <a:avLst/>
@@ -6090,17 +6096,17 @@
                 <a:lstStyle/>
                 <a:p>
                   <a:r>
-                    <a:rPr lang="mr-IN" sz="2400" dirty="0">
-                      <a:latin typeface="Times" charset="0"/>
-                      <a:ea typeface="Times" charset="0"/>
+                    <a:rPr lang="mr-IN" sz="2800" dirty="0">
+                      <a:latin typeface="Times New Roman" panose="02020603050405020304" pitchFamily="18" charset="0"/>
+                      <a:ea typeface="Tahoma" panose="020B0604030504040204" pitchFamily="34" charset="0"/>
                       <a:cs typeface="Times" charset="0"/>
                     </a:rPr>
                     <a:t>…</a:t>
                   </a:r>
-                  <a:endParaRPr lang="en-US" baseline="-25000" dirty="0">
-                    <a:latin typeface="Times" charset="0"/>
-                    <a:ea typeface="Times" charset="0"/>
-                    <a:cs typeface="Times" charset="0"/>
+                  <a:endParaRPr lang="en-US" sz="2000" baseline="-25000" dirty="0">
+                    <a:latin typeface="Times New Roman" panose="02020603050405020304" pitchFamily="18" charset="0"/>
+                    <a:ea typeface="Tahoma" panose="020B0604030504040204" pitchFamily="34" charset="0"/>
+                    <a:cs typeface="Times New Roman" panose="02020603050405020304" pitchFamily="18" charset="0"/>
                   </a:endParaRPr>
                 </a:p>
               </p:txBody>
@@ -6161,13 +6167,13 @@
                 <a:lstStyle/>
                 <a:p>
                   <a:pPr algn="ctr"/>
-                  <a:endParaRPr lang="en-US" dirty="0">
+                  <a:endParaRPr lang="en-US" sz="2000" dirty="0">
                     <a:solidFill>
                       <a:schemeClr val="tx1"/>
                     </a:solidFill>
-                    <a:latin typeface="Times New Roman" charset="0"/>
-                    <a:ea typeface="Times New Roman" charset="0"/>
-                    <a:cs typeface="Times New Roman" charset="0"/>
+                    <a:latin typeface="Times New Roman" panose="02020603050405020304" pitchFamily="18" charset="0"/>
+                    <a:ea typeface="Tahoma" panose="020B0604030504040204" pitchFamily="34" charset="0"/>
+                    <a:cs typeface="Times New Roman" panose="02020603050405020304" pitchFamily="18" charset="0"/>
                   </a:endParaRPr>
                 </a:p>
               </p:txBody>
@@ -6231,13 +6237,13 @@
                 <a:lstStyle/>
                 <a:p>
                   <a:pPr algn="ctr"/>
-                  <a:endParaRPr lang="en-US" dirty="0">
+                  <a:endParaRPr lang="en-US" sz="2000" dirty="0">
                     <a:solidFill>
                       <a:schemeClr val="tx1"/>
                     </a:solidFill>
-                    <a:latin typeface="Times New Roman" charset="0"/>
-                    <a:ea typeface="Times New Roman" charset="0"/>
-                    <a:cs typeface="Times New Roman" charset="0"/>
+                    <a:latin typeface="Times New Roman" panose="02020603050405020304" pitchFamily="18" charset="0"/>
+                    <a:ea typeface="Tahoma" panose="020B0604030504040204" pitchFamily="34" charset="0"/>
+                    <a:cs typeface="Times New Roman" panose="02020603050405020304" pitchFamily="18" charset="0"/>
                   </a:endParaRPr>
                 </a:p>
               </p:txBody>
@@ -6558,8 +6564,8 @@
                 </p:nvSpPr>
                 <p:spPr>
                   <a:xfrm>
-                    <a:off x="5847065" y="675999"/>
-                    <a:ext cx="2522902" cy="400110"/>
+                    <a:off x="5527025" y="676136"/>
+                    <a:ext cx="3246896" cy="461665"/>
                   </a:xfrm>
                   <a:prstGeom prst="rect">
                     <a:avLst/>
@@ -6573,17 +6579,17 @@
                   <a:lstStyle/>
                   <a:p>
                     <a:r>
-                      <a:rPr lang="en-US" sz="2000" dirty="0">
-                        <a:latin typeface="Times New Roman" charset="0"/>
-                        <a:ea typeface="Times New Roman" charset="0"/>
-                        <a:cs typeface="Times New Roman" charset="0"/>
+                      <a:rPr lang="en-US" sz="2400" dirty="0">
+                        <a:latin typeface="Times New Roman" panose="02020603050405020304" pitchFamily="18" charset="0"/>
+                        <a:ea typeface="Tahoma" panose="020B0604030504040204" pitchFamily="34" charset="0"/>
+                        <a:cs typeface="Times New Roman" panose="02020603050405020304" pitchFamily="18" charset="0"/>
                       </a:rPr>
                       <a:t>Learning iteration, </a:t>
                     </a:r>
                     <a14:m>
                       <m:oMath xmlns:m="http://schemas.openxmlformats.org/officeDocument/2006/math">
                         <m:r>
-                          <a:rPr lang="en-US" sz="2000" i="1" dirty="0">
+                          <a:rPr lang="en-US" sz="2400" i="1" dirty="0">
                             <a:latin typeface="Cambria Math" panose="02040503050406030204" pitchFamily="18" charset="0"/>
                             <a:ea typeface="Times New Roman" charset="0"/>
                             <a:cs typeface="Times New Roman" charset="0"/>
@@ -6591,7 +6597,7 @@
                           <m:t>∆</m:t>
                         </m:r>
                         <m:r>
-                          <a:rPr lang="es-ES" sz="2000" b="0" i="1" dirty="0">
+                          <a:rPr lang="es-ES" sz="2400" b="0" i="1" dirty="0">
                             <a:latin typeface="Cambria Math" panose="02040503050406030204" pitchFamily="18" charset="0"/>
                             <a:ea typeface="Times New Roman" charset="0"/>
                             <a:cs typeface="Times New Roman" charset="0"/>
@@ -6600,10 +6606,10 @@
                         </m:r>
                       </m:oMath>
                     </a14:m>
-                    <a:endParaRPr lang="en-US" sz="2000" baseline="-25000" dirty="0">
-                      <a:latin typeface="Times New Roman" charset="0"/>
-                      <a:ea typeface="Times New Roman" charset="0"/>
-                      <a:cs typeface="Times New Roman" charset="0"/>
+                    <a:endParaRPr lang="en-US" sz="2400" baseline="-25000" dirty="0">
+                      <a:latin typeface="Times New Roman" panose="02020603050405020304" pitchFamily="18" charset="0"/>
+                      <a:ea typeface="Tahoma" panose="020B0604030504040204" pitchFamily="34" charset="0"/>
+                      <a:cs typeface="Times New Roman" panose="02020603050405020304" pitchFamily="18" charset="0"/>
                     </a:endParaRPr>
                   </a:p>
                 </p:txBody>
@@ -6626,16 +6632,16 @@
                 </p:nvSpPr>
                 <p:spPr>
                   <a:xfrm>
-                    <a:off x="5847065" y="675999"/>
-                    <a:ext cx="2522902" cy="400110"/>
+                    <a:off x="5527025" y="676136"/>
+                    <a:ext cx="3246896" cy="461665"/>
                   </a:xfrm>
                   <a:prstGeom prst="rect">
                     <a:avLst/>
                   </a:prstGeom>
                   <a:blipFill>
-                    <a:blip r:embed="rId4"/>
+                    <a:blip r:embed="rId5"/>
                     <a:stretch>
-                      <a:fillRect l="-2000" t="-9375" b="-25000"/>
+                      <a:fillRect l="-2724" t="-10811" b="-27027"/>
                     </a:stretch>
                   </a:blipFill>
                 </p:spPr>
@@ -6699,7 +6705,10 @@
               <a:lstStyle/>
               <a:p>
                 <a:pPr algn="ctr"/>
-                <a:endParaRPr lang="en-US"/>
+                <a:endParaRPr lang="en-US" sz="2000">
+                  <a:latin typeface="Times New Roman" panose="02020603050405020304" pitchFamily="18" charset="0"/>
+                  <a:cs typeface="Times New Roman" panose="02020603050405020304" pitchFamily="18" charset="0"/>
+                </a:endParaRPr>
               </a:p>
             </p:txBody>
           </p:sp>
@@ -6718,7 +6727,7 @@
             <p:spPr>
               <a:xfrm>
                 <a:off x="10019001" y="1784457"/>
-                <a:ext cx="893282" cy="400110"/>
+                <a:ext cx="893282" cy="461665"/>
               </a:xfrm>
               <a:prstGeom prst="rect">
                 <a:avLst/>
@@ -6732,10 +6741,10 @@
               <a:lstStyle/>
               <a:p>
                 <a:r>
-                  <a:rPr lang="en-US" sz="2000" dirty="0">
-                    <a:latin typeface="Times New Roman" charset="0"/>
-                    <a:ea typeface="Times New Roman" charset="0"/>
-                    <a:cs typeface="Times New Roman" charset="0"/>
+                  <a:rPr lang="en-US" sz="2400" dirty="0">
+                    <a:latin typeface="Times New Roman" panose="02020603050405020304" pitchFamily="18" charset="0"/>
+                    <a:ea typeface="Tahoma" panose="020B0604030504040204" pitchFamily="34" charset="0"/>
+                    <a:cs typeface="Times New Roman" panose="02020603050405020304" pitchFamily="18" charset="0"/>
                   </a:rPr>
                   <a:t>t</a:t>
                 </a:r>
@@ -6757,7 +6766,7 @@
             <p:spPr>
               <a:xfrm>
                 <a:off x="10022960" y="2669281"/>
-                <a:ext cx="893282" cy="400110"/>
+                <a:ext cx="893282" cy="461665"/>
               </a:xfrm>
               <a:prstGeom prst="rect">
                 <a:avLst/>
@@ -6771,17 +6780,17 @@
               <a:lstStyle/>
               <a:p>
                 <a:r>
-                  <a:rPr lang="en-US" sz="2000">
-                    <a:latin typeface="Times New Roman" charset="0"/>
-                    <a:ea typeface="Times New Roman" charset="0"/>
-                    <a:cs typeface="Times New Roman" charset="0"/>
+                  <a:rPr lang="en-US" sz="2400">
+                    <a:latin typeface="Times New Roman" panose="02020603050405020304" pitchFamily="18" charset="0"/>
+                    <a:ea typeface="Tahoma" panose="020B0604030504040204" pitchFamily="34" charset="0"/>
+                    <a:cs typeface="Times New Roman" panose="02020603050405020304" pitchFamily="18" charset="0"/>
                   </a:rPr>
                   <a:t>t</a:t>
                 </a:r>
-                <a:endParaRPr lang="en-US" sz="2000" dirty="0">
-                  <a:latin typeface="Times New Roman" charset="0"/>
-                  <a:ea typeface="Times New Roman" charset="0"/>
-                  <a:cs typeface="Times New Roman" charset="0"/>
+                <a:endParaRPr lang="en-US" sz="2400" dirty="0">
+                  <a:latin typeface="Times New Roman" panose="02020603050405020304" pitchFamily="18" charset="0"/>
+                  <a:ea typeface="Tahoma" panose="020B0604030504040204" pitchFamily="34" charset="0"/>
+                  <a:cs typeface="Times New Roman" panose="02020603050405020304" pitchFamily="18" charset="0"/>
                 </a:endParaRPr>
               </a:p>
             </p:txBody>
@@ -6801,7 +6810,7 @@
             <p:spPr>
               <a:xfrm>
                 <a:off x="9527094" y="1261203"/>
-                <a:ext cx="529047" cy="461665"/>
+                <a:ext cx="529047" cy="523220"/>
               </a:xfrm>
               <a:prstGeom prst="rect">
                 <a:avLst/>
@@ -6815,17 +6824,17 @@
               <a:lstStyle/>
               <a:p>
                 <a:r>
-                  <a:rPr lang="mr-IN" sz="2400" dirty="0">
-                    <a:latin typeface="Times" charset="0"/>
-                    <a:ea typeface="Times" charset="0"/>
+                  <a:rPr lang="mr-IN" sz="2800" dirty="0">
+                    <a:latin typeface="Times New Roman" panose="02020603050405020304" pitchFamily="18" charset="0"/>
+                    <a:ea typeface="Tahoma" panose="020B0604030504040204" pitchFamily="34" charset="0"/>
                     <a:cs typeface="Times" charset="0"/>
                   </a:rPr>
                   <a:t>…</a:t>
                 </a:r>
-                <a:endParaRPr lang="en-US" baseline="-25000" dirty="0">
-                  <a:latin typeface="Times" charset="0"/>
-                  <a:ea typeface="Times" charset="0"/>
-                  <a:cs typeface="Times" charset="0"/>
+                <a:endParaRPr lang="en-US" sz="2000" baseline="-25000" dirty="0">
+                  <a:latin typeface="Times New Roman" panose="02020603050405020304" pitchFamily="18" charset="0"/>
+                  <a:ea typeface="Tahoma" panose="020B0604030504040204" pitchFamily="34" charset="0"/>
+                  <a:cs typeface="Times New Roman" panose="02020603050405020304" pitchFamily="18" charset="0"/>
                 </a:endParaRPr>
               </a:p>
             </p:txBody>
@@ -6845,8 +6854,8 @@
           </p:nvSpPr>
           <p:spPr>
             <a:xfrm>
-              <a:off x="2774665" y="697694"/>
-              <a:ext cx="2522902" cy="461665"/>
+              <a:off x="2634528" y="677551"/>
+              <a:ext cx="2803175" cy="584775"/>
             </a:xfrm>
             <a:prstGeom prst="rect">
               <a:avLst/>
@@ -6860,17 +6869,17 @@
             <a:lstStyle/>
             <a:p>
               <a:r>
-                <a:rPr lang="es-ES" sz="2400" b="1" dirty="0" err="1">
-                  <a:latin typeface="Times New Roman" charset="0"/>
-                  <a:ea typeface="Times New Roman" charset="0"/>
-                  <a:cs typeface="Times New Roman" charset="0"/>
+                <a:rPr lang="es-ES" sz="3200" b="1" dirty="0" err="1">
+                  <a:latin typeface="Times New Roman" panose="02020603050405020304" pitchFamily="18" charset="0"/>
+                  <a:ea typeface="Tahoma" panose="020B0604030504040204" pitchFamily="34" charset="0"/>
+                  <a:cs typeface="Times New Roman" panose="02020603050405020304" pitchFamily="18" charset="0"/>
                 </a:rPr>
                 <a:t>Asynchronous</a:t>
               </a:r>
-              <a:endParaRPr lang="en-US" sz="2400" b="1" baseline="-25000" dirty="0">
-                <a:latin typeface="Times New Roman" charset="0"/>
-                <a:ea typeface="Times New Roman" charset="0"/>
-                <a:cs typeface="Times New Roman" charset="0"/>
+              <a:endParaRPr lang="en-US" sz="3200" b="1" baseline="-25000" dirty="0">
+                <a:latin typeface="Times New Roman" panose="02020603050405020304" pitchFamily="18" charset="0"/>
+                <a:ea typeface="Tahoma" panose="020B0604030504040204" pitchFamily="34" charset="0"/>
+                <a:cs typeface="Times New Roman" panose="02020603050405020304" pitchFamily="18" charset="0"/>
               </a:endParaRPr>
             </a:p>
           </p:txBody>
@@ -6889,8 +6898,8 @@
           </p:nvSpPr>
           <p:spPr>
             <a:xfrm>
-              <a:off x="8339937" y="697220"/>
-              <a:ext cx="2522902" cy="461665"/>
+              <a:off x="8437718" y="677550"/>
+              <a:ext cx="2803175" cy="584775"/>
             </a:xfrm>
             <a:prstGeom prst="rect">
               <a:avLst/>
@@ -6904,17 +6913,17 @@
             <a:lstStyle/>
             <a:p>
               <a:r>
-                <a:rPr lang="es-ES" sz="2400" b="1" dirty="0" err="1">
-                  <a:latin typeface="Times New Roman" charset="0"/>
-                  <a:ea typeface="Times New Roman" charset="0"/>
-                  <a:cs typeface="Times New Roman" charset="0"/>
+                <a:rPr lang="es-ES" sz="3200" b="1" dirty="0" err="1">
+                  <a:latin typeface="Times New Roman" panose="02020603050405020304" pitchFamily="18" charset="0"/>
+                  <a:ea typeface="Tahoma" panose="020B0604030504040204" pitchFamily="34" charset="0"/>
+                  <a:cs typeface="Times New Roman" panose="02020603050405020304" pitchFamily="18" charset="0"/>
                 </a:rPr>
-                <a:t>Synchronous</a:t>
+                <a:t>Ordered</a:t>
               </a:r>
-              <a:endParaRPr lang="en-US" sz="2400" b="1" baseline="-25000" dirty="0">
-                <a:latin typeface="Times New Roman" charset="0"/>
-                <a:ea typeface="Times New Roman" charset="0"/>
-                <a:cs typeface="Times New Roman" charset="0"/>
+              <a:endParaRPr lang="en-US" sz="3200" b="1" baseline="-25000" dirty="0">
+                <a:latin typeface="Times New Roman" panose="02020603050405020304" pitchFamily="18" charset="0"/>
+                <a:ea typeface="Tahoma" panose="020B0604030504040204" pitchFamily="34" charset="0"/>
+                <a:cs typeface="Times New Roman" panose="02020603050405020304" pitchFamily="18" charset="0"/>
               </a:endParaRPr>
             </a:p>
           </p:txBody>

--- a/Ordered Learning/resources/learning_procedure.pptx
+++ b/Ordered Learning/resources/learning_procedure.pptx
@@ -197,7 +197,7 @@
           </a:lstStyle>
           <a:p>
             <a:fld id="{2FFE7D56-2A7E-6547-89BD-800656E84409}" type="datetimeFigureOut">
-              <a:t>10/16/18</a:t>
+              <a:t>10/19/18</a:t>
             </a:fld>
             <a:endParaRPr lang="en-US"/>
           </a:p>
@@ -761,7 +761,7 @@
           <a:p>
             <a:fld id="{F8782BB8-19F3-3D45-9ED3-7C72268176C5}" type="datetimeFigureOut">
               <a:rPr lang="en-US" smtClean="0"/>
-              <a:t>10/16/18</a:t>
+              <a:t>10/19/18</a:t>
             </a:fld>
             <a:endParaRPr lang="en-US"/>
           </a:p>
@@ -931,7 +931,7 @@
           <a:p>
             <a:fld id="{F8782BB8-19F3-3D45-9ED3-7C72268176C5}" type="datetimeFigureOut">
               <a:rPr lang="en-US" smtClean="0"/>
-              <a:t>10/16/18</a:t>
+              <a:t>10/19/18</a:t>
             </a:fld>
             <a:endParaRPr lang="en-US"/>
           </a:p>
@@ -1111,7 +1111,7 @@
           <a:p>
             <a:fld id="{F8782BB8-19F3-3D45-9ED3-7C72268176C5}" type="datetimeFigureOut">
               <a:rPr lang="en-US" smtClean="0"/>
-              <a:t>10/16/18</a:t>
+              <a:t>10/19/18</a:t>
             </a:fld>
             <a:endParaRPr lang="en-US"/>
           </a:p>
@@ -1281,7 +1281,7 @@
           <a:p>
             <a:fld id="{F8782BB8-19F3-3D45-9ED3-7C72268176C5}" type="datetimeFigureOut">
               <a:rPr lang="en-US" smtClean="0"/>
-              <a:t>10/16/18</a:t>
+              <a:t>10/19/18</a:t>
             </a:fld>
             <a:endParaRPr lang="en-US"/>
           </a:p>
@@ -1527,7 +1527,7 @@
           <a:p>
             <a:fld id="{F8782BB8-19F3-3D45-9ED3-7C72268176C5}" type="datetimeFigureOut">
               <a:rPr lang="en-US" smtClean="0"/>
-              <a:t>10/16/18</a:t>
+              <a:t>10/19/18</a:t>
             </a:fld>
             <a:endParaRPr lang="en-US"/>
           </a:p>
@@ -1759,7 +1759,7 @@
           <a:p>
             <a:fld id="{F8782BB8-19F3-3D45-9ED3-7C72268176C5}" type="datetimeFigureOut">
               <a:rPr lang="en-US" smtClean="0"/>
-              <a:t>10/16/18</a:t>
+              <a:t>10/19/18</a:t>
             </a:fld>
             <a:endParaRPr lang="en-US"/>
           </a:p>
@@ -2126,7 +2126,7 @@
           <a:p>
             <a:fld id="{F8782BB8-19F3-3D45-9ED3-7C72268176C5}" type="datetimeFigureOut">
               <a:rPr lang="en-US" smtClean="0"/>
-              <a:t>10/16/18</a:t>
+              <a:t>10/19/18</a:t>
             </a:fld>
             <a:endParaRPr lang="en-US"/>
           </a:p>
@@ -2244,7 +2244,7 @@
           <a:p>
             <a:fld id="{F8782BB8-19F3-3D45-9ED3-7C72268176C5}" type="datetimeFigureOut">
               <a:rPr lang="en-US" smtClean="0"/>
-              <a:t>10/16/18</a:t>
+              <a:t>10/19/18</a:t>
             </a:fld>
             <a:endParaRPr lang="en-US"/>
           </a:p>
@@ -2339,7 +2339,7 @@
           <a:p>
             <a:fld id="{F8782BB8-19F3-3D45-9ED3-7C72268176C5}" type="datetimeFigureOut">
               <a:rPr lang="en-US" smtClean="0"/>
-              <a:t>10/16/18</a:t>
+              <a:t>10/19/18</a:t>
             </a:fld>
             <a:endParaRPr lang="en-US"/>
           </a:p>
@@ -2616,7 +2616,7 @@
           <a:p>
             <a:fld id="{F8782BB8-19F3-3D45-9ED3-7C72268176C5}" type="datetimeFigureOut">
               <a:rPr lang="en-US" smtClean="0"/>
-              <a:t>10/16/18</a:t>
+              <a:t>10/19/18</a:t>
             </a:fld>
             <a:endParaRPr lang="en-US"/>
           </a:p>
@@ -2869,7 +2869,7 @@
           <a:p>
             <a:fld id="{F8782BB8-19F3-3D45-9ED3-7C72268176C5}" type="datetimeFigureOut">
               <a:rPr lang="en-US" smtClean="0"/>
-              <a:t>10/16/18</a:t>
+              <a:t>10/19/18</a:t>
             </a:fld>
             <a:endParaRPr lang="en-US"/>
           </a:p>
@@ -3082,7 +3082,7 @@
           <a:p>
             <a:fld id="{F8782BB8-19F3-3D45-9ED3-7C72268176C5}" type="datetimeFigureOut">
               <a:rPr lang="en-US" smtClean="0"/>
-              <a:t>10/16/18</a:t>
+              <a:t>10/19/18</a:t>
             </a:fld>
             <a:endParaRPr lang="en-US"/>
           </a:p>
@@ -3489,10 +3489,10 @@
       </p:grpSpPr>
       <p:grpSp>
         <p:nvGrpSpPr>
-          <p:cNvPr id="22" name="Group 21">
+          <p:cNvPr id="3" name="Group 2">
             <a:extLst>
               <a:ext uri="{FF2B5EF4-FFF2-40B4-BE49-F238E27FC236}">
-                <a16:creationId xmlns:a16="http://schemas.microsoft.com/office/drawing/2014/main" id="{22E99665-0ADA-C544-AC6F-1135FD614FA4}"/>
+                <a16:creationId xmlns:a16="http://schemas.microsoft.com/office/drawing/2014/main" id="{63234212-263A-BF45-9AF3-91548D0AAB6F}"/>
               </a:ext>
             </a:extLst>
           </p:cNvPr>
@@ -3501,185 +3501,236 @@
         </p:nvGrpSpPr>
         <p:grpSpPr>
           <a:xfrm>
-            <a:off x="960269" y="677550"/>
-            <a:ext cx="10842592" cy="4816622"/>
-            <a:chOff x="960269" y="677550"/>
-            <a:chExt cx="10842592" cy="4816622"/>
+            <a:off x="960269" y="1313165"/>
+            <a:ext cx="10842592" cy="3988769"/>
+            <a:chOff x="960269" y="1313165"/>
+            <a:chExt cx="10842592" cy="3988769"/>
           </a:xfrm>
         </p:grpSpPr>
-        <p:grpSp>
-          <p:nvGrpSpPr>
-            <p:cNvPr id="21" name="Group 20">
+        <p:sp>
+          <p:nvSpPr>
+            <p:cNvPr id="130" name="TextBox 129">
               <a:extLst>
                 <a:ext uri="{FF2B5EF4-FFF2-40B4-BE49-F238E27FC236}">
-                  <a16:creationId xmlns:a16="http://schemas.microsoft.com/office/drawing/2014/main" id="{4E653017-EF4A-3145-84F1-11BD10623C4B}"/>
+                  <a16:creationId xmlns:a16="http://schemas.microsoft.com/office/drawing/2014/main" id="{196044CA-FADE-0D43-8A00-655DBFA0DDDC}"/>
                 </a:ext>
               </a:extLst>
             </p:cNvPr>
-            <p:cNvGrpSpPr/>
+            <p:cNvSpPr txBox="1"/>
             <p:nvPr/>
-          </p:nvGrpSpPr>
-          <p:grpSpPr>
+          </p:nvSpPr>
+          <p:spPr>
             <a:xfrm>
-              <a:off x="6515867" y="1900132"/>
-              <a:ext cx="5286994" cy="2224188"/>
-              <a:chOff x="1801794" y="4260487"/>
-              <a:chExt cx="5286994" cy="2224188"/>
+              <a:off x="11398352" y="2444563"/>
+              <a:ext cx="404509" cy="461665"/>
             </a:xfrm>
-          </p:grpSpPr>
-          <p:sp>
-            <p:nvSpPr>
-              <p:cNvPr id="130" name="TextBox 129">
-                <a:extLst>
-                  <a:ext uri="{FF2B5EF4-FFF2-40B4-BE49-F238E27FC236}">
-                    <a16:creationId xmlns:a16="http://schemas.microsoft.com/office/drawing/2014/main" id="{196044CA-FADE-0D43-8A00-655DBFA0DDDC}"/>
-                  </a:ext>
-                </a:extLst>
-              </p:cNvPr>
-              <p:cNvSpPr txBox="1"/>
-              <p:nvPr/>
-            </p:nvSpPr>
-            <p:spPr>
-              <a:xfrm>
-                <a:off x="6684279" y="4804918"/>
-                <a:ext cx="404509" cy="461665"/>
-              </a:xfrm>
-              <a:prstGeom prst="rect">
-                <a:avLst/>
-              </a:prstGeom>
-              <a:noFill/>
-            </p:spPr>
-            <p:txBody>
-              <a:bodyPr wrap="square" rtlCol="0">
-                <a:spAutoFit/>
-              </a:bodyPr>
-              <a:lstStyle/>
-              <a:p>
-                <a:r>
-                  <a:rPr lang="en-US" sz="2400" dirty="0">
-                    <a:latin typeface="Times New Roman" panose="02020603050405020304" pitchFamily="18" charset="0"/>
-                    <a:ea typeface="Tahoma" panose="020B0604030504040204" pitchFamily="34" charset="0"/>
-                    <a:cs typeface="Times New Roman" panose="02020603050405020304" pitchFamily="18" charset="0"/>
-                  </a:rPr>
-                  <a:t>t</a:t>
-                </a:r>
-              </a:p>
-            </p:txBody>
-          </p:sp>
-          <p:sp>
-            <p:nvSpPr>
-              <p:cNvPr id="138" name="TextBox 137">
-                <a:extLst>
-                  <a:ext uri="{FF2B5EF4-FFF2-40B4-BE49-F238E27FC236}">
-                    <a16:creationId xmlns:a16="http://schemas.microsoft.com/office/drawing/2014/main" id="{A54A4CB7-F514-8343-8EDA-C8A11640ED92}"/>
-                  </a:ext>
-                </a:extLst>
-              </p:cNvPr>
-              <p:cNvSpPr txBox="1"/>
-              <p:nvPr/>
-            </p:nvSpPr>
-            <p:spPr>
-              <a:xfrm>
-                <a:off x="6688238" y="5689742"/>
-                <a:ext cx="280969" cy="461665"/>
-              </a:xfrm>
-              <a:prstGeom prst="rect">
-                <a:avLst/>
-              </a:prstGeom>
-              <a:noFill/>
-            </p:spPr>
-            <p:txBody>
-              <a:bodyPr wrap="square" rtlCol="0">
-                <a:spAutoFit/>
-              </a:bodyPr>
-              <a:lstStyle/>
-              <a:p>
-                <a:r>
-                  <a:rPr lang="en-US" sz="2400">
-                    <a:latin typeface="Times New Roman" panose="02020603050405020304" pitchFamily="18" charset="0"/>
-                    <a:ea typeface="Tahoma" panose="020B0604030504040204" pitchFamily="34" charset="0"/>
-                    <a:cs typeface="Times New Roman" panose="02020603050405020304" pitchFamily="18" charset="0"/>
-                  </a:rPr>
-                  <a:t>t</a:t>
-                </a:r>
-                <a:endParaRPr lang="en-US" sz="2400" dirty="0">
+            <a:prstGeom prst="rect">
+              <a:avLst/>
+            </a:prstGeom>
+            <a:noFill/>
+          </p:spPr>
+          <p:txBody>
+            <a:bodyPr wrap="square" rtlCol="0">
+              <a:spAutoFit/>
+            </a:bodyPr>
+            <a:lstStyle/>
+            <a:p>
+              <a:r>
+                <a:rPr lang="en-US" sz="2400">
                   <a:latin typeface="Times New Roman" panose="02020603050405020304" pitchFamily="18" charset="0"/>
                   <a:ea typeface="Tahoma" panose="020B0604030504040204" pitchFamily="34" charset="0"/>
                   <a:cs typeface="Times New Roman" panose="02020603050405020304" pitchFamily="18" charset="0"/>
-                </a:endParaRPr>
-              </a:p>
-            </p:txBody>
-          </p:sp>
-          <p:sp>
-            <p:nvSpPr>
-              <p:cNvPr id="152" name="TextBox 151">
-                <a:extLst>
-                  <a:ext uri="{FF2B5EF4-FFF2-40B4-BE49-F238E27FC236}">
-                    <a16:creationId xmlns:a16="http://schemas.microsoft.com/office/drawing/2014/main" id="{0A520E78-5811-0E49-81D8-C9F975A99517}"/>
-                  </a:ext>
-                </a:extLst>
-              </p:cNvPr>
-              <p:cNvSpPr txBox="1"/>
-              <p:nvPr/>
-            </p:nvSpPr>
-            <p:spPr>
-              <a:xfrm>
-                <a:off x="6266667" y="4260487"/>
-                <a:ext cx="584155" cy="523220"/>
-              </a:xfrm>
-              <a:prstGeom prst="rect">
-                <a:avLst/>
-              </a:prstGeom>
-              <a:noFill/>
-            </p:spPr>
-            <p:txBody>
-              <a:bodyPr wrap="square" rtlCol="0">
-                <a:spAutoFit/>
-              </a:bodyPr>
-              <a:lstStyle/>
-              <a:p>
-                <a:r>
-                  <a:rPr lang="mr-IN" sz="2800" dirty="0">
-                    <a:latin typeface="Times New Roman" panose="02020603050405020304" pitchFamily="18" charset="0"/>
-                    <a:ea typeface="Tahoma" panose="020B0604030504040204" pitchFamily="34" charset="0"/>
-                    <a:cs typeface="Times" charset="0"/>
-                  </a:rPr>
-                  <a:t>…</a:t>
-                </a:r>
-                <a:endParaRPr lang="en-US" sz="2000" baseline="-25000" dirty="0">
+                </a:rPr>
+                <a:t>t</a:t>
+              </a:r>
+            </a:p>
+          </p:txBody>
+        </p:sp>
+        <p:sp>
+          <p:nvSpPr>
+            <p:cNvPr id="138" name="TextBox 137">
+              <a:extLst>
+                <a:ext uri="{FF2B5EF4-FFF2-40B4-BE49-F238E27FC236}">
+                  <a16:creationId xmlns:a16="http://schemas.microsoft.com/office/drawing/2014/main" id="{A54A4CB7-F514-8343-8EDA-C8A11640ED92}"/>
+                </a:ext>
+              </a:extLst>
+            </p:cNvPr>
+            <p:cNvSpPr txBox="1"/>
+            <p:nvPr/>
+          </p:nvSpPr>
+          <p:spPr>
+            <a:xfrm>
+              <a:off x="11402311" y="3329387"/>
+              <a:ext cx="280969" cy="461665"/>
+            </a:xfrm>
+            <a:prstGeom prst="rect">
+              <a:avLst/>
+            </a:prstGeom>
+            <a:noFill/>
+          </p:spPr>
+          <p:txBody>
+            <a:bodyPr wrap="square" rtlCol="0">
+              <a:spAutoFit/>
+            </a:bodyPr>
+            <a:lstStyle/>
+            <a:p>
+              <a:r>
+                <a:rPr lang="en-US" sz="2400">
                   <a:latin typeface="Times New Roman" panose="02020603050405020304" pitchFamily="18" charset="0"/>
                   <a:ea typeface="Tahoma" panose="020B0604030504040204" pitchFamily="34" charset="0"/>
                   <a:cs typeface="Times New Roman" panose="02020603050405020304" pitchFamily="18" charset="0"/>
-                </a:endParaRPr>
-              </a:p>
-            </p:txBody>
-          </p:sp>
-          <p:grpSp>
-            <p:nvGrpSpPr>
-              <p:cNvPr id="17" name="Group 16">
-                <a:extLst>
-                  <a:ext uri="{FF2B5EF4-FFF2-40B4-BE49-F238E27FC236}">
-                    <a16:creationId xmlns:a16="http://schemas.microsoft.com/office/drawing/2014/main" id="{5549526D-39A7-BC40-9B95-6937FFDFD469}"/>
-                  </a:ext>
-                </a:extLst>
-              </p:cNvPr>
-              <p:cNvGrpSpPr/>
-              <p:nvPr/>
-            </p:nvGrpSpPr>
-            <p:grpSpPr>
-              <a:xfrm>
-                <a:off x="1801794" y="4294178"/>
-                <a:ext cx="5028540" cy="2190497"/>
-                <a:chOff x="3128930" y="4376174"/>
-                <a:chExt cx="5028540" cy="2190497"/>
-              </a:xfrm>
-            </p:grpSpPr>
+                </a:rPr>
+                <a:t>t</a:t>
+              </a:r>
+            </a:p>
+          </p:txBody>
+        </p:sp>
+        <p:sp>
+          <p:nvSpPr>
+            <p:cNvPr id="152" name="TextBox 151">
+              <a:extLst>
+                <a:ext uri="{FF2B5EF4-FFF2-40B4-BE49-F238E27FC236}">
+                  <a16:creationId xmlns:a16="http://schemas.microsoft.com/office/drawing/2014/main" id="{0A520E78-5811-0E49-81D8-C9F975A99517}"/>
+                </a:ext>
+              </a:extLst>
+            </p:cNvPr>
+            <p:cNvSpPr txBox="1"/>
+            <p:nvPr/>
+          </p:nvSpPr>
+          <p:spPr>
+            <a:xfrm>
+              <a:off x="10980740" y="1900132"/>
+              <a:ext cx="584155" cy="523220"/>
+            </a:xfrm>
+            <a:prstGeom prst="rect">
+              <a:avLst/>
+            </a:prstGeom>
+            <a:noFill/>
+          </p:spPr>
+          <p:txBody>
+            <a:bodyPr wrap="square" rtlCol="0">
+              <a:spAutoFit/>
+            </a:bodyPr>
+            <a:lstStyle/>
+            <a:p>
+              <a:r>
+                <a:rPr lang="en-US" sz="2800">
+                  <a:latin typeface="Times New Roman" panose="02020603050405020304" pitchFamily="18" charset="0"/>
+                  <a:ea typeface="Tahoma" panose="020B0604030504040204" pitchFamily="34" charset="0"/>
+                  <a:cs typeface="Times" charset="0"/>
+                </a:rPr>
+                <a:t>…</a:t>
+              </a:r>
+              <a:endParaRPr lang="en-US" sz="2000" baseline="-25000">
+                <a:latin typeface="Times New Roman" panose="02020603050405020304" pitchFamily="18" charset="0"/>
+                <a:ea typeface="Tahoma" panose="020B0604030504040204" pitchFamily="34" charset="0"/>
+                <a:cs typeface="Times New Roman" panose="02020603050405020304" pitchFamily="18" charset="0"/>
+              </a:endParaRPr>
+            </a:p>
+          </p:txBody>
+        </p:sp>
+        <p:sp>
+          <p:nvSpPr>
+            <p:cNvPr id="96" name="TextBox 95">
+              <a:extLst>
+                <a:ext uri="{FF2B5EF4-FFF2-40B4-BE49-F238E27FC236}">
+                  <a16:creationId xmlns:a16="http://schemas.microsoft.com/office/drawing/2014/main" id="{7FD4B8F2-BE85-714B-963A-E5A48F8823C7}"/>
+                </a:ext>
+              </a:extLst>
+            </p:cNvPr>
+            <p:cNvSpPr txBox="1"/>
+            <p:nvPr/>
+          </p:nvSpPr>
+          <p:spPr>
+            <a:xfrm>
+              <a:off x="6515867" y="2088391"/>
+              <a:ext cx="1140803" cy="461665"/>
+            </a:xfrm>
+            <a:prstGeom prst="rect">
+              <a:avLst/>
+            </a:prstGeom>
+            <a:noFill/>
+          </p:spPr>
+          <p:txBody>
+            <a:bodyPr wrap="square" rtlCol="0">
+              <a:spAutoFit/>
+            </a:bodyPr>
+            <a:lstStyle/>
+            <a:p>
+              <a:r>
+                <a:rPr lang="en-US" sz="2400">
+                  <a:latin typeface="Times New Roman" panose="02020603050405020304" pitchFamily="18" charset="0"/>
+                  <a:ea typeface="Tahoma" panose="020B0604030504040204" pitchFamily="34" charset="0"/>
+                  <a:cs typeface="Times New Roman" panose="02020603050405020304" pitchFamily="18" charset="0"/>
+                </a:rPr>
+                <a:t>Agent</a:t>
+              </a:r>
+              <a:r>
+                <a:rPr lang="en-US" sz="2400" baseline="-25000">
+                  <a:latin typeface="Times New Roman" panose="02020603050405020304" pitchFamily="18" charset="0"/>
+                  <a:ea typeface="Tahoma" panose="020B0604030504040204" pitchFamily="34" charset="0"/>
+                  <a:cs typeface="Times New Roman" panose="02020603050405020304" pitchFamily="18" charset="0"/>
+                </a:rPr>
+                <a:t>A</a:t>
+              </a:r>
+            </a:p>
+          </p:txBody>
+        </p:sp>
+        <p:sp>
+          <p:nvSpPr>
+            <p:cNvPr id="97" name="TextBox 96">
+              <a:extLst>
+                <a:ext uri="{FF2B5EF4-FFF2-40B4-BE49-F238E27FC236}">
+                  <a16:creationId xmlns:a16="http://schemas.microsoft.com/office/drawing/2014/main" id="{8ACCE165-5391-264F-B0F9-D5138B773A31}"/>
+                </a:ext>
+              </a:extLst>
+            </p:cNvPr>
+            <p:cNvSpPr txBox="1"/>
+            <p:nvPr/>
+          </p:nvSpPr>
+          <p:spPr>
+            <a:xfrm>
+              <a:off x="6536971" y="2884242"/>
+              <a:ext cx="1329550" cy="461665"/>
+            </a:xfrm>
+            <a:prstGeom prst="rect">
+              <a:avLst/>
+            </a:prstGeom>
+            <a:noFill/>
+          </p:spPr>
+          <p:txBody>
+            <a:bodyPr wrap="square" rtlCol="0">
+              <a:spAutoFit/>
+            </a:bodyPr>
+            <a:lstStyle/>
+            <a:p>
+              <a:r>
+                <a:rPr lang="en-US" sz="2400">
+                  <a:latin typeface="Times New Roman" panose="02020603050405020304" pitchFamily="18" charset="0"/>
+                  <a:ea typeface="Tahoma" panose="020B0604030504040204" pitchFamily="34" charset="0"/>
+                  <a:cs typeface="Times New Roman" panose="02020603050405020304" pitchFamily="18" charset="0"/>
+                </a:rPr>
+                <a:t>Agent</a:t>
+              </a:r>
+              <a:r>
+                <a:rPr lang="en-US" sz="2400" baseline="-25000">
+                  <a:latin typeface="Times New Roman" panose="02020603050405020304" pitchFamily="18" charset="0"/>
+                  <a:ea typeface="Tahoma" panose="020B0604030504040204" pitchFamily="34" charset="0"/>
+                  <a:cs typeface="Times New Roman" panose="02020603050405020304" pitchFamily="18" charset="0"/>
+                </a:rPr>
+                <a:t>B</a:t>
+              </a:r>
+            </a:p>
+          </p:txBody>
+        </p:sp>
+        <mc:AlternateContent xmlns:mc="http://schemas.openxmlformats.org/markup-compatibility/2006">
+          <mc:Choice xmlns:a14="http://schemas.microsoft.com/office/drawing/2010/main" Requires="a14">
             <p:sp>
               <p:nvSpPr>
-                <p:cNvPr id="96" name="TextBox 95">
+                <p:cNvPr id="109" name="TextBox 108">
                   <a:extLst>
                     <a:ext uri="{FF2B5EF4-FFF2-40B4-BE49-F238E27FC236}">
-                      <a16:creationId xmlns:a16="http://schemas.microsoft.com/office/drawing/2014/main" id="{7FD4B8F2-BE85-714B-963A-E5A48F8823C7}"/>
+                      <a16:creationId xmlns:a16="http://schemas.microsoft.com/office/drawing/2014/main" id="{86A9AF67-3009-CE46-90F6-FD82B365F67A}"/>
                     </a:ext>
                   </a:extLst>
                 </p:cNvPr>
@@ -3688,8 +3739,8 @@
               </p:nvSpPr>
               <p:spPr>
                 <a:xfrm>
-                  <a:off x="3128930" y="4530742"/>
-                  <a:ext cx="1140803" cy="461665"/>
+                  <a:off x="7140824" y="3662655"/>
+                  <a:ext cx="3204890" cy="461665"/>
                 </a:xfrm>
                 <a:prstGeom prst="rect">
                   <a:avLst/>
@@ -3708,376 +3759,21 @@
                       <a:ea typeface="Tahoma" panose="020B0604030504040204" pitchFamily="34" charset="0"/>
                       <a:cs typeface="Times New Roman" panose="02020603050405020304" pitchFamily="18" charset="0"/>
                     </a:rPr>
-                    <a:t>Agent</a:t>
+                    <a:t>Learning iteration (T</a:t>
                   </a:r>
-                  <a:r>
-                    <a:rPr lang="en-US" sz="2400" baseline="-25000" dirty="0">
-                      <a:latin typeface="Times New Roman" panose="02020603050405020304" pitchFamily="18" charset="0"/>
-                      <a:ea typeface="Tahoma" panose="020B0604030504040204" pitchFamily="34" charset="0"/>
-                      <a:cs typeface="Times New Roman" panose="02020603050405020304" pitchFamily="18" charset="0"/>
-                    </a:rPr>
-                    <a:t>A</a:t>
-                  </a:r>
-                </a:p>
-              </p:txBody>
-            </p:sp>
-            <p:sp>
-              <p:nvSpPr>
-                <p:cNvPr id="97" name="TextBox 96">
-                  <a:extLst>
-                    <a:ext uri="{FF2B5EF4-FFF2-40B4-BE49-F238E27FC236}">
-                      <a16:creationId xmlns:a16="http://schemas.microsoft.com/office/drawing/2014/main" id="{8ACCE165-5391-264F-B0F9-D5138B773A31}"/>
-                    </a:ext>
-                  </a:extLst>
-                </p:cNvPr>
-                <p:cNvSpPr txBox="1"/>
-                <p:nvPr/>
-              </p:nvSpPr>
-              <p:spPr>
-                <a:xfrm>
-                  <a:off x="3150034" y="5326593"/>
-                  <a:ext cx="1329550" cy="461665"/>
-                </a:xfrm>
-                <a:prstGeom prst="rect">
-                  <a:avLst/>
-                </a:prstGeom>
-                <a:noFill/>
-              </p:spPr>
-              <p:txBody>
-                <a:bodyPr wrap="square" rtlCol="0">
-                  <a:spAutoFit/>
-                </a:bodyPr>
-                <a:lstStyle/>
-                <a:p>
-                  <a:r>
-                    <a:rPr lang="en-US" sz="2400" dirty="0">
-                      <a:latin typeface="Times New Roman" panose="02020603050405020304" pitchFamily="18" charset="0"/>
-                      <a:ea typeface="Tahoma" panose="020B0604030504040204" pitchFamily="34" charset="0"/>
-                      <a:cs typeface="Times New Roman" panose="02020603050405020304" pitchFamily="18" charset="0"/>
-                    </a:rPr>
-                    <a:t>Agent</a:t>
-                  </a:r>
-                  <a:r>
-                    <a:rPr lang="en-US" sz="2400" baseline="-25000" dirty="0">
-                      <a:latin typeface="Times New Roman" panose="02020603050405020304" pitchFamily="18" charset="0"/>
-                      <a:ea typeface="Tahoma" panose="020B0604030504040204" pitchFamily="34" charset="0"/>
-                      <a:cs typeface="Times New Roman" panose="02020603050405020304" pitchFamily="18" charset="0"/>
-                    </a:rPr>
-                    <a:t>B</a:t>
-                  </a:r>
-                </a:p>
-              </p:txBody>
-            </p:sp>
-            <mc:AlternateContent xmlns:mc="http://schemas.openxmlformats.org/markup-compatibility/2006">
-              <mc:Choice xmlns:a14="http://schemas.microsoft.com/office/drawing/2010/main" Requires="a14">
-                <p:sp>
-                  <p:nvSpPr>
-                    <p:cNvPr id="109" name="TextBox 108">
-                      <a:extLst>
-                        <a:ext uri="{FF2B5EF4-FFF2-40B4-BE49-F238E27FC236}">
-                          <a16:creationId xmlns:a16="http://schemas.microsoft.com/office/drawing/2014/main" id="{86A9AF67-3009-CE46-90F6-FD82B365F67A}"/>
-                        </a:ext>
-                      </a:extLst>
-                    </p:cNvPr>
-                    <p:cNvSpPr txBox="1"/>
-                    <p:nvPr/>
-                  </p:nvSpPr>
-                  <p:spPr>
-                    <a:xfrm>
-                      <a:off x="3753887" y="6105006"/>
-                      <a:ext cx="3204890" cy="461665"/>
-                    </a:xfrm>
-                    <a:prstGeom prst="rect">
-                      <a:avLst/>
-                    </a:prstGeom>
-                    <a:noFill/>
-                  </p:spPr>
-                  <p:txBody>
-                    <a:bodyPr wrap="square" rtlCol="0">
-                      <a:spAutoFit/>
-                    </a:bodyPr>
-                    <a:lstStyle/>
-                    <a:p>
-                      <a:r>
-                        <a:rPr lang="en-US" sz="2400" dirty="0">
-                          <a:latin typeface="Times New Roman" panose="02020603050405020304" pitchFamily="18" charset="0"/>
-                          <a:ea typeface="Tahoma" panose="020B0604030504040204" pitchFamily="34" charset="0"/>
-                          <a:cs typeface="Times New Roman" panose="02020603050405020304" pitchFamily="18" charset="0"/>
+                  <a14:m>
+                    <m:oMath xmlns:m="http://schemas.openxmlformats.org/officeDocument/2006/math">
+                      <m:r>
+                        <a:rPr lang="es-ES" sz="2400" b="0" i="1" smtClean="0">
+                          <a:latin typeface="Cambria Math" panose="02040503050406030204" pitchFamily="18" charset="0"/>
+                          <a:ea typeface="Times New Roman" charset="0"/>
+                          <a:cs typeface="Times New Roman" charset="0"/>
                         </a:rPr>
-                        <a:t>Learning iteration, </a:t>
-                      </a:r>
-                      <a14:m>
-                        <m:oMath xmlns:m="http://schemas.openxmlformats.org/officeDocument/2006/math">
-                          <m:r>
-                            <a:rPr lang="en-US" sz="2400" i="1" dirty="0">
-                              <a:latin typeface="Cambria Math" panose="02040503050406030204" pitchFamily="18" charset="0"/>
-                              <a:ea typeface="Times New Roman" charset="0"/>
-                              <a:cs typeface="Times New Roman" charset="0"/>
-                            </a:rPr>
-                            <m:t>∆</m:t>
-                          </m:r>
-                          <m:r>
-                            <a:rPr lang="es-ES" sz="2400" b="0" i="1" dirty="0">
-                              <a:latin typeface="Cambria Math" panose="02040503050406030204" pitchFamily="18" charset="0"/>
-                              <a:ea typeface="Times New Roman" charset="0"/>
-                              <a:cs typeface="Times New Roman" charset="0"/>
-                            </a:rPr>
-                            <m:t>𝑡</m:t>
-                          </m:r>
-                        </m:oMath>
-                      </a14:m>
-                      <a:endParaRPr lang="en-US" sz="2400" baseline="-25000" dirty="0">
-                        <a:latin typeface="Times New Roman" panose="02020603050405020304" pitchFamily="18" charset="0"/>
-                        <a:ea typeface="Tahoma" panose="020B0604030504040204" pitchFamily="34" charset="0"/>
-                        <a:cs typeface="Times New Roman" panose="02020603050405020304" pitchFamily="18" charset="0"/>
-                      </a:endParaRPr>
-                    </a:p>
-                  </p:txBody>
-                </p:sp>
-              </mc:Choice>
-              <mc:Fallback>
-                <p:sp>
-                  <p:nvSpPr>
-                    <p:cNvPr id="109" name="TextBox 108">
-                      <a:extLst>
-                        <a:ext uri="{FF2B5EF4-FFF2-40B4-BE49-F238E27FC236}">
-                          <a16:creationId xmlns:a16="http://schemas.microsoft.com/office/drawing/2014/main" id="{86A9AF67-3009-CE46-90F6-FD82B365F67A}"/>
-                        </a:ext>
-                      </a:extLst>
-                    </p:cNvPr>
-                    <p:cNvSpPr txBox="1">
-                      <a:spLocks noRot="1" noChangeAspect="1" noMove="1" noResize="1" noEditPoints="1" noAdjustHandles="1" noChangeArrowheads="1" noChangeShapeType="1" noTextEdit="1"/>
-                    </p:cNvSpPr>
-                    <p:nvPr/>
-                  </p:nvSpPr>
-                  <p:spPr>
-                    <a:xfrm>
-                      <a:off x="3753887" y="6105006"/>
-                      <a:ext cx="3204890" cy="461665"/>
-                    </a:xfrm>
-                    <a:prstGeom prst="rect">
-                      <a:avLst/>
-                    </a:prstGeom>
-                    <a:blipFill>
-                      <a:blip r:embed="rId3"/>
-                      <a:stretch>
-                        <a:fillRect l="-2756" t="-10811" b="-27027"/>
-                      </a:stretch>
-                    </a:blipFill>
-                  </p:spPr>
-                  <p:txBody>
-                    <a:bodyPr/>
-                    <a:lstStyle/>
-                    <a:p>
-                      <a:r>
-                        <a:rPr lang="en-US">
-                          <a:noFill/>
-                        </a:rPr>
-                        <a:t> </a:t>
-                      </a:r>
-                    </a:p>
-                  </p:txBody>
-                </p:sp>
-              </mc:Fallback>
-            </mc:AlternateContent>
-            <p:sp>
-              <p:nvSpPr>
-                <p:cNvPr id="125" name="Left Brace 124">
-                  <a:extLst>
-                    <a:ext uri="{FF2B5EF4-FFF2-40B4-BE49-F238E27FC236}">
-                      <a16:creationId xmlns:a16="http://schemas.microsoft.com/office/drawing/2014/main" id="{83CC6D88-59C3-DD44-9F28-747108887650}"/>
-                    </a:ext>
-                  </a:extLst>
-                </p:cNvPr>
-                <p:cNvSpPr/>
-                <p:nvPr/>
-              </p:nvSpPr>
-              <p:spPr>
-                <a:xfrm rot="16200000">
-                  <a:off x="5032565" y="5252046"/>
-                  <a:ext cx="136778" cy="1676567"/>
-                </a:xfrm>
-                <a:prstGeom prst="leftBrace">
-                  <a:avLst/>
-                </a:prstGeom>
-                <a:ln>
-                  <a:solidFill>
-                    <a:schemeClr val="tx1"/>
-                  </a:solidFill>
-                </a:ln>
-              </p:spPr>
-              <p:style>
-                <a:lnRef idx="1">
-                  <a:schemeClr val="accent1"/>
-                </a:lnRef>
-                <a:fillRef idx="0">
-                  <a:schemeClr val="accent1"/>
-                </a:fillRef>
-                <a:effectRef idx="0">
-                  <a:schemeClr val="accent1"/>
-                </a:effectRef>
-                <a:fontRef idx="minor">
-                  <a:schemeClr val="tx1"/>
-                </a:fontRef>
-              </p:style>
-              <p:txBody>
-                <a:bodyPr rtlCol="0" anchor="ctr"/>
-                <a:lstStyle/>
-                <a:p>
-                  <a:pPr algn="ctr"/>
-                  <a:endParaRPr lang="en-US" sz="2000">
-                    <a:latin typeface="Times New Roman" panose="02020603050405020304" pitchFamily="18" charset="0"/>
-                    <a:cs typeface="Times New Roman" panose="02020603050405020304" pitchFamily="18" charset="0"/>
-                  </a:endParaRPr>
-                </a:p>
-              </p:txBody>
-            </p:sp>
-            <p:cxnSp>
-              <p:nvCxnSpPr>
-                <p:cNvPr id="127" name="Straight Connector 126">
-                  <a:extLst>
-                    <a:ext uri="{FF2B5EF4-FFF2-40B4-BE49-F238E27FC236}">
-                      <a16:creationId xmlns:a16="http://schemas.microsoft.com/office/drawing/2014/main" id="{165763B2-61F2-5F48-99C9-2ACE0FF22443}"/>
-                    </a:ext>
-                  </a:extLst>
-                </p:cNvPr>
-                <p:cNvCxnSpPr/>
-                <p:nvPr/>
-              </p:nvCxnSpPr>
-              <p:spPr>
-                <a:xfrm>
-                  <a:off x="4271432" y="4886949"/>
-                  <a:ext cx="3886038" cy="0"/>
-                </a:xfrm>
-                <a:prstGeom prst="line">
-                  <a:avLst/>
-                </a:prstGeom>
-                <a:ln>
-                  <a:solidFill>
-                    <a:schemeClr val="tx1"/>
-                  </a:solidFill>
-                  <a:tailEnd type="triangle"/>
-                </a:ln>
-              </p:spPr>
-              <p:style>
-                <a:lnRef idx="1">
-                  <a:schemeClr val="accent1"/>
-                </a:lnRef>
-                <a:fillRef idx="0">
-                  <a:schemeClr val="accent1"/>
-                </a:fillRef>
-                <a:effectRef idx="0">
-                  <a:schemeClr val="accent1"/>
-                </a:effectRef>
-                <a:fontRef idx="minor">
-                  <a:schemeClr val="tx1"/>
-                </a:fontRef>
-              </p:style>
-            </p:cxnSp>
-            <p:cxnSp>
-              <p:nvCxnSpPr>
-                <p:cNvPr id="137" name="Straight Connector 136">
-                  <a:extLst>
-                    <a:ext uri="{FF2B5EF4-FFF2-40B4-BE49-F238E27FC236}">
-                      <a16:creationId xmlns:a16="http://schemas.microsoft.com/office/drawing/2014/main" id="{8DE93912-186C-CA46-949B-26E57EAF8D3B}"/>
-                    </a:ext>
-                  </a:extLst>
-                </p:cNvPr>
-                <p:cNvCxnSpPr/>
-                <p:nvPr/>
-              </p:nvCxnSpPr>
-              <p:spPr>
-                <a:xfrm>
-                  <a:off x="4275391" y="5771773"/>
-                  <a:ext cx="3882079" cy="0"/>
-                </a:xfrm>
-                <a:prstGeom prst="line">
-                  <a:avLst/>
-                </a:prstGeom>
-                <a:ln>
-                  <a:solidFill>
-                    <a:schemeClr val="tx1"/>
-                  </a:solidFill>
-                  <a:tailEnd type="triangle"/>
-                </a:ln>
-              </p:spPr>
-              <p:style>
-                <a:lnRef idx="1">
-                  <a:schemeClr val="accent1"/>
-                </a:lnRef>
-                <a:fillRef idx="0">
-                  <a:schemeClr val="accent1"/>
-                </a:fillRef>
-                <a:effectRef idx="0">
-                  <a:schemeClr val="accent1"/>
-                </a:effectRef>
-                <a:fontRef idx="minor">
-                  <a:schemeClr val="tx1"/>
-                </a:fontRef>
-              </p:style>
-            </p:cxnSp>
-            <p:sp>
-              <p:nvSpPr>
-                <p:cNvPr id="140" name="Rectangle 139">
-                  <a:extLst>
-                    <a:ext uri="{FF2B5EF4-FFF2-40B4-BE49-F238E27FC236}">
-                      <a16:creationId xmlns:a16="http://schemas.microsoft.com/office/drawing/2014/main" id="{385AAE42-36CF-524E-99CB-90C648EC72D7}"/>
-                    </a:ext>
-                  </a:extLst>
-                </p:cNvPr>
-                <p:cNvSpPr/>
-                <p:nvPr/>
-              </p:nvSpPr>
-              <p:spPr>
-                <a:xfrm>
-                  <a:off x="4271432" y="4491653"/>
-                  <a:ext cx="1164554" cy="395296"/>
-                </a:xfrm>
-                <a:prstGeom prst="rect">
-                  <a:avLst/>
-                </a:prstGeom>
-                <a:pattFill prst="wdUpDiag">
-                  <a:fgClr>
-                    <a:schemeClr val="bg1">
-                      <a:lumMod val="85000"/>
-                    </a:schemeClr>
-                  </a:fgClr>
-                  <a:bgClr>
-                    <a:schemeClr val="bg1"/>
-                  </a:bgClr>
-                </a:pattFill>
-                <a:ln>
-                  <a:solidFill>
-                    <a:schemeClr val="tx1"/>
-                  </a:solidFill>
-                  <a:prstDash val="dash"/>
-                </a:ln>
-              </p:spPr>
-              <p:style>
-                <a:lnRef idx="2">
-                  <a:schemeClr val="accent1">
-                    <a:shade val="50000"/>
-                  </a:schemeClr>
-                </a:lnRef>
-                <a:fillRef idx="1">
-                  <a:schemeClr val="accent1"/>
-                </a:fillRef>
-                <a:effectRef idx="0">
-                  <a:schemeClr val="accent1"/>
-                </a:effectRef>
-                <a:fontRef idx="minor">
-                  <a:schemeClr val="lt1"/>
-                </a:fontRef>
-              </p:style>
-              <p:txBody>
-                <a:bodyPr rtlCol="0" anchor="ctr"/>
-                <a:lstStyle/>
-                <a:p>
-                  <a:pPr algn="ctr"/>
-                  <a:endParaRPr lang="en-US" sz="2000" dirty="0">
-                    <a:solidFill>
-                      <a:schemeClr val="tx1"/>
-                    </a:solidFill>
+                        <m:t>)</m:t>
+                      </m:r>
+                    </m:oMath>
+                  </a14:m>
+                  <a:endParaRPr lang="en-US" sz="2400" baseline="-25000" dirty="0">
                     <a:latin typeface="Times New Roman" panose="02020603050405020304" pitchFamily="18" charset="0"/>
                     <a:ea typeface="Tahoma" panose="020B0604030504040204" pitchFamily="34" charset="0"/>
                     <a:cs typeface="Times New Roman" panose="02020603050405020304" pitchFamily="18" charset="0"/>
@@ -4085,2761 +3781,1874 @@
                 </a:p>
               </p:txBody>
             </p:sp>
+          </mc:Choice>
+          <mc:Fallback>
             <p:sp>
               <p:nvSpPr>
-                <p:cNvPr id="150" name="Rectangle 149">
+                <p:cNvPr id="109" name="TextBox 108">
                   <a:extLst>
                     <a:ext uri="{FF2B5EF4-FFF2-40B4-BE49-F238E27FC236}">
-                      <a16:creationId xmlns:a16="http://schemas.microsoft.com/office/drawing/2014/main" id="{99D7D470-48C6-AC4B-A181-C4087698FD7B}"/>
+                      <a16:creationId xmlns:a16="http://schemas.microsoft.com/office/drawing/2014/main" id="{86A9AF67-3009-CE46-90F6-FD82B365F67A}"/>
                     </a:ext>
                   </a:extLst>
                 </p:cNvPr>
-                <p:cNvSpPr/>
+                <p:cNvSpPr txBox="1">
+                  <a:spLocks noRot="1" noChangeAspect="1" noMove="1" noResize="1" noEditPoints="1" noAdjustHandles="1" noChangeArrowheads="1" noChangeShapeType="1" noTextEdit="1"/>
+                </p:cNvSpPr>
                 <p:nvPr/>
               </p:nvSpPr>
               <p:spPr>
                 <a:xfrm>
-                  <a:off x="5908801" y="4491653"/>
-                  <a:ext cx="1669481" cy="395296"/>
+                  <a:off x="7140824" y="3662655"/>
+                  <a:ext cx="3204890" cy="461665"/>
                 </a:xfrm>
                 <a:prstGeom prst="rect">
                   <a:avLst/>
                 </a:prstGeom>
-                <a:pattFill prst="wdUpDiag">
-                  <a:fgClr>
-                    <a:schemeClr val="bg1">
-                      <a:lumMod val="85000"/>
-                    </a:schemeClr>
-                  </a:fgClr>
-                  <a:bgClr>
-                    <a:schemeClr val="bg1"/>
-                  </a:bgClr>
-                </a:pattFill>
-                <a:ln>
-                  <a:solidFill>
-                    <a:schemeClr val="tx1"/>
-                  </a:solidFill>
-                  <a:prstDash val="dash"/>
-                </a:ln>
-              </p:spPr>
-              <p:style>
-                <a:lnRef idx="2">
-                  <a:schemeClr val="accent1">
-                    <a:shade val="50000"/>
-                  </a:schemeClr>
-                </a:lnRef>
-                <a:fillRef idx="1">
-                  <a:schemeClr val="accent1"/>
-                </a:fillRef>
-                <a:effectRef idx="0">
-                  <a:schemeClr val="accent1"/>
-                </a:effectRef>
-                <a:fontRef idx="minor">
-                  <a:schemeClr val="lt1"/>
-                </a:fontRef>
-              </p:style>
-              <p:txBody>
-                <a:bodyPr rtlCol="0" anchor="ctr"/>
-                <a:lstStyle/>
-                <a:p>
-                  <a:pPr algn="ctr"/>
-                  <a:endParaRPr lang="en-US" sz="2000" dirty="0">
-                    <a:solidFill>
-                      <a:schemeClr val="tx1"/>
-                    </a:solidFill>
-                    <a:latin typeface="Times New Roman" panose="02020603050405020304" pitchFamily="18" charset="0"/>
-                    <a:ea typeface="Tahoma" panose="020B0604030504040204" pitchFamily="34" charset="0"/>
-                    <a:cs typeface="Times New Roman" panose="02020603050405020304" pitchFamily="18" charset="0"/>
-                  </a:endParaRPr>
-                </a:p>
-              </p:txBody>
-            </p:sp>
-            <p:sp>
-              <p:nvSpPr>
-                <p:cNvPr id="151" name="Rectangle 150">
-                  <a:extLst>
-                    <a:ext uri="{FF2B5EF4-FFF2-40B4-BE49-F238E27FC236}">
-                      <a16:creationId xmlns:a16="http://schemas.microsoft.com/office/drawing/2014/main" id="{5BEA3DC1-F5F5-F44C-B21F-74A5739CCDF0}"/>
-                    </a:ext>
-                  </a:extLst>
-                </p:cNvPr>
-                <p:cNvSpPr/>
-                <p:nvPr/>
-              </p:nvSpPr>
-              <p:spPr>
-                <a:xfrm>
-                  <a:off x="4255948" y="5376741"/>
-                  <a:ext cx="2828559" cy="395296"/>
-                </a:xfrm>
-                <a:prstGeom prst="rect">
-                  <a:avLst/>
-                </a:prstGeom>
-                <a:pattFill prst="wdUpDiag">
-                  <a:fgClr>
-                    <a:schemeClr val="bg1">
-                      <a:lumMod val="85000"/>
-                    </a:schemeClr>
-                  </a:fgClr>
-                  <a:bgClr>
-                    <a:schemeClr val="bg1"/>
-                  </a:bgClr>
-                </a:pattFill>
-                <a:ln>
-                  <a:solidFill>
-                    <a:schemeClr val="tx1"/>
-                  </a:solidFill>
-                  <a:prstDash val="dash"/>
-                </a:ln>
-              </p:spPr>
-              <p:style>
-                <a:lnRef idx="2">
-                  <a:schemeClr val="accent1">
-                    <a:shade val="50000"/>
-                  </a:schemeClr>
-                </a:lnRef>
-                <a:fillRef idx="1">
-                  <a:schemeClr val="accent1"/>
-                </a:fillRef>
-                <a:effectRef idx="0">
-                  <a:schemeClr val="accent1"/>
-                </a:effectRef>
-                <a:fontRef idx="minor">
-                  <a:schemeClr val="lt1"/>
-                </a:fontRef>
-              </p:style>
-              <p:txBody>
-                <a:bodyPr rtlCol="0" anchor="ctr"/>
-                <a:lstStyle/>
-                <a:p>
-                  <a:pPr algn="ctr"/>
-                  <a:endParaRPr lang="en-US" sz="2000" dirty="0">
-                    <a:solidFill>
-                      <a:schemeClr val="tx1"/>
-                    </a:solidFill>
-                    <a:latin typeface="Times New Roman" panose="02020603050405020304" pitchFamily="18" charset="0"/>
-                    <a:ea typeface="Tahoma" panose="020B0604030504040204" pitchFamily="34" charset="0"/>
-                    <a:cs typeface="Times New Roman" panose="02020603050405020304" pitchFamily="18" charset="0"/>
-                  </a:endParaRPr>
-                </a:p>
-              </p:txBody>
-            </p:sp>
-            <p:sp>
-              <p:nvSpPr>
-                <p:cNvPr id="153" name="TextBox 152">
-                  <a:extLst>
-                    <a:ext uri="{FF2B5EF4-FFF2-40B4-BE49-F238E27FC236}">
-                      <a16:creationId xmlns:a16="http://schemas.microsoft.com/office/drawing/2014/main" id="{1EF8C00B-6BB0-C24C-9CE5-2C608B73C014}"/>
-                    </a:ext>
-                  </a:extLst>
-                </p:cNvPr>
-                <p:cNvSpPr txBox="1"/>
-                <p:nvPr/>
-              </p:nvSpPr>
-              <p:spPr>
-                <a:xfrm>
-                  <a:off x="7589433" y="5220417"/>
-                  <a:ext cx="529047" cy="523220"/>
-                </a:xfrm>
-                <a:prstGeom prst="rect">
-                  <a:avLst/>
-                </a:prstGeom>
-                <a:noFill/>
+                <a:blipFill>
+                  <a:blip r:embed="rId3"/>
+                  <a:stretch>
+                    <a:fillRect l="-2756" t="-10811" b="-27027"/>
+                  </a:stretch>
+                </a:blipFill>
               </p:spPr>
               <p:txBody>
-                <a:bodyPr wrap="square" rtlCol="0">
-                  <a:spAutoFit/>
-                </a:bodyPr>
+                <a:bodyPr/>
                 <a:lstStyle/>
                 <a:p>
                   <a:r>
-                    <a:rPr lang="mr-IN" sz="2800" dirty="0">
-                      <a:latin typeface="Times New Roman" panose="02020603050405020304" pitchFamily="18" charset="0"/>
-                      <a:ea typeface="Tahoma" panose="020B0604030504040204" pitchFamily="34" charset="0"/>
-                      <a:cs typeface="Times" charset="0"/>
+                    <a:rPr lang="en-US">
+                      <a:noFill/>
                     </a:rPr>
-                    <a:t>…</a:t>
-                  </a:r>
-                  <a:endParaRPr lang="en-US" sz="2000" baseline="-25000" dirty="0">
-                    <a:latin typeface="Times New Roman" panose="02020603050405020304" pitchFamily="18" charset="0"/>
-                    <a:ea typeface="Tahoma" panose="020B0604030504040204" pitchFamily="34" charset="0"/>
-                    <a:cs typeface="Times New Roman" panose="02020603050405020304" pitchFamily="18" charset="0"/>
-                  </a:endParaRPr>
-                </a:p>
-              </p:txBody>
-            </p:sp>
-            <p:sp>
-              <p:nvSpPr>
-                <p:cNvPr id="154" name="Rectangle 153">
-                  <a:extLst>
-                    <a:ext uri="{FF2B5EF4-FFF2-40B4-BE49-F238E27FC236}">
-                      <a16:creationId xmlns:a16="http://schemas.microsoft.com/office/drawing/2014/main" id="{4EC55BE2-95AC-C140-8E62-8958D09F7479}"/>
-                    </a:ext>
-                  </a:extLst>
-                </p:cNvPr>
-                <p:cNvSpPr/>
-                <p:nvPr/>
-              </p:nvSpPr>
-              <p:spPr>
-                <a:xfrm>
-                  <a:off x="5474950" y="4486061"/>
-                  <a:ext cx="140776" cy="395296"/>
-                </a:xfrm>
-                <a:prstGeom prst="rect">
-                  <a:avLst/>
-                </a:prstGeom>
-                <a:pattFill prst="dkVert">
-                  <a:fgClr>
-                    <a:srgbClr val="7030A0"/>
-                  </a:fgClr>
-                  <a:bgClr>
-                    <a:schemeClr val="bg1"/>
-                  </a:bgClr>
-                </a:pattFill>
-                <a:ln>
-                  <a:solidFill>
-                    <a:schemeClr val="tx1"/>
-                  </a:solidFill>
-                  <a:prstDash val="dash"/>
-                </a:ln>
-              </p:spPr>
-              <p:style>
-                <a:lnRef idx="2">
-                  <a:schemeClr val="accent1">
-                    <a:shade val="50000"/>
-                  </a:schemeClr>
-                </a:lnRef>
-                <a:fillRef idx="1">
-                  <a:schemeClr val="accent1"/>
-                </a:fillRef>
-                <a:effectRef idx="0">
-                  <a:schemeClr val="accent1"/>
-                </a:effectRef>
-                <a:fontRef idx="minor">
-                  <a:schemeClr val="lt1"/>
-                </a:fontRef>
-              </p:style>
-              <p:txBody>
-                <a:bodyPr rtlCol="0" anchor="ctr"/>
-                <a:lstStyle/>
-                <a:p>
-                  <a:pPr algn="ctr"/>
-                  <a:endParaRPr lang="en-US" sz="2000" dirty="0">
-                    <a:solidFill>
-                      <a:schemeClr val="tx1"/>
-                    </a:solidFill>
-                    <a:latin typeface="Times New Roman" panose="02020603050405020304" pitchFamily="18" charset="0"/>
-                    <a:ea typeface="Tahoma" panose="020B0604030504040204" pitchFamily="34" charset="0"/>
-                    <a:cs typeface="Times New Roman" panose="02020603050405020304" pitchFamily="18" charset="0"/>
-                  </a:endParaRPr>
-                </a:p>
-              </p:txBody>
-            </p:sp>
-            <p:sp>
-              <p:nvSpPr>
-                <p:cNvPr id="155" name="Rectangle 154">
-                  <a:extLst>
-                    <a:ext uri="{FF2B5EF4-FFF2-40B4-BE49-F238E27FC236}">
-                      <a16:creationId xmlns:a16="http://schemas.microsoft.com/office/drawing/2014/main" id="{BDA05974-C2B0-D44A-8EFA-83F22F27D425}"/>
-                    </a:ext>
-                  </a:extLst>
-                </p:cNvPr>
-                <p:cNvSpPr/>
-                <p:nvPr/>
-              </p:nvSpPr>
-              <p:spPr>
-                <a:xfrm>
-                  <a:off x="5653050" y="4486059"/>
-                  <a:ext cx="225196" cy="395296"/>
-                </a:xfrm>
-                <a:prstGeom prst="rect">
-                  <a:avLst/>
-                </a:prstGeom>
-                <a:pattFill prst="dkHorz">
-                  <a:fgClr>
-                    <a:schemeClr val="accent4">
-                      <a:lumMod val="40000"/>
-                      <a:lumOff val="60000"/>
-                    </a:schemeClr>
-                  </a:fgClr>
-                  <a:bgClr>
-                    <a:schemeClr val="bg1"/>
-                  </a:bgClr>
-                </a:pattFill>
-                <a:ln>
-                  <a:solidFill>
-                    <a:schemeClr val="tx1"/>
-                  </a:solidFill>
-                  <a:prstDash val="dash"/>
-                </a:ln>
-              </p:spPr>
-              <p:style>
-                <a:lnRef idx="2">
-                  <a:schemeClr val="accent1">
-                    <a:shade val="50000"/>
-                  </a:schemeClr>
-                </a:lnRef>
-                <a:fillRef idx="1">
-                  <a:schemeClr val="accent1"/>
-                </a:fillRef>
-                <a:effectRef idx="0">
-                  <a:schemeClr val="accent1"/>
-                </a:effectRef>
-                <a:fontRef idx="minor">
-                  <a:schemeClr val="lt1"/>
-                </a:fontRef>
-              </p:style>
-              <p:txBody>
-                <a:bodyPr rtlCol="0" anchor="ctr"/>
-                <a:lstStyle/>
-                <a:p>
-                  <a:pPr algn="ctr"/>
-                  <a:endParaRPr lang="en-US" sz="2000" dirty="0">
-                    <a:solidFill>
-                      <a:schemeClr val="tx1"/>
-                    </a:solidFill>
-                    <a:latin typeface="Times New Roman" panose="02020603050405020304" pitchFamily="18" charset="0"/>
-                    <a:ea typeface="Tahoma" panose="020B0604030504040204" pitchFamily="34" charset="0"/>
-                    <a:cs typeface="Times New Roman" panose="02020603050405020304" pitchFamily="18" charset="0"/>
-                  </a:endParaRPr>
-                </a:p>
-              </p:txBody>
-            </p:sp>
-            <p:sp>
-              <p:nvSpPr>
-                <p:cNvPr id="162" name="Rectangle 161">
-                  <a:extLst>
-                    <a:ext uri="{FF2B5EF4-FFF2-40B4-BE49-F238E27FC236}">
-                      <a16:creationId xmlns:a16="http://schemas.microsoft.com/office/drawing/2014/main" id="{84AA42FB-414C-E648-A995-9807B53934B5}"/>
-                    </a:ext>
-                  </a:extLst>
-                </p:cNvPr>
-                <p:cNvSpPr/>
-                <p:nvPr/>
-              </p:nvSpPr>
-              <p:spPr>
-                <a:xfrm>
-                  <a:off x="7131790" y="5370846"/>
-                  <a:ext cx="140776" cy="395296"/>
-                </a:xfrm>
-                <a:prstGeom prst="rect">
-                  <a:avLst/>
-                </a:prstGeom>
-                <a:pattFill prst="dkVert">
-                  <a:fgClr>
-                    <a:srgbClr val="7030A0"/>
-                  </a:fgClr>
-                  <a:bgClr>
-                    <a:schemeClr val="bg1"/>
-                  </a:bgClr>
-                </a:pattFill>
-                <a:ln>
-                  <a:solidFill>
-                    <a:schemeClr val="tx1"/>
-                  </a:solidFill>
-                  <a:prstDash val="dash"/>
-                </a:ln>
-              </p:spPr>
-              <p:style>
-                <a:lnRef idx="2">
-                  <a:schemeClr val="accent1">
-                    <a:shade val="50000"/>
-                  </a:schemeClr>
-                </a:lnRef>
-                <a:fillRef idx="1">
-                  <a:schemeClr val="accent1"/>
-                </a:fillRef>
-                <a:effectRef idx="0">
-                  <a:schemeClr val="accent1"/>
-                </a:effectRef>
-                <a:fontRef idx="minor">
-                  <a:schemeClr val="lt1"/>
-                </a:fontRef>
-              </p:style>
-              <p:txBody>
-                <a:bodyPr rtlCol="0" anchor="ctr"/>
-                <a:lstStyle/>
-                <a:p>
-                  <a:pPr algn="ctr"/>
-                  <a:endParaRPr lang="en-US" sz="2000" dirty="0">
-                    <a:solidFill>
-                      <a:schemeClr val="tx1"/>
-                    </a:solidFill>
-                    <a:latin typeface="Times New Roman" panose="02020603050405020304" pitchFamily="18" charset="0"/>
-                    <a:ea typeface="Tahoma" panose="020B0604030504040204" pitchFamily="34" charset="0"/>
-                    <a:cs typeface="Times New Roman" panose="02020603050405020304" pitchFamily="18" charset="0"/>
-                  </a:endParaRPr>
-                </a:p>
-              </p:txBody>
-            </p:sp>
-            <p:sp>
-              <p:nvSpPr>
-                <p:cNvPr id="163" name="Rectangle 162">
-                  <a:extLst>
-                    <a:ext uri="{FF2B5EF4-FFF2-40B4-BE49-F238E27FC236}">
-                      <a16:creationId xmlns:a16="http://schemas.microsoft.com/office/drawing/2014/main" id="{F2737409-DB9E-DB45-A4D2-7172FAB92C7E}"/>
-                    </a:ext>
-                  </a:extLst>
-                </p:cNvPr>
-                <p:cNvSpPr/>
-                <p:nvPr/>
-              </p:nvSpPr>
-              <p:spPr>
-                <a:xfrm>
-                  <a:off x="7309890" y="5370844"/>
-                  <a:ext cx="225196" cy="395296"/>
-                </a:xfrm>
-                <a:prstGeom prst="rect">
-                  <a:avLst/>
-                </a:prstGeom>
-                <a:pattFill prst="dkHorz">
-                  <a:fgClr>
-                    <a:schemeClr val="accent4">
-                      <a:lumMod val="40000"/>
-                      <a:lumOff val="60000"/>
-                    </a:schemeClr>
-                  </a:fgClr>
-                  <a:bgClr>
-                    <a:schemeClr val="bg1"/>
-                  </a:bgClr>
-                </a:pattFill>
-                <a:ln>
-                  <a:solidFill>
-                    <a:schemeClr val="tx1"/>
-                  </a:solidFill>
-                  <a:prstDash val="dash"/>
-                </a:ln>
-              </p:spPr>
-              <p:style>
-                <a:lnRef idx="2">
-                  <a:schemeClr val="accent1">
-                    <a:shade val="50000"/>
-                  </a:schemeClr>
-                </a:lnRef>
-                <a:fillRef idx="1">
-                  <a:schemeClr val="accent1"/>
-                </a:fillRef>
-                <a:effectRef idx="0">
-                  <a:schemeClr val="accent1"/>
-                </a:effectRef>
-                <a:fontRef idx="minor">
-                  <a:schemeClr val="lt1"/>
-                </a:fontRef>
-              </p:style>
-              <p:txBody>
-                <a:bodyPr rtlCol="0" anchor="ctr"/>
-                <a:lstStyle/>
-                <a:p>
-                  <a:pPr algn="ctr"/>
-                  <a:endParaRPr lang="en-US" sz="2000" dirty="0">
-                    <a:solidFill>
-                      <a:schemeClr val="tx1"/>
-                    </a:solidFill>
-                    <a:latin typeface="Times New Roman" panose="02020603050405020304" pitchFamily="18" charset="0"/>
-                    <a:ea typeface="Tahoma" panose="020B0604030504040204" pitchFamily="34" charset="0"/>
-                    <a:cs typeface="Times New Roman" panose="02020603050405020304" pitchFamily="18" charset="0"/>
-                  </a:endParaRPr>
-                </a:p>
-              </p:txBody>
-            </p:sp>
-            <p:cxnSp>
-              <p:nvCxnSpPr>
-                <p:cNvPr id="165" name="Straight Connector 164">
-                  <a:extLst>
-                    <a:ext uri="{FF2B5EF4-FFF2-40B4-BE49-F238E27FC236}">
-                      <a16:creationId xmlns:a16="http://schemas.microsoft.com/office/drawing/2014/main" id="{B2E6213E-0801-DB43-AEB8-FCF88887F839}"/>
-                    </a:ext>
-                  </a:extLst>
-                </p:cNvPr>
-                <p:cNvCxnSpPr>
-                  <a:cxnSpLocks/>
-                </p:cNvCxnSpPr>
-                <p:nvPr/>
-              </p:nvCxnSpPr>
-              <p:spPr>
-                <a:xfrm flipH="1">
-                  <a:off x="5913996" y="4387025"/>
-                  <a:ext cx="5958" cy="1584768"/>
-                </a:xfrm>
-                <a:prstGeom prst="line">
-                  <a:avLst/>
-                </a:prstGeom>
-                <a:ln w="28575">
-                  <a:solidFill>
-                    <a:srgbClr val="FF0000"/>
-                  </a:solidFill>
-                </a:ln>
-              </p:spPr>
-              <p:style>
-                <a:lnRef idx="1">
-                  <a:schemeClr val="accent1"/>
-                </a:lnRef>
-                <a:fillRef idx="0">
-                  <a:schemeClr val="accent1"/>
-                </a:fillRef>
-                <a:effectRef idx="0">
-                  <a:schemeClr val="accent1"/>
-                </a:effectRef>
-                <a:fontRef idx="minor">
-                  <a:schemeClr val="tx1"/>
-                </a:fontRef>
-              </p:style>
-            </p:cxnSp>
-            <p:cxnSp>
-              <p:nvCxnSpPr>
-                <p:cNvPr id="166" name="Straight Connector 165">
-                  <a:extLst>
-                    <a:ext uri="{FF2B5EF4-FFF2-40B4-BE49-F238E27FC236}">
-                      <a16:creationId xmlns:a16="http://schemas.microsoft.com/office/drawing/2014/main" id="{8A6C66D0-8385-C84D-9739-44640123B34F}"/>
-                    </a:ext>
-                  </a:extLst>
-                </p:cNvPr>
-                <p:cNvCxnSpPr>
-                  <a:cxnSpLocks/>
-                </p:cNvCxnSpPr>
-                <p:nvPr/>
-              </p:nvCxnSpPr>
-              <p:spPr>
-                <a:xfrm>
-                  <a:off x="7575631" y="4387025"/>
-                  <a:ext cx="0" cy="1584768"/>
-                </a:xfrm>
-                <a:prstGeom prst="line">
-                  <a:avLst/>
-                </a:prstGeom>
-                <a:ln w="28575">
-                  <a:solidFill>
-                    <a:srgbClr val="FF0000"/>
-                  </a:solidFill>
-                </a:ln>
-              </p:spPr>
-              <p:style>
-                <a:lnRef idx="1">
-                  <a:schemeClr val="accent1"/>
-                </a:lnRef>
-                <a:fillRef idx="0">
-                  <a:schemeClr val="accent1"/>
-                </a:fillRef>
-                <a:effectRef idx="0">
-                  <a:schemeClr val="accent1"/>
-                </a:effectRef>
-                <a:fontRef idx="minor">
-                  <a:schemeClr val="tx1"/>
-                </a:fontRef>
-              </p:style>
-            </p:cxnSp>
-            <p:cxnSp>
-              <p:nvCxnSpPr>
-                <p:cNvPr id="167" name="Straight Connector 166">
-                  <a:extLst>
-                    <a:ext uri="{FF2B5EF4-FFF2-40B4-BE49-F238E27FC236}">
-                      <a16:creationId xmlns:a16="http://schemas.microsoft.com/office/drawing/2014/main" id="{67178B1C-9A69-2248-A073-3AADA945D590}"/>
-                    </a:ext>
-                  </a:extLst>
-                </p:cNvPr>
-                <p:cNvCxnSpPr>
-                  <a:cxnSpLocks/>
-                </p:cNvCxnSpPr>
-                <p:nvPr/>
-              </p:nvCxnSpPr>
-              <p:spPr>
-                <a:xfrm flipH="1">
-                  <a:off x="4262670" y="4376174"/>
-                  <a:ext cx="5999" cy="1595619"/>
-                </a:xfrm>
-                <a:prstGeom prst="line">
-                  <a:avLst/>
-                </a:prstGeom>
-                <a:ln w="28575">
-                  <a:solidFill>
-                    <a:srgbClr val="FF0000"/>
-                  </a:solidFill>
-                </a:ln>
-              </p:spPr>
-              <p:style>
-                <a:lnRef idx="1">
-                  <a:schemeClr val="accent1"/>
-                </a:lnRef>
-                <a:fillRef idx="0">
-                  <a:schemeClr val="accent1"/>
-                </a:fillRef>
-                <a:effectRef idx="0">
-                  <a:schemeClr val="accent1"/>
-                </a:effectRef>
-                <a:fontRef idx="minor">
-                  <a:schemeClr val="tx1"/>
-                </a:fontRef>
-              </p:style>
-            </p:cxnSp>
-          </p:grpSp>
-        </p:grpSp>
-        <p:grpSp>
-          <p:nvGrpSpPr>
-            <p:cNvPr id="16" name="Group 15">
-              <a:extLst>
-                <a:ext uri="{FF2B5EF4-FFF2-40B4-BE49-F238E27FC236}">
-                  <a16:creationId xmlns:a16="http://schemas.microsoft.com/office/drawing/2014/main" id="{67D4CCAD-9CA6-B146-A79E-BDB6562FC726}"/>
-                </a:ext>
-              </a:extLst>
-            </p:cNvPr>
-            <p:cNvGrpSpPr/>
-            <p:nvPr/>
-          </p:nvGrpSpPr>
-          <p:grpSpPr>
-            <a:xfrm>
-              <a:off x="4551164" y="4230620"/>
-              <a:ext cx="3643327" cy="1263552"/>
-              <a:chOff x="8817030" y="4581939"/>
-              <a:chExt cx="2178637" cy="1263552"/>
-            </a:xfrm>
-          </p:grpSpPr>
-          <p:sp>
-            <p:nvSpPr>
-              <p:cNvPr id="168" name="Rectangle 167">
-                <a:extLst>
-                  <a:ext uri="{FF2B5EF4-FFF2-40B4-BE49-F238E27FC236}">
-                    <a16:creationId xmlns:a16="http://schemas.microsoft.com/office/drawing/2014/main" id="{4732EA12-1B08-1D4A-98E4-916392E48462}"/>
-                  </a:ext>
-                </a:extLst>
-              </p:cNvPr>
-              <p:cNvSpPr/>
-              <p:nvPr/>
-            </p:nvSpPr>
-            <p:spPr>
-              <a:xfrm>
-                <a:off x="8826184" y="5002143"/>
-                <a:ext cx="377387" cy="284089"/>
-              </a:xfrm>
-              <a:prstGeom prst="rect">
-                <a:avLst/>
-              </a:prstGeom>
-              <a:pattFill prst="dkVert">
-                <a:fgClr>
-                  <a:srgbClr val="7030A0"/>
-                </a:fgClr>
-                <a:bgClr>
-                  <a:schemeClr val="bg1"/>
-                </a:bgClr>
-              </a:pattFill>
-              <a:ln>
-                <a:solidFill>
-                  <a:schemeClr val="tx1"/>
-                </a:solidFill>
-                <a:prstDash val="dash"/>
-              </a:ln>
-            </p:spPr>
-            <p:style>
-              <a:lnRef idx="2">
-                <a:schemeClr val="accent1">
-                  <a:shade val="50000"/>
-                </a:schemeClr>
-              </a:lnRef>
-              <a:fillRef idx="1">
-                <a:schemeClr val="accent1"/>
-              </a:fillRef>
-              <a:effectRef idx="0">
-                <a:schemeClr val="accent1"/>
-              </a:effectRef>
-              <a:fontRef idx="minor">
-                <a:schemeClr val="lt1"/>
-              </a:fontRef>
-            </p:style>
-            <p:txBody>
-              <a:bodyPr rtlCol="0" anchor="ctr"/>
-              <a:lstStyle/>
-              <a:p>
-                <a:pPr algn="ctr"/>
-                <a:endParaRPr lang="en-US" sz="2000" dirty="0">
-                  <a:solidFill>
-                    <a:schemeClr val="tx1"/>
-                  </a:solidFill>
-                  <a:latin typeface="Times New Roman" panose="02020603050405020304" pitchFamily="18" charset="0"/>
-                  <a:ea typeface="Tahoma" panose="020B0604030504040204" pitchFamily="34" charset="0"/>
-                  <a:cs typeface="Times New Roman" panose="02020603050405020304" pitchFamily="18" charset="0"/>
-                </a:endParaRPr>
-              </a:p>
-            </p:txBody>
-          </p:sp>
-          <p:sp>
-            <p:nvSpPr>
-              <p:cNvPr id="169" name="Rectangle 168">
-                <a:extLst>
-                  <a:ext uri="{FF2B5EF4-FFF2-40B4-BE49-F238E27FC236}">
-                    <a16:creationId xmlns:a16="http://schemas.microsoft.com/office/drawing/2014/main" id="{5DC15C89-8A10-2742-B372-376EBFDECC56}"/>
-                  </a:ext>
-                </a:extLst>
-              </p:cNvPr>
-              <p:cNvSpPr/>
-              <p:nvPr/>
-            </p:nvSpPr>
-            <p:spPr>
-              <a:xfrm>
-                <a:off x="8824111" y="5397439"/>
-                <a:ext cx="379460" cy="282428"/>
-              </a:xfrm>
-              <a:prstGeom prst="rect">
-                <a:avLst/>
-              </a:prstGeom>
-              <a:pattFill prst="dkHorz">
-                <a:fgClr>
-                  <a:schemeClr val="accent4">
-                    <a:lumMod val="40000"/>
-                    <a:lumOff val="60000"/>
-                  </a:schemeClr>
-                </a:fgClr>
-                <a:bgClr>
-                  <a:schemeClr val="bg1"/>
-                </a:bgClr>
-              </a:pattFill>
-              <a:ln>
-                <a:solidFill>
-                  <a:schemeClr val="tx1"/>
-                </a:solidFill>
-                <a:prstDash val="dash"/>
-              </a:ln>
-            </p:spPr>
-            <p:style>
-              <a:lnRef idx="2">
-                <a:schemeClr val="accent1">
-                  <a:shade val="50000"/>
-                </a:schemeClr>
-              </a:lnRef>
-              <a:fillRef idx="1">
-                <a:schemeClr val="accent1"/>
-              </a:fillRef>
-              <a:effectRef idx="0">
-                <a:schemeClr val="accent1"/>
-              </a:effectRef>
-              <a:fontRef idx="minor">
-                <a:schemeClr val="lt1"/>
-              </a:fontRef>
-            </p:style>
-            <p:txBody>
-              <a:bodyPr rtlCol="0" anchor="ctr"/>
-              <a:lstStyle/>
-              <a:p>
-                <a:pPr algn="ctr"/>
-                <a:endParaRPr lang="en-US" sz="2000" dirty="0">
-                  <a:solidFill>
-                    <a:schemeClr val="tx1"/>
-                  </a:solidFill>
-                  <a:latin typeface="Times New Roman" panose="02020603050405020304" pitchFamily="18" charset="0"/>
-                  <a:ea typeface="Tahoma" panose="020B0604030504040204" pitchFamily="34" charset="0"/>
-                  <a:cs typeface="Times New Roman" panose="02020603050405020304" pitchFamily="18" charset="0"/>
-                </a:endParaRPr>
-              </a:p>
-            </p:txBody>
-          </p:sp>
-          <p:sp>
-            <p:nvSpPr>
-              <p:cNvPr id="170" name="Rectangle 169">
-                <a:extLst>
-                  <a:ext uri="{FF2B5EF4-FFF2-40B4-BE49-F238E27FC236}">
-                    <a16:creationId xmlns:a16="http://schemas.microsoft.com/office/drawing/2014/main" id="{27DACE3E-DA26-A14E-A990-0C7BD52F497D}"/>
-                  </a:ext>
-                </a:extLst>
-              </p:cNvPr>
-              <p:cNvSpPr/>
-              <p:nvPr/>
-            </p:nvSpPr>
-            <p:spPr>
-              <a:xfrm>
-                <a:off x="8817030" y="4625391"/>
-                <a:ext cx="379460" cy="282428"/>
-              </a:xfrm>
-              <a:prstGeom prst="rect">
-                <a:avLst/>
-              </a:prstGeom>
-              <a:pattFill prst="wdUpDiag">
-                <a:fgClr>
-                  <a:schemeClr val="bg1">
-                    <a:lumMod val="85000"/>
-                  </a:schemeClr>
-                </a:fgClr>
-                <a:bgClr>
-                  <a:schemeClr val="bg1"/>
-                </a:bgClr>
-              </a:pattFill>
-              <a:ln>
-                <a:solidFill>
-                  <a:schemeClr val="tx1"/>
-                </a:solidFill>
-                <a:prstDash val="dash"/>
-              </a:ln>
-            </p:spPr>
-            <p:style>
-              <a:lnRef idx="2">
-                <a:schemeClr val="accent1">
-                  <a:shade val="50000"/>
-                </a:schemeClr>
-              </a:lnRef>
-              <a:fillRef idx="1">
-                <a:schemeClr val="accent1"/>
-              </a:fillRef>
-              <a:effectRef idx="0">
-                <a:schemeClr val="accent1"/>
-              </a:effectRef>
-              <a:fontRef idx="minor">
-                <a:schemeClr val="lt1"/>
-              </a:fontRef>
-            </p:style>
-            <p:txBody>
-              <a:bodyPr rtlCol="0" anchor="ctr"/>
-              <a:lstStyle/>
-              <a:p>
-                <a:pPr algn="ctr"/>
-                <a:endParaRPr lang="en-US" sz="2000" dirty="0">
-                  <a:solidFill>
-                    <a:schemeClr val="tx1"/>
-                  </a:solidFill>
-                  <a:latin typeface="Times New Roman" panose="02020603050405020304" pitchFamily="18" charset="0"/>
-                  <a:ea typeface="Tahoma" panose="020B0604030504040204" pitchFamily="34" charset="0"/>
-                  <a:cs typeface="Times New Roman" panose="02020603050405020304" pitchFamily="18" charset="0"/>
-                </a:endParaRPr>
-              </a:p>
-            </p:txBody>
-          </p:sp>
-          <p:sp>
-            <p:nvSpPr>
-              <p:cNvPr id="15" name="Rectangle 14">
-                <a:extLst>
-                  <a:ext uri="{FF2B5EF4-FFF2-40B4-BE49-F238E27FC236}">
-                    <a16:creationId xmlns:a16="http://schemas.microsoft.com/office/drawing/2014/main" id="{E3300214-F869-3348-9B7B-D205A0F11F11}"/>
-                  </a:ext>
-                </a:extLst>
-              </p:cNvPr>
-              <p:cNvSpPr/>
-              <p:nvPr/>
-            </p:nvSpPr>
-            <p:spPr>
-              <a:xfrm>
-                <a:off x="9286370" y="4581939"/>
-                <a:ext cx="1688223" cy="461665"/>
-              </a:xfrm>
-              <a:prstGeom prst="rect">
-                <a:avLst/>
-              </a:prstGeom>
-            </p:spPr>
-            <p:txBody>
-              <a:bodyPr wrap="none">
-                <a:spAutoFit/>
-              </a:bodyPr>
-              <a:lstStyle/>
-              <a:p>
-                <a:r>
-                  <a:rPr lang="en-US" sz="2400" dirty="0">
-                    <a:latin typeface="Times New Roman" panose="02020603050405020304" pitchFamily="18" charset="0"/>
-                    <a:ea typeface="Tahoma" panose="020B0604030504040204" pitchFamily="34" charset="0"/>
-                    <a:cs typeface="Times New Roman" panose="02020603050405020304" pitchFamily="18" charset="0"/>
-                  </a:rPr>
-                  <a:t>Monitor performance</a:t>
-                </a:r>
-              </a:p>
-            </p:txBody>
-          </p:sp>
-          <p:sp>
-            <p:nvSpPr>
-              <p:cNvPr id="171" name="Rectangle 170">
-                <a:extLst>
-                  <a:ext uri="{FF2B5EF4-FFF2-40B4-BE49-F238E27FC236}">
-                    <a16:creationId xmlns:a16="http://schemas.microsoft.com/office/drawing/2014/main" id="{413550CF-E769-6341-BF85-92E81F20A250}"/>
-                  </a:ext>
-                </a:extLst>
-              </p:cNvPr>
-              <p:cNvSpPr/>
-              <p:nvPr/>
-            </p:nvSpPr>
-            <p:spPr>
-              <a:xfrm>
-                <a:off x="9287314" y="4989317"/>
-                <a:ext cx="1554983" cy="461665"/>
-              </a:xfrm>
-              <a:prstGeom prst="rect">
-                <a:avLst/>
-              </a:prstGeom>
-            </p:spPr>
-            <p:txBody>
-              <a:bodyPr wrap="none">
-                <a:spAutoFit/>
-              </a:bodyPr>
-              <a:lstStyle/>
-              <a:p>
-                <a:r>
-                  <a:rPr lang="en-US" sz="2400" dirty="0">
-                    <a:latin typeface="Times New Roman" panose="02020603050405020304" pitchFamily="18" charset="0"/>
-                    <a:ea typeface="Tahoma" panose="020B0604030504040204" pitchFamily="34" charset="0"/>
-                    <a:cs typeface="Times New Roman" panose="02020603050405020304" pitchFamily="18" charset="0"/>
-                  </a:rPr>
-                  <a:t>Update information</a:t>
-                </a:r>
-              </a:p>
-            </p:txBody>
-          </p:sp>
-          <p:sp>
-            <p:nvSpPr>
-              <p:cNvPr id="172" name="Rectangle 171">
-                <a:extLst>
-                  <a:ext uri="{FF2B5EF4-FFF2-40B4-BE49-F238E27FC236}">
-                    <a16:creationId xmlns:a16="http://schemas.microsoft.com/office/drawing/2014/main" id="{00BFD1CA-F958-734D-B8BF-A2C68B51FA9A}"/>
-                  </a:ext>
-                </a:extLst>
-              </p:cNvPr>
-              <p:cNvSpPr/>
-              <p:nvPr/>
-            </p:nvSpPr>
-            <p:spPr>
-              <a:xfrm>
-                <a:off x="9287314" y="5383826"/>
-                <a:ext cx="1708353" cy="461665"/>
-              </a:xfrm>
-              <a:prstGeom prst="rect">
-                <a:avLst/>
-              </a:prstGeom>
-            </p:spPr>
-            <p:txBody>
-              <a:bodyPr wrap="none">
-                <a:spAutoFit/>
-              </a:bodyPr>
-              <a:lstStyle/>
-              <a:p>
-                <a:r>
-                  <a:rPr lang="en-US" sz="2400" dirty="0">
-                    <a:latin typeface="Times New Roman" panose="02020603050405020304" pitchFamily="18" charset="0"/>
-                    <a:ea typeface="Tahoma" panose="020B0604030504040204" pitchFamily="34" charset="0"/>
-                    <a:cs typeface="Times New Roman" panose="02020603050405020304" pitchFamily="18" charset="0"/>
-                  </a:rPr>
-                  <a:t>Change configuration</a:t>
-                </a:r>
-              </a:p>
-            </p:txBody>
-          </p:sp>
-        </p:grpSp>
-        <p:grpSp>
-          <p:nvGrpSpPr>
-            <p:cNvPr id="20" name="Group 19">
-              <a:extLst>
-                <a:ext uri="{FF2B5EF4-FFF2-40B4-BE49-F238E27FC236}">
-                  <a16:creationId xmlns:a16="http://schemas.microsoft.com/office/drawing/2014/main" id="{25F1DACC-F24B-AE44-B499-6CD7C6CE67A8}"/>
-                </a:ext>
-              </a:extLst>
-            </p:cNvPr>
-            <p:cNvGrpSpPr/>
-            <p:nvPr/>
-          </p:nvGrpSpPr>
-          <p:grpSpPr>
-            <a:xfrm>
-              <a:off x="960269" y="1303406"/>
-              <a:ext cx="5839977" cy="2762805"/>
-              <a:chOff x="5076265" y="676136"/>
-              <a:chExt cx="5839977" cy="2762805"/>
-            </a:xfrm>
-          </p:grpSpPr>
-          <p:sp>
-            <p:nvSpPr>
-              <p:cNvPr id="193" name="Rectangle 192">
-                <a:extLst>
-                  <a:ext uri="{FF2B5EF4-FFF2-40B4-BE49-F238E27FC236}">
-                    <a16:creationId xmlns:a16="http://schemas.microsoft.com/office/drawing/2014/main" id="{DB2574CF-E364-3747-80DD-5AAC32C11C97}"/>
-                  </a:ext>
-                </a:extLst>
-              </p:cNvPr>
-              <p:cNvSpPr/>
-              <p:nvPr/>
-            </p:nvSpPr>
-            <p:spPr>
-              <a:xfrm>
-                <a:off x="7876899" y="1418334"/>
-                <a:ext cx="1164554" cy="395296"/>
-              </a:xfrm>
-              <a:prstGeom prst="rect">
-                <a:avLst/>
-              </a:prstGeom>
-              <a:pattFill prst="wdUpDiag">
-                <a:fgClr>
-                  <a:schemeClr val="bg1">
-                    <a:lumMod val="85000"/>
-                  </a:schemeClr>
-                </a:fgClr>
-                <a:bgClr>
-                  <a:schemeClr val="bg1"/>
-                </a:bgClr>
-              </a:pattFill>
-              <a:ln>
-                <a:solidFill>
-                  <a:schemeClr val="tx1"/>
-                </a:solidFill>
-                <a:prstDash val="dash"/>
-              </a:ln>
-            </p:spPr>
-            <p:style>
-              <a:lnRef idx="2">
-                <a:schemeClr val="accent1">
-                  <a:shade val="50000"/>
-                </a:schemeClr>
-              </a:lnRef>
-              <a:fillRef idx="1">
-                <a:schemeClr val="accent1"/>
-              </a:fillRef>
-              <a:effectRef idx="0">
-                <a:schemeClr val="accent1"/>
-              </a:effectRef>
-              <a:fontRef idx="minor">
-                <a:schemeClr val="lt1"/>
-              </a:fontRef>
-            </p:style>
-            <p:txBody>
-              <a:bodyPr rtlCol="0" anchor="ctr"/>
-              <a:lstStyle/>
-              <a:p>
-                <a:pPr algn="ctr"/>
-                <a:endParaRPr lang="en-US" sz="2000" dirty="0">
-                  <a:solidFill>
-                    <a:schemeClr val="tx1"/>
-                  </a:solidFill>
-                  <a:latin typeface="Times New Roman" panose="02020603050405020304" pitchFamily="18" charset="0"/>
-                  <a:ea typeface="Tahoma" panose="020B0604030504040204" pitchFamily="34" charset="0"/>
-                  <a:cs typeface="Times New Roman" panose="02020603050405020304" pitchFamily="18" charset="0"/>
-                </a:endParaRPr>
-              </a:p>
-            </p:txBody>
-          </p:sp>
-          <p:sp>
-            <p:nvSpPr>
-              <p:cNvPr id="194" name="Rectangle 193">
-                <a:extLst>
-                  <a:ext uri="{FF2B5EF4-FFF2-40B4-BE49-F238E27FC236}">
-                    <a16:creationId xmlns:a16="http://schemas.microsoft.com/office/drawing/2014/main" id="{61C0F8BA-D981-AA4C-9C3B-3130EF906800}"/>
-                  </a:ext>
-                </a:extLst>
-              </p:cNvPr>
-              <p:cNvSpPr/>
-              <p:nvPr/>
-            </p:nvSpPr>
-            <p:spPr>
-              <a:xfrm>
-                <a:off x="9080417" y="1412742"/>
-                <a:ext cx="140776" cy="395296"/>
-              </a:xfrm>
-              <a:prstGeom prst="rect">
-                <a:avLst/>
-              </a:prstGeom>
-              <a:pattFill prst="dkVert">
-                <a:fgClr>
-                  <a:srgbClr val="7030A0"/>
-                </a:fgClr>
-                <a:bgClr>
-                  <a:schemeClr val="bg1"/>
-                </a:bgClr>
-              </a:pattFill>
-              <a:ln>
-                <a:solidFill>
-                  <a:schemeClr val="tx1"/>
-                </a:solidFill>
-                <a:prstDash val="dash"/>
-              </a:ln>
-            </p:spPr>
-            <p:style>
-              <a:lnRef idx="2">
-                <a:schemeClr val="accent1">
-                  <a:shade val="50000"/>
-                </a:schemeClr>
-              </a:lnRef>
-              <a:fillRef idx="1">
-                <a:schemeClr val="accent1"/>
-              </a:fillRef>
-              <a:effectRef idx="0">
-                <a:schemeClr val="accent1"/>
-              </a:effectRef>
-              <a:fontRef idx="minor">
-                <a:schemeClr val="lt1"/>
-              </a:fontRef>
-            </p:style>
-            <p:txBody>
-              <a:bodyPr rtlCol="0" anchor="ctr"/>
-              <a:lstStyle/>
-              <a:p>
-                <a:pPr algn="ctr"/>
-                <a:endParaRPr lang="en-US" sz="2000" dirty="0">
-                  <a:solidFill>
-                    <a:schemeClr val="tx1"/>
-                  </a:solidFill>
-                  <a:latin typeface="Times New Roman" panose="02020603050405020304" pitchFamily="18" charset="0"/>
-                  <a:ea typeface="Tahoma" panose="020B0604030504040204" pitchFamily="34" charset="0"/>
-                  <a:cs typeface="Times New Roman" panose="02020603050405020304" pitchFamily="18" charset="0"/>
-                </a:endParaRPr>
-              </a:p>
-            </p:txBody>
-          </p:sp>
-          <p:sp>
-            <p:nvSpPr>
-              <p:cNvPr id="195" name="Rectangle 194">
-                <a:extLst>
-                  <a:ext uri="{FF2B5EF4-FFF2-40B4-BE49-F238E27FC236}">
-                    <a16:creationId xmlns:a16="http://schemas.microsoft.com/office/drawing/2014/main" id="{D938FD0D-A6BD-3147-8F12-12F8FC2DA410}"/>
-                  </a:ext>
-                </a:extLst>
-              </p:cNvPr>
-              <p:cNvSpPr/>
-              <p:nvPr/>
-            </p:nvSpPr>
-            <p:spPr>
-              <a:xfrm>
-                <a:off x="9258517" y="1412740"/>
-                <a:ext cx="225196" cy="395296"/>
-              </a:xfrm>
-              <a:prstGeom prst="rect">
-                <a:avLst/>
-              </a:prstGeom>
-              <a:pattFill prst="dkHorz">
-                <a:fgClr>
-                  <a:schemeClr val="accent4">
-                    <a:lumMod val="40000"/>
-                    <a:lumOff val="60000"/>
-                  </a:schemeClr>
-                </a:fgClr>
-                <a:bgClr>
-                  <a:schemeClr val="bg1"/>
-                </a:bgClr>
-              </a:pattFill>
-              <a:ln>
-                <a:solidFill>
-                  <a:schemeClr val="tx1"/>
-                </a:solidFill>
-                <a:prstDash val="dash"/>
-              </a:ln>
-            </p:spPr>
-            <p:style>
-              <a:lnRef idx="2">
-                <a:schemeClr val="accent1">
-                  <a:shade val="50000"/>
-                </a:schemeClr>
-              </a:lnRef>
-              <a:fillRef idx="1">
-                <a:schemeClr val="accent1"/>
-              </a:fillRef>
-              <a:effectRef idx="0">
-                <a:schemeClr val="accent1"/>
-              </a:effectRef>
-              <a:fontRef idx="minor">
-                <a:schemeClr val="lt1"/>
-              </a:fontRef>
-            </p:style>
-            <p:txBody>
-              <a:bodyPr rtlCol="0" anchor="ctr"/>
-              <a:lstStyle/>
-              <a:p>
-                <a:pPr algn="ctr"/>
-                <a:endParaRPr lang="en-US" sz="2000" dirty="0">
-                  <a:solidFill>
-                    <a:schemeClr val="tx1"/>
-                  </a:solidFill>
-                  <a:latin typeface="Times New Roman" panose="02020603050405020304" pitchFamily="18" charset="0"/>
-                  <a:ea typeface="Tahoma" panose="020B0604030504040204" pitchFamily="34" charset="0"/>
-                  <a:cs typeface="Times New Roman" panose="02020603050405020304" pitchFamily="18" charset="0"/>
-                </a:endParaRPr>
-              </a:p>
-            </p:txBody>
-          </p:sp>
-          <p:sp>
-            <p:nvSpPr>
-              <p:cNvPr id="199" name="Rectangle 198">
-                <a:extLst>
-                  <a:ext uri="{FF2B5EF4-FFF2-40B4-BE49-F238E27FC236}">
-                    <a16:creationId xmlns:a16="http://schemas.microsoft.com/office/drawing/2014/main" id="{6E60268D-7CA0-974B-B93D-1E389C273828}"/>
-                  </a:ext>
-                </a:extLst>
-              </p:cNvPr>
-              <p:cNvSpPr/>
-              <p:nvPr/>
-            </p:nvSpPr>
-            <p:spPr>
-              <a:xfrm>
-                <a:off x="6830334" y="2299313"/>
-                <a:ext cx="1164554" cy="395296"/>
-              </a:xfrm>
-              <a:prstGeom prst="rect">
-                <a:avLst/>
-              </a:prstGeom>
-              <a:pattFill prst="wdUpDiag">
-                <a:fgClr>
-                  <a:schemeClr val="bg1">
-                    <a:lumMod val="85000"/>
-                  </a:schemeClr>
-                </a:fgClr>
-                <a:bgClr>
-                  <a:schemeClr val="bg1"/>
-                </a:bgClr>
-              </a:pattFill>
-              <a:ln>
-                <a:solidFill>
-                  <a:schemeClr val="tx1"/>
-                </a:solidFill>
-                <a:prstDash val="dash"/>
-              </a:ln>
-            </p:spPr>
-            <p:style>
-              <a:lnRef idx="2">
-                <a:schemeClr val="accent1">
-                  <a:shade val="50000"/>
-                </a:schemeClr>
-              </a:lnRef>
-              <a:fillRef idx="1">
-                <a:schemeClr val="accent1"/>
-              </a:fillRef>
-              <a:effectRef idx="0">
-                <a:schemeClr val="accent1"/>
-              </a:effectRef>
-              <a:fontRef idx="minor">
-                <a:schemeClr val="lt1"/>
-              </a:fontRef>
-            </p:style>
-            <p:txBody>
-              <a:bodyPr rtlCol="0" anchor="ctr"/>
-              <a:lstStyle/>
-              <a:p>
-                <a:pPr algn="ctr"/>
-                <a:endParaRPr lang="en-US" sz="2000" dirty="0">
-                  <a:solidFill>
-                    <a:schemeClr val="tx1"/>
-                  </a:solidFill>
-                  <a:latin typeface="Times New Roman" panose="02020603050405020304" pitchFamily="18" charset="0"/>
-                  <a:ea typeface="Tahoma" panose="020B0604030504040204" pitchFamily="34" charset="0"/>
-                  <a:cs typeface="Times New Roman" panose="02020603050405020304" pitchFamily="18" charset="0"/>
-                </a:endParaRPr>
-              </a:p>
-            </p:txBody>
-          </p:sp>
-          <p:sp>
-            <p:nvSpPr>
-              <p:cNvPr id="200" name="Rectangle 199">
-                <a:extLst>
-                  <a:ext uri="{FF2B5EF4-FFF2-40B4-BE49-F238E27FC236}">
-                    <a16:creationId xmlns:a16="http://schemas.microsoft.com/office/drawing/2014/main" id="{40AD7456-4763-7344-B8BD-7271581FE406}"/>
-                  </a:ext>
-                </a:extLst>
-              </p:cNvPr>
-              <p:cNvSpPr/>
-              <p:nvPr/>
-            </p:nvSpPr>
-            <p:spPr>
-              <a:xfrm>
-                <a:off x="8033852" y="2293721"/>
-                <a:ext cx="140776" cy="395296"/>
-              </a:xfrm>
-              <a:prstGeom prst="rect">
-                <a:avLst/>
-              </a:prstGeom>
-              <a:pattFill prst="dkVert">
-                <a:fgClr>
-                  <a:srgbClr val="7030A0"/>
-                </a:fgClr>
-                <a:bgClr>
-                  <a:schemeClr val="bg1"/>
-                </a:bgClr>
-              </a:pattFill>
-              <a:ln>
-                <a:solidFill>
-                  <a:schemeClr val="tx1"/>
-                </a:solidFill>
-                <a:prstDash val="dash"/>
-              </a:ln>
-            </p:spPr>
-            <p:style>
-              <a:lnRef idx="2">
-                <a:schemeClr val="accent1">
-                  <a:shade val="50000"/>
-                </a:schemeClr>
-              </a:lnRef>
-              <a:fillRef idx="1">
-                <a:schemeClr val="accent1"/>
-              </a:fillRef>
-              <a:effectRef idx="0">
-                <a:schemeClr val="accent1"/>
-              </a:effectRef>
-              <a:fontRef idx="minor">
-                <a:schemeClr val="lt1"/>
-              </a:fontRef>
-            </p:style>
-            <p:txBody>
-              <a:bodyPr rtlCol="0" anchor="ctr"/>
-              <a:lstStyle/>
-              <a:p>
-                <a:pPr algn="ctr"/>
-                <a:endParaRPr lang="en-US" sz="2000" dirty="0">
-                  <a:solidFill>
-                    <a:schemeClr val="tx1"/>
-                  </a:solidFill>
-                  <a:latin typeface="Times New Roman" panose="02020603050405020304" pitchFamily="18" charset="0"/>
-                  <a:ea typeface="Tahoma" panose="020B0604030504040204" pitchFamily="34" charset="0"/>
-                  <a:cs typeface="Times New Roman" panose="02020603050405020304" pitchFamily="18" charset="0"/>
-                </a:endParaRPr>
-              </a:p>
-            </p:txBody>
-          </p:sp>
-          <p:sp>
-            <p:nvSpPr>
-              <p:cNvPr id="201" name="Rectangle 200">
-                <a:extLst>
-                  <a:ext uri="{FF2B5EF4-FFF2-40B4-BE49-F238E27FC236}">
-                    <a16:creationId xmlns:a16="http://schemas.microsoft.com/office/drawing/2014/main" id="{87B5941E-D816-4141-9010-D301A24CA1D8}"/>
-                  </a:ext>
-                </a:extLst>
-              </p:cNvPr>
-              <p:cNvSpPr/>
-              <p:nvPr/>
-            </p:nvSpPr>
-            <p:spPr>
-              <a:xfrm>
-                <a:off x="8211952" y="2293719"/>
-                <a:ext cx="225196" cy="395296"/>
-              </a:xfrm>
-              <a:prstGeom prst="rect">
-                <a:avLst/>
-              </a:prstGeom>
-              <a:pattFill prst="dkHorz">
-                <a:fgClr>
-                  <a:schemeClr val="accent4">
-                    <a:lumMod val="40000"/>
-                    <a:lumOff val="60000"/>
-                  </a:schemeClr>
-                </a:fgClr>
-                <a:bgClr>
-                  <a:schemeClr val="bg1"/>
-                </a:bgClr>
-              </a:pattFill>
-              <a:ln>
-                <a:solidFill>
-                  <a:schemeClr val="tx1"/>
-                </a:solidFill>
-                <a:prstDash val="dash"/>
-              </a:ln>
-            </p:spPr>
-            <p:style>
-              <a:lnRef idx="2">
-                <a:schemeClr val="accent1">
-                  <a:shade val="50000"/>
-                </a:schemeClr>
-              </a:lnRef>
-              <a:fillRef idx="1">
-                <a:schemeClr val="accent1"/>
-              </a:fillRef>
-              <a:effectRef idx="0">
-                <a:schemeClr val="accent1"/>
-              </a:effectRef>
-              <a:fontRef idx="minor">
-                <a:schemeClr val="lt1"/>
-              </a:fontRef>
-            </p:style>
-            <p:txBody>
-              <a:bodyPr rtlCol="0" anchor="ctr"/>
-              <a:lstStyle/>
-              <a:p>
-                <a:pPr algn="ctr"/>
-                <a:endParaRPr lang="en-US" sz="2000" dirty="0">
-                  <a:solidFill>
-                    <a:schemeClr val="tx1"/>
-                  </a:solidFill>
-                  <a:latin typeface="Times New Roman" panose="02020603050405020304" pitchFamily="18" charset="0"/>
-                  <a:ea typeface="Tahoma" panose="020B0604030504040204" pitchFamily="34" charset="0"/>
-                  <a:cs typeface="Times New Roman" panose="02020603050405020304" pitchFamily="18" charset="0"/>
-                </a:endParaRPr>
-              </a:p>
-            </p:txBody>
-          </p:sp>
-          <p:sp>
-            <p:nvSpPr>
-              <p:cNvPr id="202" name="Rectangle 201">
-                <a:extLst>
-                  <a:ext uri="{FF2B5EF4-FFF2-40B4-BE49-F238E27FC236}">
-                    <a16:creationId xmlns:a16="http://schemas.microsoft.com/office/drawing/2014/main" id="{073CBB45-BB3B-4343-86D6-FC1DABA2CF3C}"/>
-                  </a:ext>
-                </a:extLst>
-              </p:cNvPr>
-              <p:cNvSpPr/>
-              <p:nvPr/>
-            </p:nvSpPr>
-            <p:spPr>
-              <a:xfrm>
-                <a:off x="8487881" y="2298561"/>
-                <a:ext cx="995832" cy="395296"/>
-              </a:xfrm>
-              <a:prstGeom prst="rect">
-                <a:avLst/>
-              </a:prstGeom>
-              <a:pattFill prst="wdUpDiag">
-                <a:fgClr>
-                  <a:schemeClr val="bg1">
-                    <a:lumMod val="85000"/>
-                  </a:schemeClr>
-                </a:fgClr>
-                <a:bgClr>
-                  <a:schemeClr val="bg1"/>
-                </a:bgClr>
-              </a:pattFill>
-              <a:ln>
-                <a:solidFill>
-                  <a:schemeClr val="tx1"/>
-                </a:solidFill>
-                <a:prstDash val="dash"/>
-              </a:ln>
-            </p:spPr>
-            <p:style>
-              <a:lnRef idx="2">
-                <a:schemeClr val="accent1">
-                  <a:shade val="50000"/>
-                </a:schemeClr>
-              </a:lnRef>
-              <a:fillRef idx="1">
-                <a:schemeClr val="accent1"/>
-              </a:fillRef>
-              <a:effectRef idx="0">
-                <a:schemeClr val="accent1"/>
-              </a:effectRef>
-              <a:fontRef idx="minor">
-                <a:schemeClr val="lt1"/>
-              </a:fontRef>
-            </p:style>
-            <p:txBody>
-              <a:bodyPr rtlCol="0" anchor="ctr"/>
-              <a:lstStyle/>
-              <a:p>
-                <a:pPr algn="ctr"/>
-                <a:endParaRPr lang="en-US" sz="2000" dirty="0">
-                  <a:solidFill>
-                    <a:schemeClr val="tx1"/>
-                  </a:solidFill>
-                  <a:latin typeface="Times New Roman" panose="02020603050405020304" pitchFamily="18" charset="0"/>
-                  <a:ea typeface="Tahoma" panose="020B0604030504040204" pitchFamily="34" charset="0"/>
-                  <a:cs typeface="Times New Roman" panose="02020603050405020304" pitchFamily="18" charset="0"/>
-                </a:endParaRPr>
-              </a:p>
-            </p:txBody>
-          </p:sp>
-          <p:sp>
-            <p:nvSpPr>
-              <p:cNvPr id="205" name="Rectangle 204">
-                <a:extLst>
-                  <a:ext uri="{FF2B5EF4-FFF2-40B4-BE49-F238E27FC236}">
-                    <a16:creationId xmlns:a16="http://schemas.microsoft.com/office/drawing/2014/main" id="{784C4F92-0343-D444-AE73-D9FB5FD76B09}"/>
-                  </a:ext>
-                </a:extLst>
-              </p:cNvPr>
-              <p:cNvSpPr/>
-              <p:nvPr/>
-            </p:nvSpPr>
-            <p:spPr>
-              <a:xfrm>
-                <a:off x="6383657" y="2300526"/>
-                <a:ext cx="140776" cy="395296"/>
-              </a:xfrm>
-              <a:prstGeom prst="rect">
-                <a:avLst/>
-              </a:prstGeom>
-              <a:pattFill prst="dkVert">
-                <a:fgClr>
-                  <a:srgbClr val="7030A0"/>
-                </a:fgClr>
-                <a:bgClr>
-                  <a:schemeClr val="bg1"/>
-                </a:bgClr>
-              </a:pattFill>
-              <a:ln>
-                <a:solidFill>
-                  <a:schemeClr val="tx1"/>
-                </a:solidFill>
-                <a:prstDash val="dash"/>
-              </a:ln>
-            </p:spPr>
-            <p:style>
-              <a:lnRef idx="2">
-                <a:schemeClr val="accent1">
-                  <a:shade val="50000"/>
-                </a:schemeClr>
-              </a:lnRef>
-              <a:fillRef idx="1">
-                <a:schemeClr val="accent1"/>
-              </a:fillRef>
-              <a:effectRef idx="0">
-                <a:schemeClr val="accent1"/>
-              </a:effectRef>
-              <a:fontRef idx="minor">
-                <a:schemeClr val="lt1"/>
-              </a:fontRef>
-            </p:style>
-            <p:txBody>
-              <a:bodyPr rtlCol="0" anchor="ctr"/>
-              <a:lstStyle/>
-              <a:p>
-                <a:pPr algn="ctr"/>
-                <a:endParaRPr lang="en-US" sz="2000" dirty="0">
-                  <a:solidFill>
-                    <a:schemeClr val="tx1"/>
-                  </a:solidFill>
-                  <a:latin typeface="Times New Roman" panose="02020603050405020304" pitchFamily="18" charset="0"/>
-                  <a:ea typeface="Tahoma" panose="020B0604030504040204" pitchFamily="34" charset="0"/>
-                  <a:cs typeface="Times New Roman" panose="02020603050405020304" pitchFamily="18" charset="0"/>
-                </a:endParaRPr>
-              </a:p>
-            </p:txBody>
-          </p:sp>
-          <p:sp>
-            <p:nvSpPr>
-              <p:cNvPr id="206" name="Rectangle 205">
-                <a:extLst>
-                  <a:ext uri="{FF2B5EF4-FFF2-40B4-BE49-F238E27FC236}">
-                    <a16:creationId xmlns:a16="http://schemas.microsoft.com/office/drawing/2014/main" id="{7BE0455F-9B52-114E-A10C-1512593E104D}"/>
-                  </a:ext>
-                </a:extLst>
-              </p:cNvPr>
-              <p:cNvSpPr/>
-              <p:nvPr/>
-            </p:nvSpPr>
-            <p:spPr>
-              <a:xfrm>
-                <a:off x="6561757" y="2300524"/>
-                <a:ext cx="225196" cy="395296"/>
-              </a:xfrm>
-              <a:prstGeom prst="rect">
-                <a:avLst/>
-              </a:prstGeom>
-              <a:pattFill prst="dkHorz">
-                <a:fgClr>
-                  <a:schemeClr val="accent4">
-                    <a:lumMod val="40000"/>
-                    <a:lumOff val="60000"/>
-                  </a:schemeClr>
-                </a:fgClr>
-                <a:bgClr>
-                  <a:schemeClr val="bg1"/>
-                </a:bgClr>
-              </a:pattFill>
-              <a:ln>
-                <a:solidFill>
-                  <a:schemeClr val="tx1"/>
-                </a:solidFill>
-                <a:prstDash val="dash"/>
-              </a:ln>
-            </p:spPr>
-            <p:style>
-              <a:lnRef idx="2">
-                <a:schemeClr val="accent1">
-                  <a:shade val="50000"/>
-                </a:schemeClr>
-              </a:lnRef>
-              <a:fillRef idx="1">
-                <a:schemeClr val="accent1"/>
-              </a:fillRef>
-              <a:effectRef idx="0">
-                <a:schemeClr val="accent1"/>
-              </a:effectRef>
-              <a:fontRef idx="minor">
-                <a:schemeClr val="lt1"/>
-              </a:fontRef>
-            </p:style>
-            <p:txBody>
-              <a:bodyPr rtlCol="0" anchor="ctr"/>
-              <a:lstStyle/>
-              <a:p>
-                <a:pPr algn="ctr"/>
-                <a:endParaRPr lang="en-US" sz="2000" dirty="0">
-                  <a:solidFill>
-                    <a:schemeClr val="tx1"/>
-                  </a:solidFill>
-                  <a:latin typeface="Times New Roman" panose="02020603050405020304" pitchFamily="18" charset="0"/>
-                  <a:ea typeface="Tahoma" panose="020B0604030504040204" pitchFamily="34" charset="0"/>
-                  <a:cs typeface="Times New Roman" panose="02020603050405020304" pitchFamily="18" charset="0"/>
-                </a:endParaRPr>
-              </a:p>
-            </p:txBody>
-          </p:sp>
-          <p:sp>
-            <p:nvSpPr>
-              <p:cNvPr id="207" name="Rectangle 206">
-                <a:extLst>
-                  <a:ext uri="{FF2B5EF4-FFF2-40B4-BE49-F238E27FC236}">
-                    <a16:creationId xmlns:a16="http://schemas.microsoft.com/office/drawing/2014/main" id="{8FA2B1BA-3D92-AB47-93E4-82D9EA06E7C5}"/>
-                  </a:ext>
-                </a:extLst>
-              </p:cNvPr>
-              <p:cNvSpPr/>
-              <p:nvPr/>
-            </p:nvSpPr>
-            <p:spPr>
-              <a:xfrm>
-                <a:off x="6214451" y="2295916"/>
-                <a:ext cx="118473" cy="395296"/>
-              </a:xfrm>
-              <a:prstGeom prst="rect">
-                <a:avLst/>
-              </a:prstGeom>
-              <a:pattFill prst="wdUpDiag">
-                <a:fgClr>
-                  <a:schemeClr val="bg1">
-                    <a:lumMod val="85000"/>
-                  </a:schemeClr>
-                </a:fgClr>
-                <a:bgClr>
-                  <a:schemeClr val="bg1"/>
-                </a:bgClr>
-              </a:pattFill>
-              <a:ln>
-                <a:solidFill>
-                  <a:schemeClr val="tx1"/>
-                </a:solidFill>
-                <a:prstDash val="dash"/>
-              </a:ln>
-            </p:spPr>
-            <p:style>
-              <a:lnRef idx="2">
-                <a:schemeClr val="accent1">
-                  <a:shade val="50000"/>
-                </a:schemeClr>
-              </a:lnRef>
-              <a:fillRef idx="1">
-                <a:schemeClr val="accent1"/>
-              </a:fillRef>
-              <a:effectRef idx="0">
-                <a:schemeClr val="accent1"/>
-              </a:effectRef>
-              <a:fontRef idx="minor">
-                <a:schemeClr val="lt1"/>
-              </a:fontRef>
-            </p:style>
-            <p:txBody>
-              <a:bodyPr rtlCol="0" anchor="ctr"/>
-              <a:lstStyle/>
-              <a:p>
-                <a:pPr algn="ctr"/>
-                <a:endParaRPr lang="en-US" sz="2000" dirty="0">
-                  <a:solidFill>
-                    <a:schemeClr val="tx1"/>
-                  </a:solidFill>
-                  <a:latin typeface="Times New Roman" panose="02020603050405020304" pitchFamily="18" charset="0"/>
-                  <a:ea typeface="Tahoma" panose="020B0604030504040204" pitchFamily="34" charset="0"/>
-                  <a:cs typeface="Times New Roman" panose="02020603050405020304" pitchFamily="18" charset="0"/>
-                </a:endParaRPr>
-              </a:p>
-            </p:txBody>
-          </p:sp>
-          <p:grpSp>
-            <p:nvGrpSpPr>
-              <p:cNvPr id="173" name="Group 172">
-                <a:extLst>
-                  <a:ext uri="{FF2B5EF4-FFF2-40B4-BE49-F238E27FC236}">
-                    <a16:creationId xmlns:a16="http://schemas.microsoft.com/office/drawing/2014/main" id="{A49F312B-4F01-2049-B995-055E10F07D92}"/>
-                  </a:ext>
-                </a:extLst>
-              </p:cNvPr>
-              <p:cNvGrpSpPr/>
-              <p:nvPr/>
-            </p:nvGrpSpPr>
-            <p:grpSpPr>
-              <a:xfrm>
-                <a:off x="5076265" y="1416912"/>
-                <a:ext cx="5018866" cy="2022029"/>
-                <a:chOff x="3138604" y="4486059"/>
-                <a:chExt cx="5018866" cy="2022029"/>
-              </a:xfrm>
-            </p:grpSpPr>
-            <p:sp>
-              <p:nvSpPr>
-                <p:cNvPr id="174" name="TextBox 173">
-                  <a:extLst>
-                    <a:ext uri="{FF2B5EF4-FFF2-40B4-BE49-F238E27FC236}">
-                      <a16:creationId xmlns:a16="http://schemas.microsoft.com/office/drawing/2014/main" id="{A9FDA274-9688-4E4E-BD52-8FEA8E21E424}"/>
-                    </a:ext>
-                  </a:extLst>
-                </p:cNvPr>
-                <p:cNvSpPr txBox="1"/>
-                <p:nvPr/>
-              </p:nvSpPr>
-              <p:spPr>
-                <a:xfrm>
-                  <a:off x="3144771" y="4530268"/>
-                  <a:ext cx="1147906" cy="461665"/>
-                </a:xfrm>
-                <a:prstGeom prst="rect">
-                  <a:avLst/>
-                </a:prstGeom>
-                <a:noFill/>
-              </p:spPr>
-              <p:txBody>
-                <a:bodyPr wrap="square" rtlCol="0">
-                  <a:spAutoFit/>
-                </a:bodyPr>
-                <a:lstStyle/>
-                <a:p>
-                  <a:r>
-                    <a:rPr lang="en-US" sz="2400" dirty="0">
-                      <a:latin typeface="Times New Roman" panose="02020603050405020304" pitchFamily="18" charset="0"/>
-                      <a:ea typeface="Tahoma" panose="020B0604030504040204" pitchFamily="34" charset="0"/>
-                      <a:cs typeface="Times New Roman" panose="02020603050405020304" pitchFamily="18" charset="0"/>
-                    </a:rPr>
-                    <a:t>Agent</a:t>
-                  </a:r>
-                  <a:r>
-                    <a:rPr lang="en-US" sz="2400" baseline="-25000" dirty="0">
-                      <a:latin typeface="Times New Roman" panose="02020603050405020304" pitchFamily="18" charset="0"/>
-                      <a:ea typeface="Tahoma" panose="020B0604030504040204" pitchFamily="34" charset="0"/>
-                      <a:cs typeface="Times New Roman" panose="02020603050405020304" pitchFamily="18" charset="0"/>
-                    </a:rPr>
-                    <a:t>A</a:t>
+                    <a:t> </a:t>
                   </a:r>
                 </a:p>
               </p:txBody>
             </p:sp>
-            <p:sp>
-              <p:nvSpPr>
-                <p:cNvPr id="175" name="TextBox 174">
-                  <a:extLst>
-                    <a:ext uri="{FF2B5EF4-FFF2-40B4-BE49-F238E27FC236}">
-                      <a16:creationId xmlns:a16="http://schemas.microsoft.com/office/drawing/2014/main" id="{60F21C0C-DC91-BF43-8836-81698E42CFBC}"/>
-                    </a:ext>
-                  </a:extLst>
-                </p:cNvPr>
-                <p:cNvSpPr txBox="1"/>
-                <p:nvPr/>
-              </p:nvSpPr>
-              <p:spPr>
-                <a:xfrm>
-                  <a:off x="3138604" y="5326593"/>
-                  <a:ext cx="1329550" cy="461665"/>
-                </a:xfrm>
-                <a:prstGeom prst="rect">
-                  <a:avLst/>
-                </a:prstGeom>
-                <a:noFill/>
-              </p:spPr>
-              <p:txBody>
-                <a:bodyPr wrap="square" rtlCol="0">
-                  <a:spAutoFit/>
-                </a:bodyPr>
-                <a:lstStyle/>
-                <a:p>
-                  <a:r>
-                    <a:rPr lang="en-US" sz="2400" dirty="0">
-                      <a:latin typeface="Times New Roman" panose="02020603050405020304" pitchFamily="18" charset="0"/>
-                      <a:ea typeface="Tahoma" panose="020B0604030504040204" pitchFamily="34" charset="0"/>
-                      <a:cs typeface="Times New Roman" panose="02020603050405020304" pitchFamily="18" charset="0"/>
-                    </a:rPr>
-                    <a:t>Agent</a:t>
-                  </a:r>
-                  <a:r>
-                    <a:rPr lang="en-US" sz="2400" baseline="-25000" dirty="0">
-                      <a:latin typeface="Times New Roman" panose="02020603050405020304" pitchFamily="18" charset="0"/>
-                      <a:ea typeface="Tahoma" panose="020B0604030504040204" pitchFamily="34" charset="0"/>
-                      <a:cs typeface="Times New Roman" panose="02020603050405020304" pitchFamily="18" charset="0"/>
-                    </a:rPr>
-                    <a:t>B</a:t>
-                  </a:r>
-                </a:p>
-              </p:txBody>
-            </p:sp>
-            <mc:AlternateContent xmlns:mc="http://schemas.openxmlformats.org/markup-compatibility/2006">
-              <mc:Choice xmlns:a14="http://schemas.microsoft.com/office/drawing/2010/main" Requires="a14">
-                <p:sp>
-                  <p:nvSpPr>
-                    <p:cNvPr id="176" name="TextBox 175">
-                      <a:extLst>
-                        <a:ext uri="{FF2B5EF4-FFF2-40B4-BE49-F238E27FC236}">
-                          <a16:creationId xmlns:a16="http://schemas.microsoft.com/office/drawing/2014/main" id="{9A8EA8BF-F9B2-324E-9ED3-E56B9A79C940}"/>
-                        </a:ext>
-                      </a:extLst>
-                    </p:cNvPr>
-                    <p:cNvSpPr txBox="1"/>
-                    <p:nvPr/>
-                  </p:nvSpPr>
-                  <p:spPr>
-                    <a:xfrm>
-                      <a:off x="4292677" y="6046423"/>
-                      <a:ext cx="3221698" cy="461665"/>
-                    </a:xfrm>
-                    <a:prstGeom prst="rect">
-                      <a:avLst/>
-                    </a:prstGeom>
-                    <a:noFill/>
-                  </p:spPr>
-                  <p:txBody>
-                    <a:bodyPr wrap="square" rtlCol="0">
-                      <a:spAutoFit/>
-                    </a:bodyPr>
-                    <a:lstStyle/>
-                    <a:p>
-                      <a:r>
-                        <a:rPr lang="en-US" sz="2400" dirty="0">
-                          <a:latin typeface="Times New Roman" panose="02020603050405020304" pitchFamily="18" charset="0"/>
-                          <a:ea typeface="Tahoma" panose="020B0604030504040204" pitchFamily="34" charset="0"/>
-                          <a:cs typeface="Times New Roman" panose="02020603050405020304" pitchFamily="18" charset="0"/>
-                        </a:rPr>
-                        <a:t>Learning iteration, </a:t>
-                      </a:r>
-                      <a14:m>
-                        <m:oMath xmlns:m="http://schemas.openxmlformats.org/officeDocument/2006/math">
-                          <m:r>
-                            <a:rPr lang="en-US" sz="2400" i="1" dirty="0">
-                              <a:latin typeface="Cambria Math" panose="02040503050406030204" pitchFamily="18" charset="0"/>
-                              <a:ea typeface="Times New Roman" charset="0"/>
-                              <a:cs typeface="Times New Roman" charset="0"/>
-                            </a:rPr>
-                            <m:t>∆</m:t>
-                          </m:r>
-                          <m:r>
-                            <a:rPr lang="es-ES" sz="2400" b="0" i="1" dirty="0">
-                              <a:latin typeface="Cambria Math" panose="02040503050406030204" pitchFamily="18" charset="0"/>
-                              <a:ea typeface="Times New Roman" charset="0"/>
-                              <a:cs typeface="Times New Roman" charset="0"/>
-                            </a:rPr>
-                            <m:t>𝑡</m:t>
-                          </m:r>
-                        </m:oMath>
-                      </a14:m>
-                      <a:endParaRPr lang="en-US" sz="2400" baseline="-25000" dirty="0">
-                        <a:latin typeface="Times New Roman" panose="02020603050405020304" pitchFamily="18" charset="0"/>
-                        <a:ea typeface="Tahoma" panose="020B0604030504040204" pitchFamily="34" charset="0"/>
-                        <a:cs typeface="Times New Roman" panose="02020603050405020304" pitchFamily="18" charset="0"/>
-                      </a:endParaRPr>
-                    </a:p>
-                  </p:txBody>
-                </p:sp>
-              </mc:Choice>
-              <mc:Fallback>
-                <p:sp>
-                  <p:nvSpPr>
-                    <p:cNvPr id="176" name="TextBox 175">
-                      <a:extLst>
-                        <a:ext uri="{FF2B5EF4-FFF2-40B4-BE49-F238E27FC236}">
-                          <a16:creationId xmlns:a16="http://schemas.microsoft.com/office/drawing/2014/main" id="{9A8EA8BF-F9B2-324E-9ED3-E56B9A79C940}"/>
-                        </a:ext>
-                      </a:extLst>
-                    </p:cNvPr>
-                    <p:cNvSpPr txBox="1">
-                      <a:spLocks noRot="1" noChangeAspect="1" noMove="1" noResize="1" noEditPoints="1" noAdjustHandles="1" noChangeArrowheads="1" noChangeShapeType="1" noTextEdit="1"/>
-                    </p:cNvSpPr>
-                    <p:nvPr/>
-                  </p:nvSpPr>
-                  <p:spPr>
-                    <a:xfrm>
-                      <a:off x="4292677" y="6046423"/>
-                      <a:ext cx="3221698" cy="461665"/>
-                    </a:xfrm>
-                    <a:prstGeom prst="rect">
-                      <a:avLst/>
-                    </a:prstGeom>
-                    <a:blipFill>
-                      <a:blip r:embed="rId4"/>
-                      <a:stretch>
-                        <a:fillRect l="-2745" t="-10811" b="-29730"/>
-                      </a:stretch>
-                    </a:blipFill>
-                  </p:spPr>
-                  <p:txBody>
-                    <a:bodyPr/>
-                    <a:lstStyle/>
-                    <a:p>
-                      <a:r>
-                        <a:rPr lang="en-US">
-                          <a:noFill/>
-                        </a:rPr>
-                        <a:t> </a:t>
-                      </a:r>
-                    </a:p>
-                  </p:txBody>
-                </p:sp>
-              </mc:Fallback>
-            </mc:AlternateContent>
-            <p:sp>
-              <p:nvSpPr>
-                <p:cNvPr id="177" name="Left Brace 176">
-                  <a:extLst>
-                    <a:ext uri="{FF2B5EF4-FFF2-40B4-BE49-F238E27FC236}">
-                      <a16:creationId xmlns:a16="http://schemas.microsoft.com/office/drawing/2014/main" id="{D86CFB5E-1E51-DF4D-9131-F4200537316D}"/>
-                    </a:ext>
-                  </a:extLst>
-                </p:cNvPr>
-                <p:cNvSpPr/>
-                <p:nvPr/>
-              </p:nvSpPr>
-              <p:spPr>
-                <a:xfrm rot="16200000">
-                  <a:off x="5683056" y="5138493"/>
-                  <a:ext cx="136778" cy="1676567"/>
-                </a:xfrm>
-                <a:prstGeom prst="leftBrace">
-                  <a:avLst/>
-                </a:prstGeom>
-                <a:ln>
-                  <a:solidFill>
-                    <a:schemeClr val="tx1"/>
-                  </a:solidFill>
-                </a:ln>
-              </p:spPr>
-              <p:style>
-                <a:lnRef idx="1">
-                  <a:schemeClr val="accent1"/>
-                </a:lnRef>
-                <a:fillRef idx="0">
-                  <a:schemeClr val="accent1"/>
-                </a:fillRef>
-                <a:effectRef idx="0">
-                  <a:schemeClr val="accent1"/>
-                </a:effectRef>
-                <a:fontRef idx="minor">
-                  <a:schemeClr val="tx1"/>
-                </a:fontRef>
-              </p:style>
-              <p:txBody>
-                <a:bodyPr rtlCol="0" anchor="ctr"/>
-                <a:lstStyle/>
-                <a:p>
-                  <a:pPr algn="ctr"/>
-                  <a:endParaRPr lang="en-US" sz="2000">
-                    <a:latin typeface="Times New Roman" panose="02020603050405020304" pitchFamily="18" charset="0"/>
-                    <a:cs typeface="Times New Roman" panose="02020603050405020304" pitchFamily="18" charset="0"/>
-                  </a:endParaRPr>
-                </a:p>
-              </p:txBody>
-            </p:sp>
-            <p:sp>
-              <p:nvSpPr>
-                <p:cNvPr id="180" name="Rectangle 179">
-                  <a:extLst>
-                    <a:ext uri="{FF2B5EF4-FFF2-40B4-BE49-F238E27FC236}">
-                      <a16:creationId xmlns:a16="http://schemas.microsoft.com/office/drawing/2014/main" id="{FC5E2DCA-1747-C84E-80B9-95CE71D1B291}"/>
-                    </a:ext>
-                  </a:extLst>
-                </p:cNvPr>
-                <p:cNvSpPr/>
-                <p:nvPr/>
-              </p:nvSpPr>
-              <p:spPr>
-                <a:xfrm>
-                  <a:off x="4271432" y="4491653"/>
-                  <a:ext cx="1164554" cy="395296"/>
-                </a:xfrm>
-                <a:prstGeom prst="rect">
-                  <a:avLst/>
-                </a:prstGeom>
-                <a:pattFill prst="wdUpDiag">
-                  <a:fgClr>
-                    <a:schemeClr val="bg1">
-                      <a:lumMod val="85000"/>
-                    </a:schemeClr>
-                  </a:fgClr>
-                  <a:bgClr>
-                    <a:schemeClr val="bg1"/>
-                  </a:bgClr>
-                </a:pattFill>
-                <a:ln>
-                  <a:solidFill>
-                    <a:schemeClr val="tx1"/>
-                  </a:solidFill>
-                  <a:prstDash val="dash"/>
-                </a:ln>
-              </p:spPr>
-              <p:style>
-                <a:lnRef idx="2">
-                  <a:schemeClr val="accent1">
-                    <a:shade val="50000"/>
-                  </a:schemeClr>
-                </a:lnRef>
-                <a:fillRef idx="1">
-                  <a:schemeClr val="accent1"/>
-                </a:fillRef>
-                <a:effectRef idx="0">
-                  <a:schemeClr val="accent1"/>
-                </a:effectRef>
-                <a:fontRef idx="minor">
-                  <a:schemeClr val="lt1"/>
-                </a:fontRef>
-              </p:style>
-              <p:txBody>
-                <a:bodyPr rtlCol="0" anchor="ctr"/>
-                <a:lstStyle/>
-                <a:p>
-                  <a:pPr algn="ctr"/>
-                  <a:endParaRPr lang="en-US" sz="2000" dirty="0">
-                    <a:solidFill>
-                      <a:schemeClr val="tx1"/>
-                    </a:solidFill>
-                    <a:latin typeface="Times New Roman" panose="02020603050405020304" pitchFamily="18" charset="0"/>
-                    <a:ea typeface="Tahoma" panose="020B0604030504040204" pitchFamily="34" charset="0"/>
-                    <a:cs typeface="Times New Roman" panose="02020603050405020304" pitchFamily="18" charset="0"/>
-                  </a:endParaRPr>
-                </a:p>
-              </p:txBody>
-            </p:sp>
-            <p:sp>
-              <p:nvSpPr>
-                <p:cNvPr id="183" name="TextBox 182">
-                  <a:extLst>
-                    <a:ext uri="{FF2B5EF4-FFF2-40B4-BE49-F238E27FC236}">
-                      <a16:creationId xmlns:a16="http://schemas.microsoft.com/office/drawing/2014/main" id="{02F21BF3-F934-FF41-A6D2-3550ED53FD49}"/>
-                    </a:ext>
-                  </a:extLst>
-                </p:cNvPr>
-                <p:cNvSpPr txBox="1"/>
-                <p:nvPr/>
-              </p:nvSpPr>
-              <p:spPr>
-                <a:xfrm>
-                  <a:off x="7589433" y="5220417"/>
-                  <a:ext cx="529047" cy="523220"/>
-                </a:xfrm>
-                <a:prstGeom prst="rect">
-                  <a:avLst/>
-                </a:prstGeom>
-                <a:noFill/>
-              </p:spPr>
-              <p:txBody>
-                <a:bodyPr wrap="square" rtlCol="0">
-                  <a:spAutoFit/>
-                </a:bodyPr>
-                <a:lstStyle/>
-                <a:p>
-                  <a:r>
-                    <a:rPr lang="mr-IN" sz="2800" dirty="0">
-                      <a:latin typeface="Times New Roman" panose="02020603050405020304" pitchFamily="18" charset="0"/>
-                      <a:ea typeface="Tahoma" panose="020B0604030504040204" pitchFamily="34" charset="0"/>
-                      <a:cs typeface="Times" charset="0"/>
-                    </a:rPr>
-                    <a:t>…</a:t>
-                  </a:r>
-                  <a:endParaRPr lang="en-US" sz="2000" baseline="-25000" dirty="0">
-                    <a:latin typeface="Times New Roman" panose="02020603050405020304" pitchFamily="18" charset="0"/>
-                    <a:ea typeface="Tahoma" panose="020B0604030504040204" pitchFamily="34" charset="0"/>
-                    <a:cs typeface="Times New Roman" panose="02020603050405020304" pitchFamily="18" charset="0"/>
-                  </a:endParaRPr>
-                </a:p>
-              </p:txBody>
-            </p:sp>
-            <p:sp>
-              <p:nvSpPr>
-                <p:cNvPr id="184" name="Rectangle 183">
-                  <a:extLst>
-                    <a:ext uri="{FF2B5EF4-FFF2-40B4-BE49-F238E27FC236}">
-                      <a16:creationId xmlns:a16="http://schemas.microsoft.com/office/drawing/2014/main" id="{75D393D0-E4B1-AE49-B04B-602DEE780271}"/>
-                    </a:ext>
-                  </a:extLst>
-                </p:cNvPr>
-                <p:cNvSpPr/>
-                <p:nvPr/>
-              </p:nvSpPr>
-              <p:spPr>
-                <a:xfrm>
-                  <a:off x="5474950" y="4486061"/>
-                  <a:ext cx="140776" cy="395296"/>
-                </a:xfrm>
-                <a:prstGeom prst="rect">
-                  <a:avLst/>
-                </a:prstGeom>
-                <a:pattFill prst="dkVert">
-                  <a:fgClr>
-                    <a:srgbClr val="7030A0"/>
-                  </a:fgClr>
-                  <a:bgClr>
-                    <a:schemeClr val="bg1"/>
-                  </a:bgClr>
-                </a:pattFill>
-                <a:ln>
-                  <a:solidFill>
-                    <a:schemeClr val="tx1"/>
-                  </a:solidFill>
-                  <a:prstDash val="dash"/>
-                </a:ln>
-              </p:spPr>
-              <p:style>
-                <a:lnRef idx="2">
-                  <a:schemeClr val="accent1">
-                    <a:shade val="50000"/>
-                  </a:schemeClr>
-                </a:lnRef>
-                <a:fillRef idx="1">
-                  <a:schemeClr val="accent1"/>
-                </a:fillRef>
-                <a:effectRef idx="0">
-                  <a:schemeClr val="accent1"/>
-                </a:effectRef>
-                <a:fontRef idx="minor">
-                  <a:schemeClr val="lt1"/>
-                </a:fontRef>
-              </p:style>
-              <p:txBody>
-                <a:bodyPr rtlCol="0" anchor="ctr"/>
-                <a:lstStyle/>
-                <a:p>
-                  <a:pPr algn="ctr"/>
-                  <a:endParaRPr lang="en-US" sz="2000" dirty="0">
-                    <a:solidFill>
-                      <a:schemeClr val="tx1"/>
-                    </a:solidFill>
-                    <a:latin typeface="Times New Roman" panose="02020603050405020304" pitchFamily="18" charset="0"/>
-                    <a:ea typeface="Tahoma" panose="020B0604030504040204" pitchFamily="34" charset="0"/>
-                    <a:cs typeface="Times New Roman" panose="02020603050405020304" pitchFamily="18" charset="0"/>
-                  </a:endParaRPr>
-                </a:p>
-              </p:txBody>
-            </p:sp>
-            <p:sp>
-              <p:nvSpPr>
-                <p:cNvPr id="185" name="Rectangle 184">
-                  <a:extLst>
-                    <a:ext uri="{FF2B5EF4-FFF2-40B4-BE49-F238E27FC236}">
-                      <a16:creationId xmlns:a16="http://schemas.microsoft.com/office/drawing/2014/main" id="{CA15C8D8-EFFD-B245-9688-A07448224815}"/>
-                    </a:ext>
-                  </a:extLst>
-                </p:cNvPr>
-                <p:cNvSpPr/>
-                <p:nvPr/>
-              </p:nvSpPr>
-              <p:spPr>
-                <a:xfrm>
-                  <a:off x="5653050" y="4486059"/>
-                  <a:ext cx="225196" cy="395296"/>
-                </a:xfrm>
-                <a:prstGeom prst="rect">
-                  <a:avLst/>
-                </a:prstGeom>
-                <a:pattFill prst="dkHorz">
-                  <a:fgClr>
-                    <a:schemeClr val="accent4">
-                      <a:lumMod val="40000"/>
-                      <a:lumOff val="60000"/>
-                    </a:schemeClr>
-                  </a:fgClr>
-                  <a:bgClr>
-                    <a:schemeClr val="bg1"/>
-                  </a:bgClr>
-                </a:pattFill>
-                <a:ln>
-                  <a:solidFill>
-                    <a:schemeClr val="tx1"/>
-                  </a:solidFill>
-                  <a:prstDash val="dash"/>
-                </a:ln>
-              </p:spPr>
-              <p:style>
-                <a:lnRef idx="2">
-                  <a:schemeClr val="accent1">
-                    <a:shade val="50000"/>
-                  </a:schemeClr>
-                </a:lnRef>
-                <a:fillRef idx="1">
-                  <a:schemeClr val="accent1"/>
-                </a:fillRef>
-                <a:effectRef idx="0">
-                  <a:schemeClr val="accent1"/>
-                </a:effectRef>
-                <a:fontRef idx="minor">
-                  <a:schemeClr val="lt1"/>
-                </a:fontRef>
-              </p:style>
-              <p:txBody>
-                <a:bodyPr rtlCol="0" anchor="ctr"/>
-                <a:lstStyle/>
-                <a:p>
-                  <a:pPr algn="ctr"/>
-                  <a:endParaRPr lang="en-US" sz="2000" dirty="0">
-                    <a:solidFill>
-                      <a:schemeClr val="tx1"/>
-                    </a:solidFill>
-                    <a:latin typeface="Times New Roman" panose="02020603050405020304" pitchFamily="18" charset="0"/>
-                    <a:ea typeface="Tahoma" panose="020B0604030504040204" pitchFamily="34" charset="0"/>
-                    <a:cs typeface="Times New Roman" panose="02020603050405020304" pitchFamily="18" charset="0"/>
-                  </a:endParaRPr>
-                </a:p>
-              </p:txBody>
-            </p:sp>
-            <p:cxnSp>
-              <p:nvCxnSpPr>
-                <p:cNvPr id="179" name="Straight Connector 178">
-                  <a:extLst>
-                    <a:ext uri="{FF2B5EF4-FFF2-40B4-BE49-F238E27FC236}">
-                      <a16:creationId xmlns:a16="http://schemas.microsoft.com/office/drawing/2014/main" id="{2CCEF996-4285-B74E-89CD-1D4A4E12775D}"/>
-                    </a:ext>
-                  </a:extLst>
-                </p:cNvPr>
-                <p:cNvCxnSpPr/>
-                <p:nvPr/>
-              </p:nvCxnSpPr>
-              <p:spPr>
-                <a:xfrm>
-                  <a:off x="4275391" y="5771773"/>
-                  <a:ext cx="3882079" cy="0"/>
-                </a:xfrm>
-                <a:prstGeom prst="line">
-                  <a:avLst/>
-                </a:prstGeom>
-                <a:ln>
-                  <a:solidFill>
-                    <a:schemeClr val="tx1"/>
-                  </a:solidFill>
-                  <a:tailEnd type="triangle"/>
-                </a:ln>
-              </p:spPr>
-              <p:style>
-                <a:lnRef idx="1">
-                  <a:schemeClr val="accent1"/>
-                </a:lnRef>
-                <a:fillRef idx="0">
-                  <a:schemeClr val="accent1"/>
-                </a:fillRef>
-                <a:effectRef idx="0">
-                  <a:schemeClr val="accent1"/>
-                </a:effectRef>
-                <a:fontRef idx="minor">
-                  <a:schemeClr val="tx1"/>
-                </a:fontRef>
-              </p:style>
-            </p:cxnSp>
-            <p:cxnSp>
-              <p:nvCxnSpPr>
-                <p:cNvPr id="178" name="Straight Connector 177">
-                  <a:extLst>
-                    <a:ext uri="{FF2B5EF4-FFF2-40B4-BE49-F238E27FC236}">
-                      <a16:creationId xmlns:a16="http://schemas.microsoft.com/office/drawing/2014/main" id="{9A979EE3-13DF-9143-9873-AE77C1026E02}"/>
-                    </a:ext>
-                  </a:extLst>
-                </p:cNvPr>
-                <p:cNvCxnSpPr/>
-                <p:nvPr/>
-              </p:nvCxnSpPr>
-              <p:spPr>
-                <a:xfrm>
-                  <a:off x="4271432" y="4886949"/>
-                  <a:ext cx="3886038" cy="0"/>
-                </a:xfrm>
-                <a:prstGeom prst="line">
-                  <a:avLst/>
-                </a:prstGeom>
-                <a:ln>
-                  <a:solidFill>
-                    <a:schemeClr val="tx1"/>
-                  </a:solidFill>
-                  <a:tailEnd type="triangle"/>
-                </a:ln>
-              </p:spPr>
-              <p:style>
-                <a:lnRef idx="1">
-                  <a:schemeClr val="accent1"/>
-                </a:lnRef>
-                <a:fillRef idx="0">
-                  <a:schemeClr val="accent1"/>
-                </a:fillRef>
-                <a:effectRef idx="0">
-                  <a:schemeClr val="accent1"/>
-                </a:effectRef>
-                <a:fontRef idx="minor">
-                  <a:schemeClr val="tx1"/>
-                </a:fontRef>
-              </p:style>
-            </p:cxnSp>
-          </p:grpSp>
-          <p:cxnSp>
-            <p:nvCxnSpPr>
-              <p:cNvPr id="208" name="Straight Connector 207">
-                <a:extLst>
-                  <a:ext uri="{FF2B5EF4-FFF2-40B4-BE49-F238E27FC236}">
-                    <a16:creationId xmlns:a16="http://schemas.microsoft.com/office/drawing/2014/main" id="{026754EA-984C-564D-BB8E-671A3FCC93FF}"/>
-                  </a:ext>
-                </a:extLst>
-              </p:cNvPr>
-              <p:cNvCxnSpPr>
-                <a:cxnSpLocks/>
-              </p:cNvCxnSpPr>
-              <p:nvPr/>
-            </p:nvCxnSpPr>
-            <p:spPr>
-              <a:xfrm>
-                <a:off x="7854832" y="1291102"/>
-                <a:ext cx="0" cy="530861"/>
-              </a:xfrm>
-              <a:prstGeom prst="line">
-                <a:avLst/>
-              </a:prstGeom>
-              <a:ln w="28575">
-                <a:solidFill>
-                  <a:srgbClr val="FF0000"/>
-                </a:solidFill>
-              </a:ln>
-            </p:spPr>
-            <p:style>
-              <a:lnRef idx="1">
-                <a:schemeClr val="accent1"/>
-              </a:lnRef>
-              <a:fillRef idx="0">
-                <a:schemeClr val="accent1"/>
-              </a:fillRef>
-              <a:effectRef idx="0">
-                <a:schemeClr val="accent1"/>
-              </a:effectRef>
-              <a:fontRef idx="minor">
+          </mc:Fallback>
+        </mc:AlternateContent>
+        <p:sp>
+          <p:nvSpPr>
+            <p:cNvPr id="125" name="Left Brace 124">
+              <a:extLst>
+                <a:ext uri="{FF2B5EF4-FFF2-40B4-BE49-F238E27FC236}">
+                  <a16:creationId xmlns:a16="http://schemas.microsoft.com/office/drawing/2014/main" id="{83CC6D88-59C3-DD44-9F28-747108887650}"/>
+                </a:ext>
+              </a:extLst>
+            </p:cNvPr>
+            <p:cNvSpPr/>
+            <p:nvPr/>
+          </p:nvSpPr>
+          <p:spPr>
+            <a:xfrm rot="16200000">
+              <a:off x="8419502" y="2809695"/>
+              <a:ext cx="136778" cy="1676567"/>
+            </a:xfrm>
+            <a:prstGeom prst="leftBrace">
+              <a:avLst/>
+            </a:prstGeom>
+            <a:ln>
+              <a:solidFill>
                 <a:schemeClr val="tx1"/>
-              </a:fontRef>
-            </p:style>
-          </p:cxnSp>
-          <p:cxnSp>
-            <p:nvCxnSpPr>
-              <p:cNvPr id="209" name="Straight Connector 208">
-                <a:extLst>
-                  <a:ext uri="{FF2B5EF4-FFF2-40B4-BE49-F238E27FC236}">
-                    <a16:creationId xmlns:a16="http://schemas.microsoft.com/office/drawing/2014/main" id="{2E564EC2-8E1F-8348-89CE-157C7AFED5A9}"/>
-                  </a:ext>
-                </a:extLst>
-              </p:cNvPr>
-              <p:cNvCxnSpPr>
-                <a:cxnSpLocks/>
-              </p:cNvCxnSpPr>
-              <p:nvPr/>
-            </p:nvCxnSpPr>
-            <p:spPr>
-              <a:xfrm>
-                <a:off x="9495521" y="1291102"/>
-                <a:ext cx="0" cy="530861"/>
-              </a:xfrm>
-              <a:prstGeom prst="line">
-                <a:avLst/>
-              </a:prstGeom>
-              <a:ln w="28575">
-                <a:solidFill>
-                  <a:srgbClr val="FF0000"/>
-                </a:solidFill>
-              </a:ln>
-            </p:spPr>
-            <p:style>
-              <a:lnRef idx="1">
-                <a:schemeClr val="accent1"/>
-              </a:lnRef>
-              <a:fillRef idx="0">
-                <a:schemeClr val="accent1"/>
-              </a:fillRef>
-              <a:effectRef idx="0">
-                <a:schemeClr val="accent1"/>
-              </a:effectRef>
-              <a:fontRef idx="minor">
+              </a:solidFill>
+            </a:ln>
+          </p:spPr>
+          <p:style>
+            <a:lnRef idx="1">
+              <a:schemeClr val="accent1"/>
+            </a:lnRef>
+            <a:fillRef idx="0">
+              <a:schemeClr val="accent1"/>
+            </a:fillRef>
+            <a:effectRef idx="0">
+              <a:schemeClr val="accent1"/>
+            </a:effectRef>
+            <a:fontRef idx="minor">
+              <a:schemeClr val="tx1"/>
+            </a:fontRef>
+          </p:style>
+          <p:txBody>
+            <a:bodyPr rtlCol="0" anchor="ctr"/>
+            <a:lstStyle/>
+            <a:p>
+              <a:pPr algn="ctr"/>
+              <a:endParaRPr lang="en-US" sz="2000">
+                <a:latin typeface="Times New Roman" panose="02020603050405020304" pitchFamily="18" charset="0"/>
+                <a:cs typeface="Times New Roman" panose="02020603050405020304" pitchFamily="18" charset="0"/>
+              </a:endParaRPr>
+            </a:p>
+          </p:txBody>
+        </p:sp>
+        <p:cxnSp>
+          <p:nvCxnSpPr>
+            <p:cNvPr id="127" name="Straight Connector 126">
+              <a:extLst>
+                <a:ext uri="{FF2B5EF4-FFF2-40B4-BE49-F238E27FC236}">
+                  <a16:creationId xmlns:a16="http://schemas.microsoft.com/office/drawing/2014/main" id="{165763B2-61F2-5F48-99C9-2ACE0FF22443}"/>
+                </a:ext>
+              </a:extLst>
+            </p:cNvPr>
+            <p:cNvCxnSpPr/>
+            <p:nvPr/>
+          </p:nvCxnSpPr>
+          <p:spPr>
+            <a:xfrm>
+              <a:off x="7658369" y="2444598"/>
+              <a:ext cx="3886038" cy="0"/>
+            </a:xfrm>
+            <a:prstGeom prst="line">
+              <a:avLst/>
+            </a:prstGeom>
+            <a:ln>
+              <a:solidFill>
                 <a:schemeClr val="tx1"/>
-              </a:fontRef>
-            </p:style>
-          </p:cxnSp>
-          <p:cxnSp>
-            <p:nvCxnSpPr>
-              <p:cNvPr id="210" name="Straight Connector 209">
-                <a:extLst>
-                  <a:ext uri="{FF2B5EF4-FFF2-40B4-BE49-F238E27FC236}">
-                    <a16:creationId xmlns:a16="http://schemas.microsoft.com/office/drawing/2014/main" id="{390980A0-B99A-9C47-8653-C5972BA953E3}"/>
-                  </a:ext>
-                </a:extLst>
-              </p:cNvPr>
-              <p:cNvCxnSpPr>
-                <a:cxnSpLocks/>
-              </p:cNvCxnSpPr>
-              <p:nvPr/>
-            </p:nvCxnSpPr>
-            <p:spPr>
-              <a:xfrm>
-                <a:off x="8467694" y="2158154"/>
-                <a:ext cx="0" cy="530861"/>
-              </a:xfrm>
-              <a:prstGeom prst="line">
-                <a:avLst/>
-              </a:prstGeom>
-              <a:ln w="28575">
-                <a:solidFill>
-                  <a:srgbClr val="FF0000"/>
-                </a:solidFill>
-              </a:ln>
-            </p:spPr>
-            <p:style>
-              <a:lnRef idx="1">
-                <a:schemeClr val="accent1"/>
-              </a:lnRef>
-              <a:fillRef idx="0">
-                <a:schemeClr val="accent1"/>
-              </a:fillRef>
-              <a:effectRef idx="0">
-                <a:schemeClr val="accent1"/>
-              </a:effectRef>
-              <a:fontRef idx="minor">
+              </a:solidFill>
+              <a:tailEnd type="triangle"/>
+            </a:ln>
+          </p:spPr>
+          <p:style>
+            <a:lnRef idx="1">
+              <a:schemeClr val="accent1"/>
+            </a:lnRef>
+            <a:fillRef idx="0">
+              <a:schemeClr val="accent1"/>
+            </a:fillRef>
+            <a:effectRef idx="0">
+              <a:schemeClr val="accent1"/>
+            </a:effectRef>
+            <a:fontRef idx="minor">
+              <a:schemeClr val="tx1"/>
+            </a:fontRef>
+          </p:style>
+        </p:cxnSp>
+        <p:cxnSp>
+          <p:nvCxnSpPr>
+            <p:cNvPr id="137" name="Straight Connector 136">
+              <a:extLst>
+                <a:ext uri="{FF2B5EF4-FFF2-40B4-BE49-F238E27FC236}">
+                  <a16:creationId xmlns:a16="http://schemas.microsoft.com/office/drawing/2014/main" id="{8DE93912-186C-CA46-949B-26E57EAF8D3B}"/>
+                </a:ext>
+              </a:extLst>
+            </p:cNvPr>
+            <p:cNvCxnSpPr/>
+            <p:nvPr/>
+          </p:nvCxnSpPr>
+          <p:spPr>
+            <a:xfrm>
+              <a:off x="7662328" y="3329422"/>
+              <a:ext cx="3882079" cy="0"/>
+            </a:xfrm>
+            <a:prstGeom prst="line">
+              <a:avLst/>
+            </a:prstGeom>
+            <a:ln>
+              <a:solidFill>
                 <a:schemeClr val="tx1"/>
-              </a:fontRef>
-            </p:style>
-          </p:cxnSp>
-          <p:cxnSp>
-            <p:nvCxnSpPr>
-              <p:cNvPr id="211" name="Straight Connector 210">
-                <a:extLst>
-                  <a:ext uri="{FF2B5EF4-FFF2-40B4-BE49-F238E27FC236}">
-                    <a16:creationId xmlns:a16="http://schemas.microsoft.com/office/drawing/2014/main" id="{FA09CEA5-42C0-B048-8D53-F2887BBE5982}"/>
-                  </a:ext>
-                </a:extLst>
-              </p:cNvPr>
-              <p:cNvCxnSpPr>
-                <a:cxnSpLocks/>
-              </p:cNvCxnSpPr>
-              <p:nvPr/>
-            </p:nvCxnSpPr>
-            <p:spPr>
-              <a:xfrm>
-                <a:off x="6810148" y="2164959"/>
-                <a:ext cx="0" cy="530861"/>
-              </a:xfrm>
-              <a:prstGeom prst="line">
-                <a:avLst/>
-              </a:prstGeom>
-              <a:ln w="28575">
-                <a:solidFill>
-                  <a:srgbClr val="FF0000"/>
-                </a:solidFill>
-              </a:ln>
-            </p:spPr>
-            <p:style>
-              <a:lnRef idx="1">
-                <a:schemeClr val="accent1"/>
-              </a:lnRef>
-              <a:fillRef idx="0">
-                <a:schemeClr val="accent1"/>
-              </a:fillRef>
-              <a:effectRef idx="0">
-                <a:schemeClr val="accent1"/>
-              </a:effectRef>
-              <a:fontRef idx="minor">
+              </a:solidFill>
+              <a:tailEnd type="triangle"/>
+            </a:ln>
+          </p:spPr>
+          <p:style>
+            <a:lnRef idx="1">
+              <a:schemeClr val="accent1"/>
+            </a:lnRef>
+            <a:fillRef idx="0">
+              <a:schemeClr val="accent1"/>
+            </a:fillRef>
+            <a:effectRef idx="0">
+              <a:schemeClr val="accent1"/>
+            </a:effectRef>
+            <a:fontRef idx="minor">
+              <a:schemeClr val="tx1"/>
+            </a:fontRef>
+          </p:style>
+        </p:cxnSp>
+        <p:sp>
+          <p:nvSpPr>
+            <p:cNvPr id="140" name="Rectangle 139">
+              <a:extLst>
+                <a:ext uri="{FF2B5EF4-FFF2-40B4-BE49-F238E27FC236}">
+                  <a16:creationId xmlns:a16="http://schemas.microsoft.com/office/drawing/2014/main" id="{385AAE42-36CF-524E-99CB-90C648EC72D7}"/>
+                </a:ext>
+              </a:extLst>
+            </p:cNvPr>
+            <p:cNvSpPr/>
+            <p:nvPr/>
+          </p:nvSpPr>
+          <p:spPr>
+            <a:xfrm>
+              <a:off x="7779202" y="2049302"/>
+              <a:ext cx="1043721" cy="395296"/>
+            </a:xfrm>
+            <a:prstGeom prst="rect">
+              <a:avLst/>
+            </a:prstGeom>
+            <a:pattFill prst="wdUpDiag">
+              <a:fgClr>
+                <a:schemeClr val="bg1">
+                  <a:lumMod val="85000"/>
+                </a:schemeClr>
+              </a:fgClr>
+              <a:bgClr>
+                <a:schemeClr val="bg1"/>
+              </a:bgClr>
+            </a:pattFill>
+            <a:ln>
+              <a:solidFill>
                 <a:schemeClr val="tx1"/>
-              </a:fontRef>
-            </p:style>
-          </p:cxnSp>
-          <p:cxnSp>
-            <p:nvCxnSpPr>
-              <p:cNvPr id="212" name="Straight Connector 211">
-                <a:extLst>
-                  <a:ext uri="{FF2B5EF4-FFF2-40B4-BE49-F238E27FC236}">
-                    <a16:creationId xmlns:a16="http://schemas.microsoft.com/office/drawing/2014/main" id="{D171EA67-5E34-9449-9278-CB5768C12CD7}"/>
-                  </a:ext>
-                </a:extLst>
-              </p:cNvPr>
-              <p:cNvCxnSpPr>
-                <a:cxnSpLocks/>
-              </p:cNvCxnSpPr>
-              <p:nvPr/>
-            </p:nvCxnSpPr>
-            <p:spPr>
-              <a:xfrm>
-                <a:off x="6216567" y="1291102"/>
-                <a:ext cx="0" cy="530861"/>
-              </a:xfrm>
-              <a:prstGeom prst="line">
-                <a:avLst/>
-              </a:prstGeom>
-              <a:ln w="28575">
-                <a:solidFill>
-                  <a:srgbClr val="FF0000"/>
-                </a:solidFill>
-              </a:ln>
-            </p:spPr>
-            <p:style>
-              <a:lnRef idx="1">
-                <a:schemeClr val="accent1"/>
-              </a:lnRef>
-              <a:fillRef idx="0">
-                <a:schemeClr val="accent1"/>
-              </a:fillRef>
-              <a:effectRef idx="0">
-                <a:schemeClr val="accent1"/>
-              </a:effectRef>
-              <a:fontRef idx="minor">
-                <a:schemeClr val="tx1"/>
-              </a:fontRef>
-            </p:style>
-          </p:cxnSp>
-          <mc:AlternateContent xmlns:mc="http://schemas.openxmlformats.org/markup-compatibility/2006">
-            <mc:Choice xmlns:a14="http://schemas.microsoft.com/office/drawing/2010/main" Requires="a14">
-              <p:sp>
-                <p:nvSpPr>
-                  <p:cNvPr id="213" name="TextBox 212">
-                    <a:extLst>
-                      <a:ext uri="{FF2B5EF4-FFF2-40B4-BE49-F238E27FC236}">
-                        <a16:creationId xmlns:a16="http://schemas.microsoft.com/office/drawing/2014/main" id="{10909F70-96CD-5840-8520-82CF14A48CE1}"/>
-                      </a:ext>
-                    </a:extLst>
-                  </p:cNvPr>
-                  <p:cNvSpPr txBox="1"/>
-                  <p:nvPr/>
-                </p:nvSpPr>
-                <p:spPr>
-                  <a:xfrm>
-                    <a:off x="5527025" y="676136"/>
-                    <a:ext cx="3246896" cy="461665"/>
-                  </a:xfrm>
-                  <a:prstGeom prst="rect">
-                    <a:avLst/>
-                  </a:prstGeom>
-                  <a:noFill/>
-                </p:spPr>
-                <p:txBody>
-                  <a:bodyPr wrap="square" rtlCol="0">
-                    <a:spAutoFit/>
-                  </a:bodyPr>
-                  <a:lstStyle/>
-                  <a:p>
-                    <a:r>
-                      <a:rPr lang="en-US" sz="2400" dirty="0">
-                        <a:latin typeface="Times New Roman" panose="02020603050405020304" pitchFamily="18" charset="0"/>
-                        <a:ea typeface="Tahoma" panose="020B0604030504040204" pitchFamily="34" charset="0"/>
-                        <a:cs typeface="Times New Roman" panose="02020603050405020304" pitchFamily="18" charset="0"/>
-                      </a:rPr>
-                      <a:t>Learning iteration, </a:t>
-                    </a:r>
-                    <a14:m>
-                      <m:oMath xmlns:m="http://schemas.openxmlformats.org/officeDocument/2006/math">
-                        <m:r>
-                          <a:rPr lang="en-US" sz="2400" i="1" dirty="0">
-                            <a:latin typeface="Cambria Math" panose="02040503050406030204" pitchFamily="18" charset="0"/>
-                            <a:ea typeface="Times New Roman" charset="0"/>
-                            <a:cs typeface="Times New Roman" charset="0"/>
-                          </a:rPr>
-                          <m:t>∆</m:t>
-                        </m:r>
-                        <m:r>
-                          <a:rPr lang="es-ES" sz="2400" b="0" i="1" dirty="0">
-                            <a:latin typeface="Cambria Math" panose="02040503050406030204" pitchFamily="18" charset="0"/>
-                            <a:ea typeface="Times New Roman" charset="0"/>
-                            <a:cs typeface="Times New Roman" charset="0"/>
-                          </a:rPr>
-                          <m:t>𝑡</m:t>
-                        </m:r>
-                      </m:oMath>
-                    </a14:m>
-                    <a:endParaRPr lang="en-US" sz="2400" baseline="-25000" dirty="0">
-                      <a:latin typeface="Times New Roman" panose="02020603050405020304" pitchFamily="18" charset="0"/>
-                      <a:ea typeface="Tahoma" panose="020B0604030504040204" pitchFamily="34" charset="0"/>
-                      <a:cs typeface="Times New Roman" panose="02020603050405020304" pitchFamily="18" charset="0"/>
-                    </a:endParaRPr>
-                  </a:p>
-                </p:txBody>
-              </p:sp>
-            </mc:Choice>
-            <mc:Fallback>
-              <p:sp>
-                <p:nvSpPr>
-                  <p:cNvPr id="213" name="TextBox 212">
-                    <a:extLst>
-                      <a:ext uri="{FF2B5EF4-FFF2-40B4-BE49-F238E27FC236}">
-                        <a16:creationId xmlns:a16="http://schemas.microsoft.com/office/drawing/2014/main" id="{10909F70-96CD-5840-8520-82CF14A48CE1}"/>
-                      </a:ext>
-                    </a:extLst>
-                  </p:cNvPr>
-                  <p:cNvSpPr txBox="1">
-                    <a:spLocks noRot="1" noChangeAspect="1" noMove="1" noResize="1" noEditPoints="1" noAdjustHandles="1" noChangeArrowheads="1" noChangeShapeType="1" noTextEdit="1"/>
-                  </p:cNvSpPr>
-                  <p:nvPr/>
-                </p:nvSpPr>
-                <p:spPr>
-                  <a:xfrm>
-                    <a:off x="5527025" y="676136"/>
-                    <a:ext cx="3246896" cy="461665"/>
-                  </a:xfrm>
-                  <a:prstGeom prst="rect">
-                    <a:avLst/>
-                  </a:prstGeom>
-                  <a:blipFill>
-                    <a:blip r:embed="rId5"/>
-                    <a:stretch>
-                      <a:fillRect l="-2724" t="-10811" b="-27027"/>
-                    </a:stretch>
-                  </a:blipFill>
-                </p:spPr>
-                <p:txBody>
-                  <a:bodyPr/>
-                  <a:lstStyle/>
-                  <a:p>
-                    <a:r>
-                      <a:rPr lang="en-US">
-                        <a:noFill/>
-                      </a:rPr>
-                      <a:t> </a:t>
-                    </a:r>
-                  </a:p>
-                </p:txBody>
-              </p:sp>
-            </mc:Fallback>
-          </mc:AlternateContent>
-          <p:sp>
-            <p:nvSpPr>
-              <p:cNvPr id="214" name="Left Brace 213">
-                <a:extLst>
-                  <a:ext uri="{FF2B5EF4-FFF2-40B4-BE49-F238E27FC236}">
-                    <a16:creationId xmlns:a16="http://schemas.microsoft.com/office/drawing/2014/main" id="{851383B3-1FFA-C44F-B235-6D47E86C6697}"/>
-                  </a:ext>
-                </a:extLst>
-              </p:cNvPr>
-              <p:cNvSpPr/>
-              <p:nvPr/>
-            </p:nvSpPr>
-            <p:spPr>
-              <a:xfrm rot="5400000" flipV="1">
-                <a:off x="6966890" y="326454"/>
-                <a:ext cx="136778" cy="1676567"/>
-              </a:xfrm>
-              <a:prstGeom prst="leftBrace">
-                <a:avLst/>
-              </a:prstGeom>
-              <a:ln>
+              </a:solidFill>
+              <a:prstDash val="dash"/>
+            </a:ln>
+          </p:spPr>
+          <p:style>
+            <a:lnRef idx="2">
+              <a:schemeClr val="accent1">
+                <a:shade val="50000"/>
+              </a:schemeClr>
+            </a:lnRef>
+            <a:fillRef idx="1">
+              <a:schemeClr val="accent1"/>
+            </a:fillRef>
+            <a:effectRef idx="0">
+              <a:schemeClr val="accent1"/>
+            </a:effectRef>
+            <a:fontRef idx="minor">
+              <a:schemeClr val="lt1"/>
+            </a:fontRef>
+          </p:style>
+          <p:txBody>
+            <a:bodyPr rtlCol="0" anchor="ctr"/>
+            <a:lstStyle/>
+            <a:p>
+              <a:pPr algn="ctr"/>
+              <a:endParaRPr lang="en-US" sz="2000">
                 <a:solidFill>
                   <a:schemeClr val="tx1"/>
                 </a:solidFill>
-              </a:ln>
-            </p:spPr>
-            <p:style>
-              <a:lnRef idx="1">
-                <a:schemeClr val="accent1"/>
-              </a:lnRef>
-              <a:fillRef idx="0">
-                <a:schemeClr val="accent1"/>
-              </a:fillRef>
-              <a:effectRef idx="0">
-                <a:schemeClr val="accent1"/>
-              </a:effectRef>
-              <a:fontRef idx="minor">
+                <a:latin typeface="Times New Roman" panose="02020603050405020304" pitchFamily="18" charset="0"/>
+                <a:ea typeface="Tahoma" panose="020B0604030504040204" pitchFamily="34" charset="0"/>
+                <a:cs typeface="Times New Roman" panose="02020603050405020304" pitchFamily="18" charset="0"/>
+              </a:endParaRPr>
+            </a:p>
+          </p:txBody>
+        </p:sp>
+        <p:sp>
+          <p:nvSpPr>
+            <p:cNvPr id="150" name="Rectangle 149">
+              <a:extLst>
+                <a:ext uri="{FF2B5EF4-FFF2-40B4-BE49-F238E27FC236}">
+                  <a16:creationId xmlns:a16="http://schemas.microsoft.com/office/drawing/2014/main" id="{99D7D470-48C6-AC4B-A181-C4087698FD7B}"/>
+                </a:ext>
+              </a:extLst>
+            </p:cNvPr>
+            <p:cNvSpPr/>
+            <p:nvPr/>
+          </p:nvSpPr>
+          <p:spPr>
+            <a:xfrm>
+              <a:off x="9438445" y="2049302"/>
+              <a:ext cx="1526773" cy="395296"/>
+            </a:xfrm>
+            <a:prstGeom prst="rect">
+              <a:avLst/>
+            </a:prstGeom>
+            <a:pattFill prst="wdUpDiag">
+              <a:fgClr>
+                <a:schemeClr val="bg1">
+                  <a:lumMod val="85000"/>
+                </a:schemeClr>
+              </a:fgClr>
+              <a:bgClr>
+                <a:schemeClr val="bg1"/>
+              </a:bgClr>
+            </a:pattFill>
+            <a:ln>
+              <a:solidFill>
                 <a:schemeClr val="tx1"/>
-              </a:fontRef>
-            </p:style>
-            <p:txBody>
-              <a:bodyPr rtlCol="0" anchor="ctr"/>
-              <a:lstStyle/>
-              <a:p>
-                <a:pPr algn="ctr"/>
-                <a:endParaRPr lang="en-US" sz="2000">
+              </a:solidFill>
+              <a:prstDash val="dash"/>
+            </a:ln>
+          </p:spPr>
+          <p:style>
+            <a:lnRef idx="2">
+              <a:schemeClr val="accent1">
+                <a:shade val="50000"/>
+              </a:schemeClr>
+            </a:lnRef>
+            <a:fillRef idx="1">
+              <a:schemeClr val="accent1"/>
+            </a:fillRef>
+            <a:effectRef idx="0">
+              <a:schemeClr val="accent1"/>
+            </a:effectRef>
+            <a:fontRef idx="minor">
+              <a:schemeClr val="lt1"/>
+            </a:fontRef>
+          </p:style>
+          <p:txBody>
+            <a:bodyPr rtlCol="0" anchor="ctr"/>
+            <a:lstStyle/>
+            <a:p>
+              <a:pPr algn="ctr"/>
+              <a:endParaRPr lang="en-US" sz="2000">
+                <a:solidFill>
+                  <a:schemeClr val="tx1"/>
+                </a:solidFill>
+                <a:latin typeface="Times New Roman" panose="02020603050405020304" pitchFamily="18" charset="0"/>
+                <a:ea typeface="Tahoma" panose="020B0604030504040204" pitchFamily="34" charset="0"/>
+                <a:cs typeface="Times New Roman" panose="02020603050405020304" pitchFamily="18" charset="0"/>
+              </a:endParaRPr>
+            </a:p>
+          </p:txBody>
+        </p:sp>
+        <p:sp>
+          <p:nvSpPr>
+            <p:cNvPr id="151" name="Rectangle 150">
+              <a:extLst>
+                <a:ext uri="{FF2B5EF4-FFF2-40B4-BE49-F238E27FC236}">
+                  <a16:creationId xmlns:a16="http://schemas.microsoft.com/office/drawing/2014/main" id="{5BEA3DC1-F5F5-F44C-B21F-74A5739CCDF0}"/>
+                </a:ext>
+              </a:extLst>
+            </p:cNvPr>
+            <p:cNvSpPr/>
+            <p:nvPr/>
+          </p:nvSpPr>
+          <p:spPr>
+            <a:xfrm>
+              <a:off x="7779202" y="2934390"/>
+              <a:ext cx="1507930" cy="395296"/>
+            </a:xfrm>
+            <a:prstGeom prst="rect">
+              <a:avLst/>
+            </a:prstGeom>
+            <a:pattFill prst="wdUpDiag">
+              <a:fgClr>
+                <a:schemeClr val="bg1">
+                  <a:lumMod val="85000"/>
+                </a:schemeClr>
+              </a:fgClr>
+              <a:bgClr>
+                <a:schemeClr val="bg1"/>
+              </a:bgClr>
+            </a:pattFill>
+            <a:ln>
+              <a:solidFill>
+                <a:schemeClr val="tx1"/>
+              </a:solidFill>
+              <a:prstDash val="dash"/>
+            </a:ln>
+          </p:spPr>
+          <p:style>
+            <a:lnRef idx="2">
+              <a:schemeClr val="accent1">
+                <a:shade val="50000"/>
+              </a:schemeClr>
+            </a:lnRef>
+            <a:fillRef idx="1">
+              <a:schemeClr val="accent1"/>
+            </a:fillRef>
+            <a:effectRef idx="0">
+              <a:schemeClr val="accent1"/>
+            </a:effectRef>
+            <a:fontRef idx="minor">
+              <a:schemeClr val="lt1"/>
+            </a:fontRef>
+          </p:style>
+          <p:txBody>
+            <a:bodyPr rtlCol="0" anchor="ctr"/>
+            <a:lstStyle/>
+            <a:p>
+              <a:pPr algn="ctr"/>
+              <a:endParaRPr lang="en-US" sz="2000">
+                <a:solidFill>
+                  <a:schemeClr val="tx1"/>
+                </a:solidFill>
+                <a:latin typeface="Times New Roman" panose="02020603050405020304" pitchFamily="18" charset="0"/>
+                <a:ea typeface="Tahoma" panose="020B0604030504040204" pitchFamily="34" charset="0"/>
+                <a:cs typeface="Times New Roman" panose="02020603050405020304" pitchFamily="18" charset="0"/>
+              </a:endParaRPr>
+            </a:p>
+          </p:txBody>
+        </p:sp>
+        <p:sp>
+          <p:nvSpPr>
+            <p:cNvPr id="153" name="TextBox 152">
+              <a:extLst>
+                <a:ext uri="{FF2B5EF4-FFF2-40B4-BE49-F238E27FC236}">
+                  <a16:creationId xmlns:a16="http://schemas.microsoft.com/office/drawing/2014/main" id="{1EF8C00B-6BB0-C24C-9CE5-2C608B73C014}"/>
+                </a:ext>
+              </a:extLst>
+            </p:cNvPr>
+            <p:cNvSpPr txBox="1"/>
+            <p:nvPr/>
+          </p:nvSpPr>
+          <p:spPr>
+            <a:xfrm>
+              <a:off x="10976370" y="2778066"/>
+              <a:ext cx="529047" cy="523220"/>
+            </a:xfrm>
+            <a:prstGeom prst="rect">
+              <a:avLst/>
+            </a:prstGeom>
+            <a:noFill/>
+          </p:spPr>
+          <p:txBody>
+            <a:bodyPr wrap="square" rtlCol="0">
+              <a:spAutoFit/>
+            </a:bodyPr>
+            <a:lstStyle/>
+            <a:p>
+              <a:r>
+                <a:rPr lang="en-US" sz="2800">
                   <a:latin typeface="Times New Roman" panose="02020603050405020304" pitchFamily="18" charset="0"/>
-                  <a:cs typeface="Times New Roman" panose="02020603050405020304" pitchFamily="18" charset="0"/>
-                </a:endParaRPr>
-              </a:p>
-            </p:txBody>
-          </p:sp>
-          <p:sp>
-            <p:nvSpPr>
-              <p:cNvPr id="215" name="TextBox 214">
-                <a:extLst>
-                  <a:ext uri="{FF2B5EF4-FFF2-40B4-BE49-F238E27FC236}">
-                    <a16:creationId xmlns:a16="http://schemas.microsoft.com/office/drawing/2014/main" id="{1C65EB3B-9ED0-AD44-BBBB-A41DFA0230AD}"/>
-                  </a:ext>
-                </a:extLst>
-              </p:cNvPr>
-              <p:cNvSpPr txBox="1"/>
-              <p:nvPr/>
-            </p:nvSpPr>
-            <p:spPr>
-              <a:xfrm>
-                <a:off x="10019001" y="1784457"/>
-                <a:ext cx="893282" cy="461665"/>
-              </a:xfrm>
-              <a:prstGeom prst="rect">
-                <a:avLst/>
-              </a:prstGeom>
-              <a:noFill/>
-            </p:spPr>
-            <p:txBody>
-              <a:bodyPr wrap="square" rtlCol="0">
-                <a:spAutoFit/>
-              </a:bodyPr>
-              <a:lstStyle/>
-              <a:p>
-                <a:r>
-                  <a:rPr lang="en-US" sz="2400" dirty="0">
-                    <a:latin typeface="Times New Roman" panose="02020603050405020304" pitchFamily="18" charset="0"/>
-                    <a:ea typeface="Tahoma" panose="020B0604030504040204" pitchFamily="34" charset="0"/>
-                    <a:cs typeface="Times New Roman" panose="02020603050405020304" pitchFamily="18" charset="0"/>
-                  </a:rPr>
-                  <a:t>t</a:t>
-                </a:r>
-              </a:p>
-            </p:txBody>
-          </p:sp>
-          <p:sp>
-            <p:nvSpPr>
-              <p:cNvPr id="216" name="TextBox 215">
-                <a:extLst>
-                  <a:ext uri="{FF2B5EF4-FFF2-40B4-BE49-F238E27FC236}">
-                    <a16:creationId xmlns:a16="http://schemas.microsoft.com/office/drawing/2014/main" id="{3778721D-75E7-AC47-ABE0-0B085B9B6FFD}"/>
-                  </a:ext>
-                </a:extLst>
-              </p:cNvPr>
-              <p:cNvSpPr txBox="1"/>
-              <p:nvPr/>
-            </p:nvSpPr>
-            <p:spPr>
-              <a:xfrm>
-                <a:off x="10022960" y="2669281"/>
-                <a:ext cx="893282" cy="461665"/>
-              </a:xfrm>
-              <a:prstGeom prst="rect">
-                <a:avLst/>
-              </a:prstGeom>
-              <a:noFill/>
-            </p:spPr>
-            <p:txBody>
-              <a:bodyPr wrap="square" rtlCol="0">
-                <a:spAutoFit/>
-              </a:bodyPr>
-              <a:lstStyle/>
-              <a:p>
-                <a:r>
-                  <a:rPr lang="en-US" sz="2400">
-                    <a:latin typeface="Times New Roman" panose="02020603050405020304" pitchFamily="18" charset="0"/>
-                    <a:ea typeface="Tahoma" panose="020B0604030504040204" pitchFamily="34" charset="0"/>
-                    <a:cs typeface="Times New Roman" panose="02020603050405020304" pitchFamily="18" charset="0"/>
-                  </a:rPr>
-                  <a:t>t</a:t>
-                </a:r>
-                <a:endParaRPr lang="en-US" sz="2400" dirty="0">
+                  <a:ea typeface="Tahoma" panose="020B0604030504040204" pitchFamily="34" charset="0"/>
+                  <a:cs typeface="Times" charset="0"/>
+                </a:rPr>
+                <a:t>…</a:t>
+              </a:r>
+              <a:endParaRPr lang="en-US" sz="2000" baseline="-25000">
+                <a:latin typeface="Times New Roman" panose="02020603050405020304" pitchFamily="18" charset="0"/>
+                <a:ea typeface="Tahoma" panose="020B0604030504040204" pitchFamily="34" charset="0"/>
+                <a:cs typeface="Times New Roman" panose="02020603050405020304" pitchFamily="18" charset="0"/>
+              </a:endParaRPr>
+            </a:p>
+          </p:txBody>
+        </p:sp>
+        <p:sp>
+          <p:nvSpPr>
+            <p:cNvPr id="154" name="Rectangle 153">
+              <a:extLst>
+                <a:ext uri="{FF2B5EF4-FFF2-40B4-BE49-F238E27FC236}">
+                  <a16:creationId xmlns:a16="http://schemas.microsoft.com/office/drawing/2014/main" id="{4EC55BE2-95AC-C140-8E62-8958D09F7479}"/>
+                </a:ext>
+              </a:extLst>
+            </p:cNvPr>
+            <p:cNvSpPr/>
+            <p:nvPr/>
+          </p:nvSpPr>
+          <p:spPr>
+            <a:xfrm>
+              <a:off x="8861887" y="2043710"/>
+              <a:ext cx="140776" cy="395296"/>
+            </a:xfrm>
+            <a:prstGeom prst="rect">
+              <a:avLst/>
+            </a:prstGeom>
+            <a:pattFill prst="dkVert">
+              <a:fgClr>
+                <a:srgbClr val="7030A0"/>
+              </a:fgClr>
+              <a:bgClr>
+                <a:schemeClr val="bg1"/>
+              </a:bgClr>
+            </a:pattFill>
+            <a:ln>
+              <a:solidFill>
+                <a:schemeClr val="tx1"/>
+              </a:solidFill>
+              <a:prstDash val="dash"/>
+            </a:ln>
+          </p:spPr>
+          <p:style>
+            <a:lnRef idx="2">
+              <a:schemeClr val="accent1">
+                <a:shade val="50000"/>
+              </a:schemeClr>
+            </a:lnRef>
+            <a:fillRef idx="1">
+              <a:schemeClr val="accent1"/>
+            </a:fillRef>
+            <a:effectRef idx="0">
+              <a:schemeClr val="accent1"/>
+            </a:effectRef>
+            <a:fontRef idx="minor">
+              <a:schemeClr val="lt1"/>
+            </a:fontRef>
+          </p:style>
+          <p:txBody>
+            <a:bodyPr rtlCol="0" anchor="ctr"/>
+            <a:lstStyle/>
+            <a:p>
+              <a:pPr algn="ctr"/>
+              <a:endParaRPr lang="en-US" sz="2000">
+                <a:solidFill>
+                  <a:schemeClr val="tx1"/>
+                </a:solidFill>
+                <a:latin typeface="Times New Roman" panose="02020603050405020304" pitchFamily="18" charset="0"/>
+                <a:ea typeface="Tahoma" panose="020B0604030504040204" pitchFamily="34" charset="0"/>
+                <a:cs typeface="Times New Roman" panose="02020603050405020304" pitchFamily="18" charset="0"/>
+              </a:endParaRPr>
+            </a:p>
+          </p:txBody>
+        </p:sp>
+        <p:sp>
+          <p:nvSpPr>
+            <p:cNvPr id="155" name="Rectangle 154">
+              <a:extLst>
+                <a:ext uri="{FF2B5EF4-FFF2-40B4-BE49-F238E27FC236}">
+                  <a16:creationId xmlns:a16="http://schemas.microsoft.com/office/drawing/2014/main" id="{BDA05974-C2B0-D44A-8EFA-83F22F27D425}"/>
+                </a:ext>
+              </a:extLst>
+            </p:cNvPr>
+            <p:cNvSpPr/>
+            <p:nvPr/>
+          </p:nvSpPr>
+          <p:spPr>
+            <a:xfrm>
+              <a:off x="9039987" y="2043708"/>
+              <a:ext cx="225196" cy="395296"/>
+            </a:xfrm>
+            <a:prstGeom prst="rect">
+              <a:avLst/>
+            </a:prstGeom>
+            <a:pattFill prst="dkHorz">
+              <a:fgClr>
+                <a:schemeClr val="accent4">
+                  <a:lumMod val="40000"/>
+                  <a:lumOff val="60000"/>
+                </a:schemeClr>
+              </a:fgClr>
+              <a:bgClr>
+                <a:schemeClr val="bg1"/>
+              </a:bgClr>
+            </a:pattFill>
+            <a:ln>
+              <a:solidFill>
+                <a:schemeClr val="tx1"/>
+              </a:solidFill>
+              <a:prstDash val="dash"/>
+            </a:ln>
+          </p:spPr>
+          <p:style>
+            <a:lnRef idx="2">
+              <a:schemeClr val="accent1">
+                <a:shade val="50000"/>
+              </a:schemeClr>
+            </a:lnRef>
+            <a:fillRef idx="1">
+              <a:schemeClr val="accent1"/>
+            </a:fillRef>
+            <a:effectRef idx="0">
+              <a:schemeClr val="accent1"/>
+            </a:effectRef>
+            <a:fontRef idx="minor">
+              <a:schemeClr val="lt1"/>
+            </a:fontRef>
+          </p:style>
+          <p:txBody>
+            <a:bodyPr rtlCol="0" anchor="ctr"/>
+            <a:lstStyle/>
+            <a:p>
+              <a:pPr algn="ctr"/>
+              <a:endParaRPr lang="en-US" sz="2000">
+                <a:solidFill>
+                  <a:schemeClr val="tx1"/>
+                </a:solidFill>
+                <a:latin typeface="Times New Roman" panose="02020603050405020304" pitchFamily="18" charset="0"/>
+                <a:ea typeface="Tahoma" panose="020B0604030504040204" pitchFamily="34" charset="0"/>
+                <a:cs typeface="Times New Roman" panose="02020603050405020304" pitchFamily="18" charset="0"/>
+              </a:endParaRPr>
+            </a:p>
+          </p:txBody>
+        </p:sp>
+        <p:sp>
+          <p:nvSpPr>
+            <p:cNvPr id="162" name="Rectangle 161">
+              <a:extLst>
+                <a:ext uri="{FF2B5EF4-FFF2-40B4-BE49-F238E27FC236}">
+                  <a16:creationId xmlns:a16="http://schemas.microsoft.com/office/drawing/2014/main" id="{84AA42FB-414C-E648-A995-9807B53934B5}"/>
+                </a:ext>
+              </a:extLst>
+            </p:cNvPr>
+            <p:cNvSpPr/>
+            <p:nvPr/>
+          </p:nvSpPr>
+          <p:spPr>
+            <a:xfrm>
+              <a:off x="10518727" y="2928495"/>
+              <a:ext cx="140776" cy="395296"/>
+            </a:xfrm>
+            <a:prstGeom prst="rect">
+              <a:avLst/>
+            </a:prstGeom>
+            <a:pattFill prst="dkVert">
+              <a:fgClr>
+                <a:srgbClr val="7030A0"/>
+              </a:fgClr>
+              <a:bgClr>
+                <a:schemeClr val="bg1"/>
+              </a:bgClr>
+            </a:pattFill>
+            <a:ln>
+              <a:solidFill>
+                <a:schemeClr val="tx1"/>
+              </a:solidFill>
+              <a:prstDash val="dash"/>
+            </a:ln>
+          </p:spPr>
+          <p:style>
+            <a:lnRef idx="2">
+              <a:schemeClr val="accent1">
+                <a:shade val="50000"/>
+              </a:schemeClr>
+            </a:lnRef>
+            <a:fillRef idx="1">
+              <a:schemeClr val="accent1"/>
+            </a:fillRef>
+            <a:effectRef idx="0">
+              <a:schemeClr val="accent1"/>
+            </a:effectRef>
+            <a:fontRef idx="minor">
+              <a:schemeClr val="lt1"/>
+            </a:fontRef>
+          </p:style>
+          <p:txBody>
+            <a:bodyPr rtlCol="0" anchor="ctr"/>
+            <a:lstStyle/>
+            <a:p>
+              <a:pPr algn="ctr"/>
+              <a:endParaRPr lang="en-US" sz="2000">
+                <a:solidFill>
+                  <a:schemeClr val="tx1"/>
+                </a:solidFill>
+                <a:latin typeface="Times New Roman" panose="02020603050405020304" pitchFamily="18" charset="0"/>
+                <a:ea typeface="Tahoma" panose="020B0604030504040204" pitchFamily="34" charset="0"/>
+                <a:cs typeface="Times New Roman" panose="02020603050405020304" pitchFamily="18" charset="0"/>
+              </a:endParaRPr>
+            </a:p>
+          </p:txBody>
+        </p:sp>
+        <p:sp>
+          <p:nvSpPr>
+            <p:cNvPr id="163" name="Rectangle 162">
+              <a:extLst>
+                <a:ext uri="{FF2B5EF4-FFF2-40B4-BE49-F238E27FC236}">
+                  <a16:creationId xmlns:a16="http://schemas.microsoft.com/office/drawing/2014/main" id="{F2737409-DB9E-DB45-A4D2-7172FAB92C7E}"/>
+                </a:ext>
+              </a:extLst>
+            </p:cNvPr>
+            <p:cNvSpPr/>
+            <p:nvPr/>
+          </p:nvSpPr>
+          <p:spPr>
+            <a:xfrm>
+              <a:off x="10696827" y="2928493"/>
+              <a:ext cx="225196" cy="395296"/>
+            </a:xfrm>
+            <a:prstGeom prst="rect">
+              <a:avLst/>
+            </a:prstGeom>
+            <a:pattFill prst="dkHorz">
+              <a:fgClr>
+                <a:schemeClr val="accent4">
+                  <a:lumMod val="40000"/>
+                  <a:lumOff val="60000"/>
+                </a:schemeClr>
+              </a:fgClr>
+              <a:bgClr>
+                <a:schemeClr val="bg1"/>
+              </a:bgClr>
+            </a:pattFill>
+            <a:ln>
+              <a:solidFill>
+                <a:schemeClr val="tx1"/>
+              </a:solidFill>
+              <a:prstDash val="dash"/>
+            </a:ln>
+          </p:spPr>
+          <p:style>
+            <a:lnRef idx="2">
+              <a:schemeClr val="accent1">
+                <a:shade val="50000"/>
+              </a:schemeClr>
+            </a:lnRef>
+            <a:fillRef idx="1">
+              <a:schemeClr val="accent1"/>
+            </a:fillRef>
+            <a:effectRef idx="0">
+              <a:schemeClr val="accent1"/>
+            </a:effectRef>
+            <a:fontRef idx="minor">
+              <a:schemeClr val="lt1"/>
+            </a:fontRef>
+          </p:style>
+          <p:txBody>
+            <a:bodyPr rtlCol="0" anchor="ctr"/>
+            <a:lstStyle/>
+            <a:p>
+              <a:pPr algn="ctr"/>
+              <a:endParaRPr lang="en-US" sz="2000">
+                <a:solidFill>
+                  <a:schemeClr val="tx1"/>
+                </a:solidFill>
+                <a:latin typeface="Times New Roman" panose="02020603050405020304" pitchFamily="18" charset="0"/>
+                <a:ea typeface="Tahoma" panose="020B0604030504040204" pitchFamily="34" charset="0"/>
+                <a:cs typeface="Times New Roman" panose="02020603050405020304" pitchFamily="18" charset="0"/>
+              </a:endParaRPr>
+            </a:p>
+          </p:txBody>
+        </p:sp>
+        <p:cxnSp>
+          <p:nvCxnSpPr>
+            <p:cNvPr id="165" name="Straight Connector 164">
+              <a:extLst>
+                <a:ext uri="{FF2B5EF4-FFF2-40B4-BE49-F238E27FC236}">
+                  <a16:creationId xmlns:a16="http://schemas.microsoft.com/office/drawing/2014/main" id="{B2E6213E-0801-DB43-AEB8-FCF88887F839}"/>
+                </a:ext>
+              </a:extLst>
+            </p:cNvPr>
+            <p:cNvCxnSpPr>
+              <a:cxnSpLocks/>
+            </p:cNvCxnSpPr>
+            <p:nvPr/>
+          </p:nvCxnSpPr>
+          <p:spPr>
+            <a:xfrm flipH="1">
+              <a:off x="9300933" y="1944674"/>
+              <a:ext cx="5958" cy="1584768"/>
+            </a:xfrm>
+            <a:prstGeom prst="line">
+              <a:avLst/>
+            </a:prstGeom>
+            <a:ln w="28575">
+              <a:solidFill>
+                <a:srgbClr val="FF0000"/>
+              </a:solidFill>
+            </a:ln>
+          </p:spPr>
+          <p:style>
+            <a:lnRef idx="1">
+              <a:schemeClr val="accent1"/>
+            </a:lnRef>
+            <a:fillRef idx="0">
+              <a:schemeClr val="accent1"/>
+            </a:fillRef>
+            <a:effectRef idx="0">
+              <a:schemeClr val="accent1"/>
+            </a:effectRef>
+            <a:fontRef idx="minor">
+              <a:schemeClr val="tx1"/>
+            </a:fontRef>
+          </p:style>
+        </p:cxnSp>
+        <p:cxnSp>
+          <p:nvCxnSpPr>
+            <p:cNvPr id="166" name="Straight Connector 165">
+              <a:extLst>
+                <a:ext uri="{FF2B5EF4-FFF2-40B4-BE49-F238E27FC236}">
+                  <a16:creationId xmlns:a16="http://schemas.microsoft.com/office/drawing/2014/main" id="{8A6C66D0-8385-C84D-9739-44640123B34F}"/>
+                </a:ext>
+              </a:extLst>
+            </p:cNvPr>
+            <p:cNvCxnSpPr>
+              <a:cxnSpLocks/>
+            </p:cNvCxnSpPr>
+            <p:nvPr/>
+          </p:nvCxnSpPr>
+          <p:spPr>
+            <a:xfrm>
+              <a:off x="10962568" y="1944674"/>
+              <a:ext cx="0" cy="1584768"/>
+            </a:xfrm>
+            <a:prstGeom prst="line">
+              <a:avLst/>
+            </a:prstGeom>
+            <a:ln w="28575">
+              <a:solidFill>
+                <a:srgbClr val="FF0000"/>
+              </a:solidFill>
+            </a:ln>
+          </p:spPr>
+          <p:style>
+            <a:lnRef idx="1">
+              <a:schemeClr val="accent1"/>
+            </a:lnRef>
+            <a:fillRef idx="0">
+              <a:schemeClr val="accent1"/>
+            </a:fillRef>
+            <a:effectRef idx="0">
+              <a:schemeClr val="accent1"/>
+            </a:effectRef>
+            <a:fontRef idx="minor">
+              <a:schemeClr val="tx1"/>
+            </a:fontRef>
+          </p:style>
+        </p:cxnSp>
+        <p:cxnSp>
+          <p:nvCxnSpPr>
+            <p:cNvPr id="167" name="Straight Connector 166">
+              <a:extLst>
+                <a:ext uri="{FF2B5EF4-FFF2-40B4-BE49-F238E27FC236}">
+                  <a16:creationId xmlns:a16="http://schemas.microsoft.com/office/drawing/2014/main" id="{67178B1C-9A69-2248-A073-3AADA945D590}"/>
+                </a:ext>
+              </a:extLst>
+            </p:cNvPr>
+            <p:cNvCxnSpPr>
+              <a:cxnSpLocks/>
+            </p:cNvCxnSpPr>
+            <p:nvPr/>
+          </p:nvCxnSpPr>
+          <p:spPr>
+            <a:xfrm flipH="1">
+              <a:off x="7649607" y="1933823"/>
+              <a:ext cx="5999" cy="1595619"/>
+            </a:xfrm>
+            <a:prstGeom prst="line">
+              <a:avLst/>
+            </a:prstGeom>
+            <a:ln w="28575">
+              <a:solidFill>
+                <a:srgbClr val="FF0000"/>
+              </a:solidFill>
+            </a:ln>
+          </p:spPr>
+          <p:style>
+            <a:lnRef idx="1">
+              <a:schemeClr val="accent1"/>
+            </a:lnRef>
+            <a:fillRef idx="0">
+              <a:schemeClr val="accent1"/>
+            </a:fillRef>
+            <a:effectRef idx="0">
+              <a:schemeClr val="accent1"/>
+            </a:effectRef>
+            <a:fontRef idx="minor">
+              <a:schemeClr val="tx1"/>
+            </a:fontRef>
+          </p:style>
+        </p:cxnSp>
+        <p:sp>
+          <p:nvSpPr>
+            <p:cNvPr id="168" name="Rectangle 167">
+              <a:extLst>
+                <a:ext uri="{FF2B5EF4-FFF2-40B4-BE49-F238E27FC236}">
+                  <a16:creationId xmlns:a16="http://schemas.microsoft.com/office/drawing/2014/main" id="{4732EA12-1B08-1D4A-98E4-916392E48462}"/>
+                </a:ext>
+              </a:extLst>
+            </p:cNvPr>
+            <p:cNvSpPr/>
+            <p:nvPr/>
+          </p:nvSpPr>
+          <p:spPr>
+            <a:xfrm>
+              <a:off x="6796287" y="4549212"/>
+              <a:ext cx="631103" cy="284089"/>
+            </a:xfrm>
+            <a:prstGeom prst="rect">
+              <a:avLst/>
+            </a:prstGeom>
+            <a:pattFill prst="dkVert">
+              <a:fgClr>
+                <a:srgbClr val="7030A0"/>
+              </a:fgClr>
+              <a:bgClr>
+                <a:schemeClr val="bg1"/>
+              </a:bgClr>
+            </a:pattFill>
+            <a:ln>
+              <a:solidFill>
+                <a:schemeClr val="tx1"/>
+              </a:solidFill>
+              <a:prstDash val="dash"/>
+            </a:ln>
+          </p:spPr>
+          <p:style>
+            <a:lnRef idx="2">
+              <a:schemeClr val="accent1">
+                <a:shade val="50000"/>
+              </a:schemeClr>
+            </a:lnRef>
+            <a:fillRef idx="1">
+              <a:schemeClr val="accent1"/>
+            </a:fillRef>
+            <a:effectRef idx="0">
+              <a:schemeClr val="accent1"/>
+            </a:effectRef>
+            <a:fontRef idx="minor">
+              <a:schemeClr val="lt1"/>
+            </a:fontRef>
+          </p:style>
+          <p:txBody>
+            <a:bodyPr rtlCol="0" anchor="ctr"/>
+            <a:lstStyle/>
+            <a:p>
+              <a:pPr algn="ctr"/>
+              <a:endParaRPr lang="en-US" sz="2000">
+                <a:solidFill>
+                  <a:schemeClr val="tx1"/>
+                </a:solidFill>
+                <a:latin typeface="Times New Roman" panose="02020603050405020304" pitchFamily="18" charset="0"/>
+                <a:ea typeface="Tahoma" panose="020B0604030504040204" pitchFamily="34" charset="0"/>
+                <a:cs typeface="Times New Roman" panose="02020603050405020304" pitchFamily="18" charset="0"/>
+              </a:endParaRPr>
+            </a:p>
+          </p:txBody>
+        </p:sp>
+        <p:sp>
+          <p:nvSpPr>
+            <p:cNvPr id="169" name="Rectangle 168">
+              <a:extLst>
+                <a:ext uri="{FF2B5EF4-FFF2-40B4-BE49-F238E27FC236}">
+                  <a16:creationId xmlns:a16="http://schemas.microsoft.com/office/drawing/2014/main" id="{5DC15C89-8A10-2742-B372-376EBFDECC56}"/>
+                </a:ext>
+              </a:extLst>
+            </p:cNvPr>
+            <p:cNvSpPr/>
+            <p:nvPr/>
+          </p:nvSpPr>
+          <p:spPr>
+            <a:xfrm>
+              <a:off x="6792820" y="4929888"/>
+              <a:ext cx="634570" cy="282428"/>
+            </a:xfrm>
+            <a:prstGeom prst="rect">
+              <a:avLst/>
+            </a:prstGeom>
+            <a:pattFill prst="dkHorz">
+              <a:fgClr>
+                <a:schemeClr val="accent4">
+                  <a:lumMod val="40000"/>
+                  <a:lumOff val="60000"/>
+                </a:schemeClr>
+              </a:fgClr>
+              <a:bgClr>
+                <a:schemeClr val="bg1"/>
+              </a:bgClr>
+            </a:pattFill>
+            <a:ln>
+              <a:solidFill>
+                <a:schemeClr val="tx1"/>
+              </a:solidFill>
+              <a:prstDash val="dash"/>
+            </a:ln>
+          </p:spPr>
+          <p:style>
+            <a:lnRef idx="2">
+              <a:schemeClr val="accent1">
+                <a:shade val="50000"/>
+              </a:schemeClr>
+            </a:lnRef>
+            <a:fillRef idx="1">
+              <a:schemeClr val="accent1"/>
+            </a:fillRef>
+            <a:effectRef idx="0">
+              <a:schemeClr val="accent1"/>
+            </a:effectRef>
+            <a:fontRef idx="minor">
+              <a:schemeClr val="lt1"/>
+            </a:fontRef>
+          </p:style>
+          <p:txBody>
+            <a:bodyPr rtlCol="0" anchor="ctr"/>
+            <a:lstStyle/>
+            <a:p>
+              <a:pPr algn="ctr"/>
+              <a:endParaRPr lang="en-US" sz="2000">
+                <a:solidFill>
+                  <a:schemeClr val="tx1"/>
+                </a:solidFill>
+                <a:latin typeface="Times New Roman" panose="02020603050405020304" pitchFamily="18" charset="0"/>
+                <a:ea typeface="Tahoma" panose="020B0604030504040204" pitchFamily="34" charset="0"/>
+                <a:cs typeface="Times New Roman" panose="02020603050405020304" pitchFamily="18" charset="0"/>
+              </a:endParaRPr>
+            </a:p>
+          </p:txBody>
+        </p:sp>
+        <p:sp>
+          <p:nvSpPr>
+            <p:cNvPr id="170" name="Rectangle 169">
+              <a:extLst>
+                <a:ext uri="{FF2B5EF4-FFF2-40B4-BE49-F238E27FC236}">
+                  <a16:creationId xmlns:a16="http://schemas.microsoft.com/office/drawing/2014/main" id="{27DACE3E-DA26-A14E-A990-0C7BD52F497D}"/>
+                </a:ext>
+              </a:extLst>
+            </p:cNvPr>
+            <p:cNvSpPr/>
+            <p:nvPr/>
+          </p:nvSpPr>
+          <p:spPr>
+            <a:xfrm>
+              <a:off x="3058071" y="4929889"/>
+              <a:ext cx="634570" cy="282428"/>
+            </a:xfrm>
+            <a:prstGeom prst="rect">
+              <a:avLst/>
+            </a:prstGeom>
+            <a:pattFill prst="wdUpDiag">
+              <a:fgClr>
+                <a:schemeClr val="bg1">
+                  <a:lumMod val="85000"/>
+                </a:schemeClr>
+              </a:fgClr>
+              <a:bgClr>
+                <a:schemeClr val="bg1"/>
+              </a:bgClr>
+            </a:pattFill>
+            <a:ln>
+              <a:solidFill>
+                <a:schemeClr val="tx1"/>
+              </a:solidFill>
+              <a:prstDash val="dash"/>
+            </a:ln>
+          </p:spPr>
+          <p:style>
+            <a:lnRef idx="2">
+              <a:schemeClr val="accent1">
+                <a:shade val="50000"/>
+              </a:schemeClr>
+            </a:lnRef>
+            <a:fillRef idx="1">
+              <a:schemeClr val="accent1"/>
+            </a:fillRef>
+            <a:effectRef idx="0">
+              <a:schemeClr val="accent1"/>
+            </a:effectRef>
+            <a:fontRef idx="minor">
+              <a:schemeClr val="lt1"/>
+            </a:fontRef>
+          </p:style>
+          <p:txBody>
+            <a:bodyPr rtlCol="0" anchor="ctr"/>
+            <a:lstStyle/>
+            <a:p>
+              <a:pPr algn="ctr"/>
+              <a:endParaRPr lang="en-US" sz="2000">
+                <a:solidFill>
+                  <a:schemeClr val="tx1"/>
+                </a:solidFill>
+                <a:latin typeface="Times New Roman" panose="02020603050405020304" pitchFamily="18" charset="0"/>
+                <a:ea typeface="Tahoma" panose="020B0604030504040204" pitchFamily="34" charset="0"/>
+                <a:cs typeface="Times New Roman" panose="02020603050405020304" pitchFamily="18" charset="0"/>
+              </a:endParaRPr>
+            </a:p>
+          </p:txBody>
+        </p:sp>
+        <p:sp>
+          <p:nvSpPr>
+            <p:cNvPr id="15" name="Rectangle 14">
+              <a:extLst>
+                <a:ext uri="{FF2B5EF4-FFF2-40B4-BE49-F238E27FC236}">
+                  <a16:creationId xmlns:a16="http://schemas.microsoft.com/office/drawing/2014/main" id="{E3300214-F869-3348-9B7B-D205A0F11F11}"/>
+                </a:ext>
+              </a:extLst>
+            </p:cNvPr>
+            <p:cNvSpPr/>
+            <p:nvPr/>
+          </p:nvSpPr>
+          <p:spPr>
+            <a:xfrm>
+              <a:off x="3835092" y="4840269"/>
+              <a:ext cx="2823209" cy="461665"/>
+            </a:xfrm>
+            <a:prstGeom prst="rect">
+              <a:avLst/>
+            </a:prstGeom>
+          </p:spPr>
+          <p:txBody>
+            <a:bodyPr wrap="none">
+              <a:spAutoFit/>
+            </a:bodyPr>
+            <a:lstStyle/>
+            <a:p>
+              <a:r>
+                <a:rPr lang="en-US" sz="2400" dirty="0">
                   <a:latin typeface="Times New Roman" panose="02020603050405020304" pitchFamily="18" charset="0"/>
                   <a:ea typeface="Tahoma" panose="020B0604030504040204" pitchFamily="34" charset="0"/>
                   <a:cs typeface="Times New Roman" panose="02020603050405020304" pitchFamily="18" charset="0"/>
-                </a:endParaRPr>
-              </a:p>
-            </p:txBody>
-          </p:sp>
-          <p:sp>
-            <p:nvSpPr>
-              <p:cNvPr id="217" name="TextBox 216">
-                <a:extLst>
-                  <a:ext uri="{FF2B5EF4-FFF2-40B4-BE49-F238E27FC236}">
-                    <a16:creationId xmlns:a16="http://schemas.microsoft.com/office/drawing/2014/main" id="{D83E6459-2C65-6149-B467-89E34D6AAFD3}"/>
-                  </a:ext>
-                </a:extLst>
-              </p:cNvPr>
-              <p:cNvSpPr txBox="1"/>
-              <p:nvPr/>
-            </p:nvSpPr>
-            <p:spPr>
-              <a:xfrm>
-                <a:off x="9527094" y="1261203"/>
-                <a:ext cx="529047" cy="523220"/>
-              </a:xfrm>
-              <a:prstGeom prst="rect">
-                <a:avLst/>
-              </a:prstGeom>
-              <a:noFill/>
-            </p:spPr>
-            <p:txBody>
-              <a:bodyPr wrap="square" rtlCol="0">
-                <a:spAutoFit/>
-              </a:bodyPr>
-              <a:lstStyle/>
-              <a:p>
-                <a:r>
-                  <a:rPr lang="mr-IN" sz="2800" dirty="0">
-                    <a:latin typeface="Times New Roman" panose="02020603050405020304" pitchFamily="18" charset="0"/>
-                    <a:ea typeface="Tahoma" panose="020B0604030504040204" pitchFamily="34" charset="0"/>
-                    <a:cs typeface="Times" charset="0"/>
-                  </a:rPr>
-                  <a:t>…</a:t>
-                </a:r>
-                <a:endParaRPr lang="en-US" sz="2000" baseline="-25000" dirty="0">
+                </a:rPr>
+                <a:t>Monitor performance</a:t>
+              </a:r>
+            </a:p>
+          </p:txBody>
+        </p:sp>
+        <p:sp>
+          <p:nvSpPr>
+            <p:cNvPr id="171" name="Rectangle 170">
+              <a:extLst>
+                <a:ext uri="{FF2B5EF4-FFF2-40B4-BE49-F238E27FC236}">
+                  <a16:creationId xmlns:a16="http://schemas.microsoft.com/office/drawing/2014/main" id="{413550CF-E769-6341-BF85-92E81F20A250}"/>
+                </a:ext>
+              </a:extLst>
+            </p:cNvPr>
+            <p:cNvSpPr/>
+            <p:nvPr/>
+          </p:nvSpPr>
+          <p:spPr>
+            <a:xfrm>
+              <a:off x="7577020" y="4456183"/>
+              <a:ext cx="2600393" cy="461665"/>
+            </a:xfrm>
+            <a:prstGeom prst="rect">
+              <a:avLst/>
+            </a:prstGeom>
+          </p:spPr>
+          <p:txBody>
+            <a:bodyPr wrap="none">
+              <a:spAutoFit/>
+            </a:bodyPr>
+            <a:lstStyle/>
+            <a:p>
+              <a:r>
+                <a:rPr lang="en-US" sz="2400" dirty="0">
                   <a:latin typeface="Times New Roman" panose="02020603050405020304" pitchFamily="18" charset="0"/>
                   <a:ea typeface="Tahoma" panose="020B0604030504040204" pitchFamily="34" charset="0"/>
                   <a:cs typeface="Times New Roman" panose="02020603050405020304" pitchFamily="18" charset="0"/>
-                </a:endParaRPr>
-              </a:p>
-            </p:txBody>
-          </p:sp>
-        </p:grpSp>
+                </a:rPr>
+                <a:t>Update information</a:t>
+              </a:r>
+            </a:p>
+          </p:txBody>
+        </p:sp>
+        <p:sp>
+          <p:nvSpPr>
+            <p:cNvPr id="172" name="Rectangle 171">
+              <a:extLst>
+                <a:ext uri="{FF2B5EF4-FFF2-40B4-BE49-F238E27FC236}">
+                  <a16:creationId xmlns:a16="http://schemas.microsoft.com/office/drawing/2014/main" id="{00BFD1CA-F958-734D-B8BF-A2C68B51FA9A}"/>
+                </a:ext>
+              </a:extLst>
+            </p:cNvPr>
+            <p:cNvSpPr/>
+            <p:nvPr/>
+          </p:nvSpPr>
+          <p:spPr>
+            <a:xfrm>
+              <a:off x="7577020" y="4840269"/>
+              <a:ext cx="2856873" cy="461665"/>
+            </a:xfrm>
+            <a:prstGeom prst="rect">
+              <a:avLst/>
+            </a:prstGeom>
+          </p:spPr>
+          <p:txBody>
+            <a:bodyPr wrap="none">
+              <a:spAutoFit/>
+            </a:bodyPr>
+            <a:lstStyle/>
+            <a:p>
+              <a:r>
+                <a:rPr lang="en-US" sz="2400" dirty="0">
+                  <a:latin typeface="Times New Roman" panose="02020603050405020304" pitchFamily="18" charset="0"/>
+                  <a:ea typeface="Tahoma" panose="020B0604030504040204" pitchFamily="34" charset="0"/>
+                  <a:cs typeface="Times New Roman" panose="02020603050405020304" pitchFamily="18" charset="0"/>
+                </a:rPr>
+                <a:t>Change configuration</a:t>
+              </a:r>
+            </a:p>
+          </p:txBody>
+        </p:sp>
+        <p:sp>
+          <p:nvSpPr>
+            <p:cNvPr id="193" name="Rectangle 192">
+              <a:extLst>
+                <a:ext uri="{FF2B5EF4-FFF2-40B4-BE49-F238E27FC236}">
+                  <a16:creationId xmlns:a16="http://schemas.microsoft.com/office/drawing/2014/main" id="{DB2574CF-E364-3747-80DD-5AAC32C11C97}"/>
+                </a:ext>
+              </a:extLst>
+            </p:cNvPr>
+            <p:cNvSpPr/>
+            <p:nvPr/>
+          </p:nvSpPr>
+          <p:spPr>
+            <a:xfrm>
+              <a:off x="3864665" y="2045604"/>
+              <a:ext cx="1060791" cy="395296"/>
+            </a:xfrm>
+            <a:prstGeom prst="rect">
+              <a:avLst/>
+            </a:prstGeom>
+            <a:pattFill prst="wdUpDiag">
+              <a:fgClr>
+                <a:schemeClr val="bg1">
+                  <a:lumMod val="85000"/>
+                </a:schemeClr>
+              </a:fgClr>
+              <a:bgClr>
+                <a:schemeClr val="bg1"/>
+              </a:bgClr>
+            </a:pattFill>
+            <a:ln>
+              <a:solidFill>
+                <a:schemeClr val="tx1"/>
+              </a:solidFill>
+              <a:prstDash val="dash"/>
+            </a:ln>
+          </p:spPr>
+          <p:style>
+            <a:lnRef idx="2">
+              <a:schemeClr val="accent1">
+                <a:shade val="50000"/>
+              </a:schemeClr>
+            </a:lnRef>
+            <a:fillRef idx="1">
+              <a:schemeClr val="accent1"/>
+            </a:fillRef>
+            <a:effectRef idx="0">
+              <a:schemeClr val="accent1"/>
+            </a:effectRef>
+            <a:fontRef idx="minor">
+              <a:schemeClr val="lt1"/>
+            </a:fontRef>
+          </p:style>
+          <p:txBody>
+            <a:bodyPr rtlCol="0" anchor="ctr"/>
+            <a:lstStyle/>
+            <a:p>
+              <a:pPr algn="ctr"/>
+              <a:endParaRPr lang="en-US" sz="2000">
+                <a:solidFill>
+                  <a:schemeClr val="tx1"/>
+                </a:solidFill>
+                <a:latin typeface="Times New Roman" panose="02020603050405020304" pitchFamily="18" charset="0"/>
+                <a:ea typeface="Tahoma" panose="020B0604030504040204" pitchFamily="34" charset="0"/>
+                <a:cs typeface="Times New Roman" panose="02020603050405020304" pitchFamily="18" charset="0"/>
+              </a:endParaRPr>
+            </a:p>
+          </p:txBody>
+        </p:sp>
+        <p:sp>
+          <p:nvSpPr>
+            <p:cNvPr id="194" name="Rectangle 193">
+              <a:extLst>
+                <a:ext uri="{FF2B5EF4-FFF2-40B4-BE49-F238E27FC236}">
+                  <a16:creationId xmlns:a16="http://schemas.microsoft.com/office/drawing/2014/main" id="{61C0F8BA-D981-AA4C-9C3B-3130EF906800}"/>
+                </a:ext>
+              </a:extLst>
+            </p:cNvPr>
+            <p:cNvSpPr/>
+            <p:nvPr/>
+          </p:nvSpPr>
+          <p:spPr>
+            <a:xfrm>
+              <a:off x="4964421" y="2040012"/>
+              <a:ext cx="140776" cy="395296"/>
+            </a:xfrm>
+            <a:prstGeom prst="rect">
+              <a:avLst/>
+            </a:prstGeom>
+            <a:pattFill prst="dkVert">
+              <a:fgClr>
+                <a:srgbClr val="7030A0"/>
+              </a:fgClr>
+              <a:bgClr>
+                <a:schemeClr val="bg1"/>
+              </a:bgClr>
+            </a:pattFill>
+            <a:ln>
+              <a:solidFill>
+                <a:schemeClr val="tx1"/>
+              </a:solidFill>
+              <a:prstDash val="dash"/>
+            </a:ln>
+          </p:spPr>
+          <p:style>
+            <a:lnRef idx="2">
+              <a:schemeClr val="accent1">
+                <a:shade val="50000"/>
+              </a:schemeClr>
+            </a:lnRef>
+            <a:fillRef idx="1">
+              <a:schemeClr val="accent1"/>
+            </a:fillRef>
+            <a:effectRef idx="0">
+              <a:schemeClr val="accent1"/>
+            </a:effectRef>
+            <a:fontRef idx="minor">
+              <a:schemeClr val="lt1"/>
+            </a:fontRef>
+          </p:style>
+          <p:txBody>
+            <a:bodyPr rtlCol="0" anchor="ctr"/>
+            <a:lstStyle/>
+            <a:p>
+              <a:pPr algn="ctr"/>
+              <a:endParaRPr lang="en-US" sz="2000">
+                <a:solidFill>
+                  <a:schemeClr val="tx1"/>
+                </a:solidFill>
+                <a:latin typeface="Times New Roman" panose="02020603050405020304" pitchFamily="18" charset="0"/>
+                <a:ea typeface="Tahoma" panose="020B0604030504040204" pitchFamily="34" charset="0"/>
+                <a:cs typeface="Times New Roman" panose="02020603050405020304" pitchFamily="18" charset="0"/>
+              </a:endParaRPr>
+            </a:p>
+          </p:txBody>
+        </p:sp>
+        <p:sp>
+          <p:nvSpPr>
+            <p:cNvPr id="195" name="Rectangle 194">
+              <a:extLst>
+                <a:ext uri="{FF2B5EF4-FFF2-40B4-BE49-F238E27FC236}">
+                  <a16:creationId xmlns:a16="http://schemas.microsoft.com/office/drawing/2014/main" id="{D938FD0D-A6BD-3147-8F12-12F8FC2DA410}"/>
+                </a:ext>
+              </a:extLst>
+            </p:cNvPr>
+            <p:cNvSpPr/>
+            <p:nvPr/>
+          </p:nvSpPr>
+          <p:spPr>
+            <a:xfrm>
+              <a:off x="5142521" y="2040010"/>
+              <a:ext cx="225196" cy="395296"/>
+            </a:xfrm>
+            <a:prstGeom prst="rect">
+              <a:avLst/>
+            </a:prstGeom>
+            <a:pattFill prst="dkHorz">
+              <a:fgClr>
+                <a:schemeClr val="accent4">
+                  <a:lumMod val="40000"/>
+                  <a:lumOff val="60000"/>
+                </a:schemeClr>
+              </a:fgClr>
+              <a:bgClr>
+                <a:schemeClr val="bg1"/>
+              </a:bgClr>
+            </a:pattFill>
+            <a:ln>
+              <a:solidFill>
+                <a:schemeClr val="tx1"/>
+              </a:solidFill>
+              <a:prstDash val="dash"/>
+            </a:ln>
+          </p:spPr>
+          <p:style>
+            <a:lnRef idx="2">
+              <a:schemeClr val="accent1">
+                <a:shade val="50000"/>
+              </a:schemeClr>
+            </a:lnRef>
+            <a:fillRef idx="1">
+              <a:schemeClr val="accent1"/>
+            </a:fillRef>
+            <a:effectRef idx="0">
+              <a:schemeClr val="accent1"/>
+            </a:effectRef>
+            <a:fontRef idx="minor">
+              <a:schemeClr val="lt1"/>
+            </a:fontRef>
+          </p:style>
+          <p:txBody>
+            <a:bodyPr rtlCol="0" anchor="ctr"/>
+            <a:lstStyle/>
+            <a:p>
+              <a:pPr algn="ctr"/>
+              <a:endParaRPr lang="en-US" sz="2000">
+                <a:solidFill>
+                  <a:schemeClr val="tx1"/>
+                </a:solidFill>
+                <a:latin typeface="Times New Roman" panose="02020603050405020304" pitchFamily="18" charset="0"/>
+                <a:ea typeface="Tahoma" panose="020B0604030504040204" pitchFamily="34" charset="0"/>
+                <a:cs typeface="Times New Roman" panose="02020603050405020304" pitchFamily="18" charset="0"/>
+              </a:endParaRPr>
+            </a:p>
+          </p:txBody>
+        </p:sp>
+        <p:sp>
+          <p:nvSpPr>
+            <p:cNvPr id="174" name="TextBox 173">
+              <a:extLst>
+                <a:ext uri="{FF2B5EF4-FFF2-40B4-BE49-F238E27FC236}">
+                  <a16:creationId xmlns:a16="http://schemas.microsoft.com/office/drawing/2014/main" id="{A9FDA274-9688-4E4E-BD52-8FEA8E21E424}"/>
+                </a:ext>
+              </a:extLst>
+            </p:cNvPr>
+            <p:cNvSpPr txBox="1"/>
+            <p:nvPr/>
+          </p:nvSpPr>
+          <p:spPr>
+            <a:xfrm>
+              <a:off x="966436" y="2088391"/>
+              <a:ext cx="1147906" cy="461665"/>
+            </a:xfrm>
+            <a:prstGeom prst="rect">
+              <a:avLst/>
+            </a:prstGeom>
+            <a:noFill/>
+          </p:spPr>
+          <p:txBody>
+            <a:bodyPr wrap="square" rtlCol="0">
+              <a:spAutoFit/>
+            </a:bodyPr>
+            <a:lstStyle/>
+            <a:p>
+              <a:r>
+                <a:rPr lang="en-US" sz="2400">
+                  <a:latin typeface="Times New Roman" panose="02020603050405020304" pitchFamily="18" charset="0"/>
+                  <a:ea typeface="Tahoma" panose="020B0604030504040204" pitchFamily="34" charset="0"/>
+                  <a:cs typeface="Times New Roman" panose="02020603050405020304" pitchFamily="18" charset="0"/>
+                </a:rPr>
+                <a:t>Agent</a:t>
+              </a:r>
+              <a:r>
+                <a:rPr lang="en-US" sz="2400" baseline="-25000">
+                  <a:latin typeface="Times New Roman" panose="02020603050405020304" pitchFamily="18" charset="0"/>
+                  <a:ea typeface="Tahoma" panose="020B0604030504040204" pitchFamily="34" charset="0"/>
+                  <a:cs typeface="Times New Roman" panose="02020603050405020304" pitchFamily="18" charset="0"/>
+                </a:rPr>
+                <a:t>A</a:t>
+              </a:r>
+            </a:p>
+          </p:txBody>
+        </p:sp>
+        <p:sp>
+          <p:nvSpPr>
+            <p:cNvPr id="175" name="TextBox 174">
+              <a:extLst>
+                <a:ext uri="{FF2B5EF4-FFF2-40B4-BE49-F238E27FC236}">
+                  <a16:creationId xmlns:a16="http://schemas.microsoft.com/office/drawing/2014/main" id="{60F21C0C-DC91-BF43-8836-81698E42CFBC}"/>
+                </a:ext>
+              </a:extLst>
+            </p:cNvPr>
+            <p:cNvSpPr txBox="1"/>
+            <p:nvPr/>
+          </p:nvSpPr>
+          <p:spPr>
+            <a:xfrm>
+              <a:off x="960269" y="2884716"/>
+              <a:ext cx="1329550" cy="461665"/>
+            </a:xfrm>
+            <a:prstGeom prst="rect">
+              <a:avLst/>
+            </a:prstGeom>
+            <a:noFill/>
+          </p:spPr>
+          <p:txBody>
+            <a:bodyPr wrap="square" rtlCol="0">
+              <a:spAutoFit/>
+            </a:bodyPr>
+            <a:lstStyle/>
+            <a:p>
+              <a:r>
+                <a:rPr lang="en-US" sz="2400">
+                  <a:latin typeface="Times New Roman" panose="02020603050405020304" pitchFamily="18" charset="0"/>
+                  <a:ea typeface="Tahoma" panose="020B0604030504040204" pitchFamily="34" charset="0"/>
+                  <a:cs typeface="Times New Roman" panose="02020603050405020304" pitchFamily="18" charset="0"/>
+                </a:rPr>
+                <a:t>Agent</a:t>
+              </a:r>
+              <a:r>
+                <a:rPr lang="en-US" sz="2400" baseline="-25000">
+                  <a:latin typeface="Times New Roman" panose="02020603050405020304" pitchFamily="18" charset="0"/>
+                  <a:ea typeface="Tahoma" panose="020B0604030504040204" pitchFamily="34" charset="0"/>
+                  <a:cs typeface="Times New Roman" panose="02020603050405020304" pitchFamily="18" charset="0"/>
+                </a:rPr>
+                <a:t>B</a:t>
+              </a:r>
+            </a:p>
+          </p:txBody>
+        </p:sp>
+        <p:sp>
+          <p:nvSpPr>
+            <p:cNvPr id="180" name="Rectangle 179">
+              <a:extLst>
+                <a:ext uri="{FF2B5EF4-FFF2-40B4-BE49-F238E27FC236}">
+                  <a16:creationId xmlns:a16="http://schemas.microsoft.com/office/drawing/2014/main" id="{FC5E2DCA-1747-C84E-80B9-95CE71D1B291}"/>
+                </a:ext>
+              </a:extLst>
+            </p:cNvPr>
+            <p:cNvSpPr/>
+            <p:nvPr/>
+          </p:nvSpPr>
+          <p:spPr>
+            <a:xfrm>
+              <a:off x="2207285" y="2049776"/>
+              <a:ext cx="1050365" cy="395296"/>
+            </a:xfrm>
+            <a:prstGeom prst="rect">
+              <a:avLst/>
+            </a:prstGeom>
+            <a:pattFill prst="wdUpDiag">
+              <a:fgClr>
+                <a:schemeClr val="bg1">
+                  <a:lumMod val="85000"/>
+                </a:schemeClr>
+              </a:fgClr>
+              <a:bgClr>
+                <a:schemeClr val="bg1"/>
+              </a:bgClr>
+            </a:pattFill>
+            <a:ln>
+              <a:solidFill>
+                <a:schemeClr val="tx1"/>
+              </a:solidFill>
+              <a:prstDash val="dash"/>
+            </a:ln>
+          </p:spPr>
+          <p:style>
+            <a:lnRef idx="2">
+              <a:schemeClr val="accent1">
+                <a:shade val="50000"/>
+              </a:schemeClr>
+            </a:lnRef>
+            <a:fillRef idx="1">
+              <a:schemeClr val="accent1"/>
+            </a:fillRef>
+            <a:effectRef idx="0">
+              <a:schemeClr val="accent1"/>
+            </a:effectRef>
+            <a:fontRef idx="minor">
+              <a:schemeClr val="lt1"/>
+            </a:fontRef>
+          </p:style>
+          <p:txBody>
+            <a:bodyPr rtlCol="0" anchor="ctr"/>
+            <a:lstStyle/>
+            <a:p>
+              <a:pPr algn="ctr"/>
+              <a:endParaRPr lang="en-US" sz="2000">
+                <a:solidFill>
+                  <a:schemeClr val="tx1"/>
+                </a:solidFill>
+                <a:latin typeface="Times New Roman" panose="02020603050405020304" pitchFamily="18" charset="0"/>
+                <a:ea typeface="Tahoma" panose="020B0604030504040204" pitchFamily="34" charset="0"/>
+                <a:cs typeface="Times New Roman" panose="02020603050405020304" pitchFamily="18" charset="0"/>
+              </a:endParaRPr>
+            </a:p>
+          </p:txBody>
+        </p:sp>
+        <p:sp>
+          <p:nvSpPr>
+            <p:cNvPr id="184" name="Rectangle 183">
+              <a:extLst>
+                <a:ext uri="{FF2B5EF4-FFF2-40B4-BE49-F238E27FC236}">
+                  <a16:creationId xmlns:a16="http://schemas.microsoft.com/office/drawing/2014/main" id="{75D393D0-E4B1-AE49-B04B-602DEE780271}"/>
+                </a:ext>
+              </a:extLst>
+            </p:cNvPr>
+            <p:cNvSpPr/>
+            <p:nvPr/>
+          </p:nvSpPr>
+          <p:spPr>
+            <a:xfrm>
+              <a:off x="3296615" y="2044184"/>
+              <a:ext cx="140776" cy="395296"/>
+            </a:xfrm>
+            <a:prstGeom prst="rect">
+              <a:avLst/>
+            </a:prstGeom>
+            <a:pattFill prst="dkVert">
+              <a:fgClr>
+                <a:srgbClr val="7030A0"/>
+              </a:fgClr>
+              <a:bgClr>
+                <a:schemeClr val="bg1"/>
+              </a:bgClr>
+            </a:pattFill>
+            <a:ln>
+              <a:solidFill>
+                <a:schemeClr val="tx1"/>
+              </a:solidFill>
+              <a:prstDash val="dash"/>
+            </a:ln>
+          </p:spPr>
+          <p:style>
+            <a:lnRef idx="2">
+              <a:schemeClr val="accent1">
+                <a:shade val="50000"/>
+              </a:schemeClr>
+            </a:lnRef>
+            <a:fillRef idx="1">
+              <a:schemeClr val="accent1"/>
+            </a:fillRef>
+            <a:effectRef idx="0">
+              <a:schemeClr val="accent1"/>
+            </a:effectRef>
+            <a:fontRef idx="minor">
+              <a:schemeClr val="lt1"/>
+            </a:fontRef>
+          </p:style>
+          <p:txBody>
+            <a:bodyPr rtlCol="0" anchor="ctr"/>
+            <a:lstStyle/>
+            <a:p>
+              <a:pPr algn="ctr"/>
+              <a:endParaRPr lang="en-US" sz="2000">
+                <a:solidFill>
+                  <a:schemeClr val="tx1"/>
+                </a:solidFill>
+                <a:latin typeface="Times New Roman" panose="02020603050405020304" pitchFamily="18" charset="0"/>
+                <a:ea typeface="Tahoma" panose="020B0604030504040204" pitchFamily="34" charset="0"/>
+                <a:cs typeface="Times New Roman" panose="02020603050405020304" pitchFamily="18" charset="0"/>
+              </a:endParaRPr>
+            </a:p>
+          </p:txBody>
+        </p:sp>
+        <p:sp>
+          <p:nvSpPr>
+            <p:cNvPr id="185" name="Rectangle 184">
+              <a:extLst>
+                <a:ext uri="{FF2B5EF4-FFF2-40B4-BE49-F238E27FC236}">
+                  <a16:creationId xmlns:a16="http://schemas.microsoft.com/office/drawing/2014/main" id="{CA15C8D8-EFFD-B245-9688-A07448224815}"/>
+                </a:ext>
+              </a:extLst>
+            </p:cNvPr>
+            <p:cNvSpPr/>
+            <p:nvPr/>
+          </p:nvSpPr>
+          <p:spPr>
+            <a:xfrm>
+              <a:off x="3474715" y="2044182"/>
+              <a:ext cx="225196" cy="395296"/>
+            </a:xfrm>
+            <a:prstGeom prst="rect">
+              <a:avLst/>
+            </a:prstGeom>
+            <a:pattFill prst="dkHorz">
+              <a:fgClr>
+                <a:schemeClr val="accent4">
+                  <a:lumMod val="40000"/>
+                  <a:lumOff val="60000"/>
+                </a:schemeClr>
+              </a:fgClr>
+              <a:bgClr>
+                <a:schemeClr val="bg1"/>
+              </a:bgClr>
+            </a:pattFill>
+            <a:ln>
+              <a:solidFill>
+                <a:schemeClr val="tx1"/>
+              </a:solidFill>
+              <a:prstDash val="dash"/>
+            </a:ln>
+          </p:spPr>
+          <p:style>
+            <a:lnRef idx="2">
+              <a:schemeClr val="accent1">
+                <a:shade val="50000"/>
+              </a:schemeClr>
+            </a:lnRef>
+            <a:fillRef idx="1">
+              <a:schemeClr val="accent1"/>
+            </a:fillRef>
+            <a:effectRef idx="0">
+              <a:schemeClr val="accent1"/>
+            </a:effectRef>
+            <a:fontRef idx="minor">
+              <a:schemeClr val="lt1"/>
+            </a:fontRef>
+          </p:style>
+          <p:txBody>
+            <a:bodyPr rtlCol="0" anchor="ctr"/>
+            <a:lstStyle/>
+            <a:p>
+              <a:pPr algn="ctr"/>
+              <a:endParaRPr lang="en-US" sz="2000">
+                <a:solidFill>
+                  <a:schemeClr val="tx1"/>
+                </a:solidFill>
+                <a:latin typeface="Times New Roman" panose="02020603050405020304" pitchFamily="18" charset="0"/>
+                <a:ea typeface="Tahoma" panose="020B0604030504040204" pitchFamily="34" charset="0"/>
+                <a:cs typeface="Times New Roman" panose="02020603050405020304" pitchFamily="18" charset="0"/>
+              </a:endParaRPr>
+            </a:p>
+          </p:txBody>
+        </p:sp>
+        <p:cxnSp>
+          <p:nvCxnSpPr>
+            <p:cNvPr id="179" name="Straight Connector 178">
+              <a:extLst>
+                <a:ext uri="{FF2B5EF4-FFF2-40B4-BE49-F238E27FC236}">
+                  <a16:creationId xmlns:a16="http://schemas.microsoft.com/office/drawing/2014/main" id="{2CCEF996-4285-B74E-89CD-1D4A4E12775D}"/>
+                </a:ext>
+              </a:extLst>
+            </p:cNvPr>
+            <p:cNvCxnSpPr/>
+            <p:nvPr/>
+          </p:nvCxnSpPr>
+          <p:spPr>
+            <a:xfrm>
+              <a:off x="2097056" y="3329896"/>
+              <a:ext cx="3882079" cy="0"/>
+            </a:xfrm>
+            <a:prstGeom prst="line">
+              <a:avLst/>
+            </a:prstGeom>
+            <a:ln>
+              <a:solidFill>
+                <a:schemeClr val="tx1"/>
+              </a:solidFill>
+              <a:tailEnd type="triangle"/>
+            </a:ln>
+          </p:spPr>
+          <p:style>
+            <a:lnRef idx="1">
+              <a:schemeClr val="accent1"/>
+            </a:lnRef>
+            <a:fillRef idx="0">
+              <a:schemeClr val="accent1"/>
+            </a:fillRef>
+            <a:effectRef idx="0">
+              <a:schemeClr val="accent1"/>
+            </a:effectRef>
+            <a:fontRef idx="minor">
+              <a:schemeClr val="tx1"/>
+            </a:fontRef>
+          </p:style>
+        </p:cxnSp>
+        <p:cxnSp>
+          <p:nvCxnSpPr>
+            <p:cNvPr id="178" name="Straight Connector 177">
+              <a:extLst>
+                <a:ext uri="{FF2B5EF4-FFF2-40B4-BE49-F238E27FC236}">
+                  <a16:creationId xmlns:a16="http://schemas.microsoft.com/office/drawing/2014/main" id="{9A979EE3-13DF-9143-9873-AE77C1026E02}"/>
+                </a:ext>
+              </a:extLst>
+            </p:cNvPr>
+            <p:cNvCxnSpPr/>
+            <p:nvPr/>
+          </p:nvCxnSpPr>
+          <p:spPr>
+            <a:xfrm>
+              <a:off x="2093097" y="2445072"/>
+              <a:ext cx="3886038" cy="0"/>
+            </a:xfrm>
+            <a:prstGeom prst="line">
+              <a:avLst/>
+            </a:prstGeom>
+            <a:ln>
+              <a:solidFill>
+                <a:schemeClr val="tx1"/>
+              </a:solidFill>
+              <a:tailEnd type="triangle"/>
+            </a:ln>
+          </p:spPr>
+          <p:style>
+            <a:lnRef idx="1">
+              <a:schemeClr val="accent1"/>
+            </a:lnRef>
+            <a:fillRef idx="0">
+              <a:schemeClr val="accent1"/>
+            </a:fillRef>
+            <a:effectRef idx="0">
+              <a:schemeClr val="accent1"/>
+            </a:effectRef>
+            <a:fontRef idx="minor">
+              <a:schemeClr val="tx1"/>
+            </a:fontRef>
+          </p:style>
+        </p:cxnSp>
+        <p:sp>
+          <p:nvSpPr>
+            <p:cNvPr id="215" name="TextBox 214">
+              <a:extLst>
+                <a:ext uri="{FF2B5EF4-FFF2-40B4-BE49-F238E27FC236}">
+                  <a16:creationId xmlns:a16="http://schemas.microsoft.com/office/drawing/2014/main" id="{1C65EB3B-9ED0-AD44-BBBB-A41DFA0230AD}"/>
+                </a:ext>
+              </a:extLst>
+            </p:cNvPr>
+            <p:cNvSpPr txBox="1"/>
+            <p:nvPr/>
+          </p:nvSpPr>
+          <p:spPr>
+            <a:xfrm>
+              <a:off x="5903005" y="2411727"/>
+              <a:ext cx="893282" cy="461665"/>
+            </a:xfrm>
+            <a:prstGeom prst="rect">
+              <a:avLst/>
+            </a:prstGeom>
+            <a:noFill/>
+          </p:spPr>
+          <p:txBody>
+            <a:bodyPr wrap="square" rtlCol="0">
+              <a:spAutoFit/>
+            </a:bodyPr>
+            <a:lstStyle/>
+            <a:p>
+              <a:r>
+                <a:rPr lang="en-US" sz="2400">
+                  <a:latin typeface="Times New Roman" panose="02020603050405020304" pitchFamily="18" charset="0"/>
+                  <a:ea typeface="Tahoma" panose="020B0604030504040204" pitchFamily="34" charset="0"/>
+                  <a:cs typeface="Times New Roman" panose="02020603050405020304" pitchFamily="18" charset="0"/>
+                </a:rPr>
+                <a:t>t</a:t>
+              </a:r>
+            </a:p>
+          </p:txBody>
+        </p:sp>
+        <p:sp>
+          <p:nvSpPr>
+            <p:cNvPr id="216" name="TextBox 215">
+              <a:extLst>
+                <a:ext uri="{FF2B5EF4-FFF2-40B4-BE49-F238E27FC236}">
+                  <a16:creationId xmlns:a16="http://schemas.microsoft.com/office/drawing/2014/main" id="{3778721D-75E7-AC47-ABE0-0B085B9B6FFD}"/>
+                </a:ext>
+              </a:extLst>
+            </p:cNvPr>
+            <p:cNvSpPr txBox="1"/>
+            <p:nvPr/>
+          </p:nvSpPr>
+          <p:spPr>
+            <a:xfrm>
+              <a:off x="5906964" y="3296551"/>
+              <a:ext cx="893282" cy="461665"/>
+            </a:xfrm>
+            <a:prstGeom prst="rect">
+              <a:avLst/>
+            </a:prstGeom>
+            <a:noFill/>
+          </p:spPr>
+          <p:txBody>
+            <a:bodyPr wrap="square" rtlCol="0">
+              <a:spAutoFit/>
+            </a:bodyPr>
+            <a:lstStyle/>
+            <a:p>
+              <a:r>
+                <a:rPr lang="en-US" sz="2400">
+                  <a:latin typeface="Times New Roman" panose="02020603050405020304" pitchFamily="18" charset="0"/>
+                  <a:ea typeface="Tahoma" panose="020B0604030504040204" pitchFamily="34" charset="0"/>
+                  <a:cs typeface="Times New Roman" panose="02020603050405020304" pitchFamily="18" charset="0"/>
+                </a:rPr>
+                <a:t>t</a:t>
+              </a:r>
+            </a:p>
+          </p:txBody>
+        </p:sp>
+        <p:sp>
+          <p:nvSpPr>
+            <p:cNvPr id="217" name="TextBox 216">
+              <a:extLst>
+                <a:ext uri="{FF2B5EF4-FFF2-40B4-BE49-F238E27FC236}">
+                  <a16:creationId xmlns:a16="http://schemas.microsoft.com/office/drawing/2014/main" id="{D83E6459-2C65-6149-B467-89E34D6AAFD3}"/>
+                </a:ext>
+              </a:extLst>
+            </p:cNvPr>
+            <p:cNvSpPr txBox="1"/>
+            <p:nvPr/>
+          </p:nvSpPr>
+          <p:spPr>
+            <a:xfrm>
+              <a:off x="5411098" y="1888473"/>
+              <a:ext cx="529047" cy="523220"/>
+            </a:xfrm>
+            <a:prstGeom prst="rect">
+              <a:avLst/>
+            </a:prstGeom>
+            <a:noFill/>
+          </p:spPr>
+          <p:txBody>
+            <a:bodyPr wrap="square" rtlCol="0">
+              <a:spAutoFit/>
+            </a:bodyPr>
+            <a:lstStyle/>
+            <a:p>
+              <a:r>
+                <a:rPr lang="en-US" sz="2800">
+                  <a:latin typeface="Times New Roman" panose="02020603050405020304" pitchFamily="18" charset="0"/>
+                  <a:ea typeface="Tahoma" panose="020B0604030504040204" pitchFamily="34" charset="0"/>
+                  <a:cs typeface="Times" charset="0"/>
+                </a:rPr>
+                <a:t>…</a:t>
+              </a:r>
+              <a:endParaRPr lang="en-US" sz="2000" baseline="-25000">
+                <a:latin typeface="Times New Roman" panose="02020603050405020304" pitchFamily="18" charset="0"/>
+                <a:ea typeface="Tahoma" panose="020B0604030504040204" pitchFamily="34" charset="0"/>
+                <a:cs typeface="Times New Roman" panose="02020603050405020304" pitchFamily="18" charset="0"/>
+              </a:endParaRPr>
+            </a:p>
+          </p:txBody>
+        </p:sp>
         <p:sp>
           <p:nvSpPr>
             <p:cNvPr id="218" name="TextBox 217">
@@ -6854,7 +5663,7 @@
           </p:nvSpPr>
           <p:spPr>
             <a:xfrm>
-              <a:off x="2634528" y="677551"/>
+              <a:off x="2634528" y="1313166"/>
               <a:ext cx="2803175" cy="584775"/>
             </a:xfrm>
             <a:prstGeom prst="rect">
@@ -6869,14 +5678,14 @@
             <a:lstStyle/>
             <a:p>
               <a:r>
-                <a:rPr lang="es-ES" sz="3200" b="1" dirty="0" err="1">
+                <a:rPr lang="en-US" sz="3200" b="1">
                   <a:latin typeface="Times New Roman" panose="02020603050405020304" pitchFamily="18" charset="0"/>
                   <a:ea typeface="Tahoma" panose="020B0604030504040204" pitchFamily="34" charset="0"/>
                   <a:cs typeface="Times New Roman" panose="02020603050405020304" pitchFamily="18" charset="0"/>
                 </a:rPr>
-                <a:t>Asynchronous</a:t>
+                <a:t>Concurrent</a:t>
               </a:r>
-              <a:endParaRPr lang="en-US" sz="3200" b="1" baseline="-25000" dirty="0">
+              <a:endParaRPr lang="en-US" sz="3200" b="1" baseline="-25000">
                 <a:latin typeface="Times New Roman" panose="02020603050405020304" pitchFamily="18" charset="0"/>
                 <a:ea typeface="Tahoma" panose="020B0604030504040204" pitchFamily="34" charset="0"/>
                 <a:cs typeface="Times New Roman" panose="02020603050405020304" pitchFamily="18" charset="0"/>
@@ -6898,7 +5707,7 @@
           </p:nvSpPr>
           <p:spPr>
             <a:xfrm>
-              <a:off x="8437718" y="677550"/>
+              <a:off x="8437718" y="1313165"/>
               <a:ext cx="2803175" cy="584775"/>
             </a:xfrm>
             <a:prstGeom prst="rect">
@@ -6913,16 +5722,1404 @@
             <a:lstStyle/>
             <a:p>
               <a:r>
-                <a:rPr lang="es-ES" sz="3200" b="1" dirty="0" err="1">
+                <a:rPr lang="en-US" sz="3200" b="1">
                   <a:latin typeface="Times New Roman" panose="02020603050405020304" pitchFamily="18" charset="0"/>
                   <a:ea typeface="Tahoma" panose="020B0604030504040204" pitchFamily="34" charset="0"/>
                   <a:cs typeface="Times New Roman" panose="02020603050405020304" pitchFamily="18" charset="0"/>
                 </a:rPr>
-                <a:t>Ordered</a:t>
+                <a:t>Sequential</a:t>
               </a:r>
-              <a:endParaRPr lang="en-US" sz="3200" b="1" baseline="-25000" dirty="0">
+              <a:endParaRPr lang="en-US" sz="3200" b="1" baseline="-25000">
                 <a:latin typeface="Times New Roman" panose="02020603050405020304" pitchFamily="18" charset="0"/>
                 <a:ea typeface="Tahoma" panose="020B0604030504040204" pitchFamily="34" charset="0"/>
+                <a:cs typeface="Times New Roman" panose="02020603050405020304" pitchFamily="18" charset="0"/>
+              </a:endParaRPr>
+            </a:p>
+          </p:txBody>
+        </p:sp>
+        <p:sp>
+          <p:nvSpPr>
+            <p:cNvPr id="77" name="Rectangle 76">
+              <a:extLst>
+                <a:ext uri="{FF2B5EF4-FFF2-40B4-BE49-F238E27FC236}">
+                  <a16:creationId xmlns:a16="http://schemas.microsoft.com/office/drawing/2014/main" id="{C2A2D8CB-D8E3-BF4C-AF0D-0204A9351DF8}"/>
+                </a:ext>
+              </a:extLst>
+            </p:cNvPr>
+            <p:cNvSpPr/>
+            <p:nvPr/>
+          </p:nvSpPr>
+          <p:spPr>
+            <a:xfrm>
+              <a:off x="3864665" y="2928493"/>
+              <a:ext cx="1059154" cy="395296"/>
+            </a:xfrm>
+            <a:prstGeom prst="rect">
+              <a:avLst/>
+            </a:prstGeom>
+            <a:pattFill prst="wdUpDiag">
+              <a:fgClr>
+                <a:schemeClr val="bg1">
+                  <a:lumMod val="85000"/>
+                </a:schemeClr>
+              </a:fgClr>
+              <a:bgClr>
+                <a:schemeClr val="bg1"/>
+              </a:bgClr>
+            </a:pattFill>
+            <a:ln>
+              <a:solidFill>
+                <a:schemeClr val="tx1"/>
+              </a:solidFill>
+              <a:prstDash val="dash"/>
+            </a:ln>
+          </p:spPr>
+          <p:style>
+            <a:lnRef idx="2">
+              <a:schemeClr val="accent1">
+                <a:shade val="50000"/>
+              </a:schemeClr>
+            </a:lnRef>
+            <a:fillRef idx="1">
+              <a:schemeClr val="accent1"/>
+            </a:fillRef>
+            <a:effectRef idx="0">
+              <a:schemeClr val="accent1"/>
+            </a:effectRef>
+            <a:fontRef idx="minor">
+              <a:schemeClr val="lt1"/>
+            </a:fontRef>
+          </p:style>
+          <p:txBody>
+            <a:bodyPr rtlCol="0" anchor="ctr"/>
+            <a:lstStyle/>
+            <a:p>
+              <a:pPr algn="ctr"/>
+              <a:endParaRPr lang="en-US" sz="2000">
+                <a:solidFill>
+                  <a:schemeClr val="tx1"/>
+                </a:solidFill>
+                <a:latin typeface="Times New Roman" panose="02020603050405020304" pitchFamily="18" charset="0"/>
+                <a:ea typeface="Tahoma" panose="020B0604030504040204" pitchFamily="34" charset="0"/>
+                <a:cs typeface="Times New Roman" panose="02020603050405020304" pitchFamily="18" charset="0"/>
+              </a:endParaRPr>
+            </a:p>
+          </p:txBody>
+        </p:sp>
+        <p:sp>
+          <p:nvSpPr>
+            <p:cNvPr id="78" name="Rectangle 77">
+              <a:extLst>
+                <a:ext uri="{FF2B5EF4-FFF2-40B4-BE49-F238E27FC236}">
+                  <a16:creationId xmlns:a16="http://schemas.microsoft.com/office/drawing/2014/main" id="{445ADD66-CC7D-EB45-B497-39994D76BC0F}"/>
+                </a:ext>
+              </a:extLst>
+            </p:cNvPr>
+            <p:cNvSpPr/>
+            <p:nvPr/>
+          </p:nvSpPr>
+          <p:spPr>
+            <a:xfrm>
+              <a:off x="4962783" y="2922901"/>
+              <a:ext cx="140776" cy="395296"/>
+            </a:xfrm>
+            <a:prstGeom prst="rect">
+              <a:avLst/>
+            </a:prstGeom>
+            <a:pattFill prst="dkVert">
+              <a:fgClr>
+                <a:srgbClr val="7030A0"/>
+              </a:fgClr>
+              <a:bgClr>
+                <a:schemeClr val="bg1"/>
+              </a:bgClr>
+            </a:pattFill>
+            <a:ln>
+              <a:solidFill>
+                <a:schemeClr val="tx1"/>
+              </a:solidFill>
+              <a:prstDash val="dash"/>
+            </a:ln>
+          </p:spPr>
+          <p:style>
+            <a:lnRef idx="2">
+              <a:schemeClr val="accent1">
+                <a:shade val="50000"/>
+              </a:schemeClr>
+            </a:lnRef>
+            <a:fillRef idx="1">
+              <a:schemeClr val="accent1"/>
+            </a:fillRef>
+            <a:effectRef idx="0">
+              <a:schemeClr val="accent1"/>
+            </a:effectRef>
+            <a:fontRef idx="minor">
+              <a:schemeClr val="lt1"/>
+            </a:fontRef>
+          </p:style>
+          <p:txBody>
+            <a:bodyPr rtlCol="0" anchor="ctr"/>
+            <a:lstStyle/>
+            <a:p>
+              <a:pPr algn="ctr"/>
+              <a:endParaRPr lang="en-US" sz="2000">
+                <a:solidFill>
+                  <a:schemeClr val="tx1"/>
+                </a:solidFill>
+                <a:latin typeface="Times New Roman" panose="02020603050405020304" pitchFamily="18" charset="0"/>
+                <a:ea typeface="Tahoma" panose="020B0604030504040204" pitchFamily="34" charset="0"/>
+                <a:cs typeface="Times New Roman" panose="02020603050405020304" pitchFamily="18" charset="0"/>
+              </a:endParaRPr>
+            </a:p>
+          </p:txBody>
+        </p:sp>
+        <p:sp>
+          <p:nvSpPr>
+            <p:cNvPr id="79" name="Rectangle 78">
+              <a:extLst>
+                <a:ext uri="{FF2B5EF4-FFF2-40B4-BE49-F238E27FC236}">
+                  <a16:creationId xmlns:a16="http://schemas.microsoft.com/office/drawing/2014/main" id="{6A6A8065-3968-D643-9FEA-3ACC1E20FEA8}"/>
+                </a:ext>
+              </a:extLst>
+            </p:cNvPr>
+            <p:cNvSpPr/>
+            <p:nvPr/>
+          </p:nvSpPr>
+          <p:spPr>
+            <a:xfrm>
+              <a:off x="5140883" y="2922899"/>
+              <a:ext cx="225196" cy="395296"/>
+            </a:xfrm>
+            <a:prstGeom prst="rect">
+              <a:avLst/>
+            </a:prstGeom>
+            <a:pattFill prst="dkHorz">
+              <a:fgClr>
+                <a:schemeClr val="accent4">
+                  <a:lumMod val="40000"/>
+                  <a:lumOff val="60000"/>
+                </a:schemeClr>
+              </a:fgClr>
+              <a:bgClr>
+                <a:schemeClr val="bg1"/>
+              </a:bgClr>
+            </a:pattFill>
+            <a:ln>
+              <a:solidFill>
+                <a:schemeClr val="tx1"/>
+              </a:solidFill>
+              <a:prstDash val="dash"/>
+            </a:ln>
+          </p:spPr>
+          <p:style>
+            <a:lnRef idx="2">
+              <a:schemeClr val="accent1">
+                <a:shade val="50000"/>
+              </a:schemeClr>
+            </a:lnRef>
+            <a:fillRef idx="1">
+              <a:schemeClr val="accent1"/>
+            </a:fillRef>
+            <a:effectRef idx="0">
+              <a:schemeClr val="accent1"/>
+            </a:effectRef>
+            <a:fontRef idx="minor">
+              <a:schemeClr val="lt1"/>
+            </a:fontRef>
+          </p:style>
+          <p:txBody>
+            <a:bodyPr rtlCol="0" anchor="ctr"/>
+            <a:lstStyle/>
+            <a:p>
+              <a:pPr algn="ctr"/>
+              <a:endParaRPr lang="en-US" sz="2000">
+                <a:solidFill>
+                  <a:schemeClr val="tx1"/>
+                </a:solidFill>
+                <a:latin typeface="Times New Roman" panose="02020603050405020304" pitchFamily="18" charset="0"/>
+                <a:ea typeface="Tahoma" panose="020B0604030504040204" pitchFamily="34" charset="0"/>
+                <a:cs typeface="Times New Roman" panose="02020603050405020304" pitchFamily="18" charset="0"/>
+              </a:endParaRPr>
+            </a:p>
+          </p:txBody>
+        </p:sp>
+        <p:sp>
+          <p:nvSpPr>
+            <p:cNvPr id="80" name="Rectangle 79">
+              <a:extLst>
+                <a:ext uri="{FF2B5EF4-FFF2-40B4-BE49-F238E27FC236}">
+                  <a16:creationId xmlns:a16="http://schemas.microsoft.com/office/drawing/2014/main" id="{E1F343D0-4335-354E-A8AE-7724B0B6AFC1}"/>
+                </a:ext>
+              </a:extLst>
+            </p:cNvPr>
+            <p:cNvSpPr/>
+            <p:nvPr/>
+          </p:nvSpPr>
+          <p:spPr>
+            <a:xfrm>
+              <a:off x="2207286" y="2932665"/>
+              <a:ext cx="1048727" cy="395296"/>
+            </a:xfrm>
+            <a:prstGeom prst="rect">
+              <a:avLst/>
+            </a:prstGeom>
+            <a:pattFill prst="wdUpDiag">
+              <a:fgClr>
+                <a:schemeClr val="bg1">
+                  <a:lumMod val="85000"/>
+                </a:schemeClr>
+              </a:fgClr>
+              <a:bgClr>
+                <a:schemeClr val="bg1"/>
+              </a:bgClr>
+            </a:pattFill>
+            <a:ln>
+              <a:solidFill>
+                <a:schemeClr val="tx1"/>
+              </a:solidFill>
+              <a:prstDash val="dash"/>
+            </a:ln>
+          </p:spPr>
+          <p:style>
+            <a:lnRef idx="2">
+              <a:schemeClr val="accent1">
+                <a:shade val="50000"/>
+              </a:schemeClr>
+            </a:lnRef>
+            <a:fillRef idx="1">
+              <a:schemeClr val="accent1"/>
+            </a:fillRef>
+            <a:effectRef idx="0">
+              <a:schemeClr val="accent1"/>
+            </a:effectRef>
+            <a:fontRef idx="minor">
+              <a:schemeClr val="lt1"/>
+            </a:fontRef>
+          </p:style>
+          <p:txBody>
+            <a:bodyPr rtlCol="0" anchor="ctr"/>
+            <a:lstStyle/>
+            <a:p>
+              <a:pPr algn="ctr"/>
+              <a:endParaRPr lang="en-US" sz="2000">
+                <a:solidFill>
+                  <a:schemeClr val="tx1"/>
+                </a:solidFill>
+                <a:latin typeface="Times New Roman" panose="02020603050405020304" pitchFamily="18" charset="0"/>
+                <a:ea typeface="Tahoma" panose="020B0604030504040204" pitchFamily="34" charset="0"/>
+                <a:cs typeface="Times New Roman" panose="02020603050405020304" pitchFamily="18" charset="0"/>
+              </a:endParaRPr>
+            </a:p>
+          </p:txBody>
+        </p:sp>
+        <p:sp>
+          <p:nvSpPr>
+            <p:cNvPr id="81" name="Rectangle 80">
+              <a:extLst>
+                <a:ext uri="{FF2B5EF4-FFF2-40B4-BE49-F238E27FC236}">
+                  <a16:creationId xmlns:a16="http://schemas.microsoft.com/office/drawing/2014/main" id="{6870C248-9840-4641-A652-552845862B01}"/>
+                </a:ext>
+              </a:extLst>
+            </p:cNvPr>
+            <p:cNvSpPr/>
+            <p:nvPr/>
+          </p:nvSpPr>
+          <p:spPr>
+            <a:xfrm>
+              <a:off x="3294977" y="2927073"/>
+              <a:ext cx="140776" cy="395296"/>
+            </a:xfrm>
+            <a:prstGeom prst="rect">
+              <a:avLst/>
+            </a:prstGeom>
+            <a:pattFill prst="dkVert">
+              <a:fgClr>
+                <a:srgbClr val="7030A0"/>
+              </a:fgClr>
+              <a:bgClr>
+                <a:schemeClr val="bg1"/>
+              </a:bgClr>
+            </a:pattFill>
+            <a:ln>
+              <a:solidFill>
+                <a:schemeClr val="tx1"/>
+              </a:solidFill>
+              <a:prstDash val="dash"/>
+            </a:ln>
+          </p:spPr>
+          <p:style>
+            <a:lnRef idx="2">
+              <a:schemeClr val="accent1">
+                <a:shade val="50000"/>
+              </a:schemeClr>
+            </a:lnRef>
+            <a:fillRef idx="1">
+              <a:schemeClr val="accent1"/>
+            </a:fillRef>
+            <a:effectRef idx="0">
+              <a:schemeClr val="accent1"/>
+            </a:effectRef>
+            <a:fontRef idx="minor">
+              <a:schemeClr val="lt1"/>
+            </a:fontRef>
+          </p:style>
+          <p:txBody>
+            <a:bodyPr rtlCol="0" anchor="ctr"/>
+            <a:lstStyle/>
+            <a:p>
+              <a:pPr algn="ctr"/>
+              <a:endParaRPr lang="en-US" sz="2000">
+                <a:solidFill>
+                  <a:schemeClr val="tx1"/>
+                </a:solidFill>
+                <a:latin typeface="Times New Roman" panose="02020603050405020304" pitchFamily="18" charset="0"/>
+                <a:ea typeface="Tahoma" panose="020B0604030504040204" pitchFamily="34" charset="0"/>
+                <a:cs typeface="Times New Roman" panose="02020603050405020304" pitchFamily="18" charset="0"/>
+              </a:endParaRPr>
+            </a:p>
+          </p:txBody>
+        </p:sp>
+        <p:sp>
+          <p:nvSpPr>
+            <p:cNvPr id="82" name="Rectangle 81">
+              <a:extLst>
+                <a:ext uri="{FF2B5EF4-FFF2-40B4-BE49-F238E27FC236}">
+                  <a16:creationId xmlns:a16="http://schemas.microsoft.com/office/drawing/2014/main" id="{5A125E57-B5A7-1542-8113-E5857E61B8FC}"/>
+                </a:ext>
+              </a:extLst>
+            </p:cNvPr>
+            <p:cNvSpPr/>
+            <p:nvPr/>
+          </p:nvSpPr>
+          <p:spPr>
+            <a:xfrm>
+              <a:off x="3473077" y="2927071"/>
+              <a:ext cx="225196" cy="395296"/>
+            </a:xfrm>
+            <a:prstGeom prst="rect">
+              <a:avLst/>
+            </a:prstGeom>
+            <a:pattFill prst="dkHorz">
+              <a:fgClr>
+                <a:schemeClr val="accent4">
+                  <a:lumMod val="40000"/>
+                  <a:lumOff val="60000"/>
+                </a:schemeClr>
+              </a:fgClr>
+              <a:bgClr>
+                <a:schemeClr val="bg1"/>
+              </a:bgClr>
+            </a:pattFill>
+            <a:ln>
+              <a:solidFill>
+                <a:schemeClr val="tx1"/>
+              </a:solidFill>
+              <a:prstDash val="dash"/>
+            </a:ln>
+          </p:spPr>
+          <p:style>
+            <a:lnRef idx="2">
+              <a:schemeClr val="accent1">
+                <a:shade val="50000"/>
+              </a:schemeClr>
+            </a:lnRef>
+            <a:fillRef idx="1">
+              <a:schemeClr val="accent1"/>
+            </a:fillRef>
+            <a:effectRef idx="0">
+              <a:schemeClr val="accent1"/>
+            </a:effectRef>
+            <a:fontRef idx="minor">
+              <a:schemeClr val="lt1"/>
+            </a:fontRef>
+          </p:style>
+          <p:txBody>
+            <a:bodyPr rtlCol="0" anchor="ctr"/>
+            <a:lstStyle/>
+            <a:p>
+              <a:pPr algn="ctr"/>
+              <a:endParaRPr lang="en-US" sz="2000">
+                <a:solidFill>
+                  <a:schemeClr val="tx1"/>
+                </a:solidFill>
+                <a:latin typeface="Times New Roman" panose="02020603050405020304" pitchFamily="18" charset="0"/>
+                <a:ea typeface="Tahoma" panose="020B0604030504040204" pitchFamily="34" charset="0"/>
+                <a:cs typeface="Times New Roman" panose="02020603050405020304" pitchFamily="18" charset="0"/>
+              </a:endParaRPr>
+            </a:p>
+          </p:txBody>
+        </p:sp>
+        <p:cxnSp>
+          <p:nvCxnSpPr>
+            <p:cNvPr id="83" name="Straight Connector 82">
+              <a:extLst>
+                <a:ext uri="{FF2B5EF4-FFF2-40B4-BE49-F238E27FC236}">
+                  <a16:creationId xmlns:a16="http://schemas.microsoft.com/office/drawing/2014/main" id="{7F8319AC-8CAC-3A4B-8B46-C3969B9159CF}"/>
+                </a:ext>
+              </a:extLst>
+            </p:cNvPr>
+            <p:cNvCxnSpPr/>
+            <p:nvPr/>
+          </p:nvCxnSpPr>
+          <p:spPr>
+            <a:xfrm>
+              <a:off x="2108085" y="3327961"/>
+              <a:ext cx="3886038" cy="0"/>
+            </a:xfrm>
+            <a:prstGeom prst="line">
+              <a:avLst/>
+            </a:prstGeom>
+            <a:ln>
+              <a:solidFill>
+                <a:schemeClr val="tx1"/>
+              </a:solidFill>
+              <a:tailEnd type="triangle"/>
+            </a:ln>
+          </p:spPr>
+          <p:style>
+            <a:lnRef idx="1">
+              <a:schemeClr val="accent1"/>
+            </a:lnRef>
+            <a:fillRef idx="0">
+              <a:schemeClr val="accent1"/>
+            </a:fillRef>
+            <a:effectRef idx="0">
+              <a:schemeClr val="accent1"/>
+            </a:effectRef>
+            <a:fontRef idx="minor">
+              <a:schemeClr val="tx1"/>
+            </a:fontRef>
+          </p:style>
+        </p:cxnSp>
+        <p:sp>
+          <p:nvSpPr>
+            <p:cNvPr id="88" name="TextBox 87">
+              <a:extLst>
+                <a:ext uri="{FF2B5EF4-FFF2-40B4-BE49-F238E27FC236}">
+                  <a16:creationId xmlns:a16="http://schemas.microsoft.com/office/drawing/2014/main" id="{976D5E78-0B45-D747-880E-D14974320033}"/>
+                </a:ext>
+              </a:extLst>
+            </p:cNvPr>
+            <p:cNvSpPr txBox="1"/>
+            <p:nvPr/>
+          </p:nvSpPr>
+          <p:spPr>
+            <a:xfrm>
+              <a:off x="5409460" y="2771362"/>
+              <a:ext cx="529047" cy="523220"/>
+            </a:xfrm>
+            <a:prstGeom prst="rect">
+              <a:avLst/>
+            </a:prstGeom>
+            <a:noFill/>
+          </p:spPr>
+          <p:txBody>
+            <a:bodyPr wrap="square" rtlCol="0">
+              <a:spAutoFit/>
+            </a:bodyPr>
+            <a:lstStyle/>
+            <a:p>
+              <a:r>
+                <a:rPr lang="en-US" sz="2800">
+                  <a:latin typeface="Times New Roman" panose="02020603050405020304" pitchFamily="18" charset="0"/>
+                  <a:ea typeface="Tahoma" panose="020B0604030504040204" pitchFamily="34" charset="0"/>
+                  <a:cs typeface="Times" charset="0"/>
+                </a:rPr>
+                <a:t>…</a:t>
+              </a:r>
+              <a:endParaRPr lang="en-US" sz="2000" baseline="-25000">
+                <a:latin typeface="Times New Roman" panose="02020603050405020304" pitchFamily="18" charset="0"/>
+                <a:ea typeface="Tahoma" panose="020B0604030504040204" pitchFamily="34" charset="0"/>
+                <a:cs typeface="Times New Roman" panose="02020603050405020304" pitchFamily="18" charset="0"/>
+              </a:endParaRPr>
+            </a:p>
+          </p:txBody>
+        </p:sp>
+        <p:cxnSp>
+          <p:nvCxnSpPr>
+            <p:cNvPr id="89" name="Straight Connector 88">
+              <a:extLst>
+                <a:ext uri="{FF2B5EF4-FFF2-40B4-BE49-F238E27FC236}">
+                  <a16:creationId xmlns:a16="http://schemas.microsoft.com/office/drawing/2014/main" id="{733FA531-C1AB-B245-82E6-179F5696BC19}"/>
+                </a:ext>
+              </a:extLst>
+            </p:cNvPr>
+            <p:cNvCxnSpPr>
+              <a:cxnSpLocks/>
+            </p:cNvCxnSpPr>
+            <p:nvPr/>
+          </p:nvCxnSpPr>
+          <p:spPr>
+            <a:xfrm flipH="1">
+              <a:off x="2087500" y="1900132"/>
+              <a:ext cx="5999" cy="1595619"/>
+            </a:xfrm>
+            <a:prstGeom prst="line">
+              <a:avLst/>
+            </a:prstGeom>
+            <a:ln w="28575">
+              <a:solidFill>
+                <a:srgbClr val="FF0000"/>
+              </a:solidFill>
+            </a:ln>
+          </p:spPr>
+          <p:style>
+            <a:lnRef idx="1">
+              <a:schemeClr val="accent1"/>
+            </a:lnRef>
+            <a:fillRef idx="0">
+              <a:schemeClr val="accent1"/>
+            </a:fillRef>
+            <a:effectRef idx="0">
+              <a:schemeClr val="accent1"/>
+            </a:effectRef>
+            <a:fontRef idx="minor">
+              <a:schemeClr val="tx1"/>
+            </a:fontRef>
+          </p:style>
+        </p:cxnSp>
+        <p:cxnSp>
+          <p:nvCxnSpPr>
+            <p:cNvPr id="90" name="Straight Connector 89">
+              <a:extLst>
+                <a:ext uri="{FF2B5EF4-FFF2-40B4-BE49-F238E27FC236}">
+                  <a16:creationId xmlns:a16="http://schemas.microsoft.com/office/drawing/2014/main" id="{B705208B-3391-FD48-8A7A-A9704D51E02C}"/>
+                </a:ext>
+              </a:extLst>
+            </p:cNvPr>
+            <p:cNvCxnSpPr>
+              <a:cxnSpLocks/>
+            </p:cNvCxnSpPr>
+            <p:nvPr/>
+          </p:nvCxnSpPr>
+          <p:spPr>
+            <a:xfrm flipH="1">
+              <a:off x="3737293" y="1900132"/>
+              <a:ext cx="5999" cy="1595619"/>
+            </a:xfrm>
+            <a:prstGeom prst="line">
+              <a:avLst/>
+            </a:prstGeom>
+            <a:ln w="28575">
+              <a:solidFill>
+                <a:srgbClr val="FF0000"/>
+              </a:solidFill>
+            </a:ln>
+          </p:spPr>
+          <p:style>
+            <a:lnRef idx="1">
+              <a:schemeClr val="accent1"/>
+            </a:lnRef>
+            <a:fillRef idx="0">
+              <a:schemeClr val="accent1"/>
+            </a:fillRef>
+            <a:effectRef idx="0">
+              <a:schemeClr val="accent1"/>
+            </a:effectRef>
+            <a:fontRef idx="minor">
+              <a:schemeClr val="tx1"/>
+            </a:fontRef>
+          </p:style>
+        </p:cxnSp>
+        <p:cxnSp>
+          <p:nvCxnSpPr>
+            <p:cNvPr id="91" name="Straight Connector 90">
+              <a:extLst>
+                <a:ext uri="{FF2B5EF4-FFF2-40B4-BE49-F238E27FC236}">
+                  <a16:creationId xmlns:a16="http://schemas.microsoft.com/office/drawing/2014/main" id="{E0E3AD8E-EB19-5A41-A7CD-6319C2553315}"/>
+                </a:ext>
+              </a:extLst>
+            </p:cNvPr>
+            <p:cNvCxnSpPr>
+              <a:cxnSpLocks/>
+            </p:cNvCxnSpPr>
+            <p:nvPr/>
+          </p:nvCxnSpPr>
+          <p:spPr>
+            <a:xfrm flipH="1">
+              <a:off x="5386427" y="1900132"/>
+              <a:ext cx="5999" cy="1595619"/>
+            </a:xfrm>
+            <a:prstGeom prst="line">
+              <a:avLst/>
+            </a:prstGeom>
+            <a:ln w="28575">
+              <a:solidFill>
+                <a:srgbClr val="FF0000"/>
+              </a:solidFill>
+            </a:ln>
+          </p:spPr>
+          <p:style>
+            <a:lnRef idx="1">
+              <a:schemeClr val="accent1"/>
+            </a:lnRef>
+            <a:fillRef idx="0">
+              <a:schemeClr val="accent1"/>
+            </a:fillRef>
+            <a:effectRef idx="0">
+              <a:schemeClr val="accent1"/>
+            </a:effectRef>
+            <a:fontRef idx="minor">
+              <a:schemeClr val="tx1"/>
+            </a:fontRef>
+          </p:style>
+        </p:cxnSp>
+        <p:sp>
+          <p:nvSpPr>
+            <p:cNvPr id="92" name="Rectangle 91">
+              <a:extLst>
+                <a:ext uri="{FF2B5EF4-FFF2-40B4-BE49-F238E27FC236}">
+                  <a16:creationId xmlns:a16="http://schemas.microsoft.com/office/drawing/2014/main" id="{6B51D4AE-540A-B04A-8E53-63883C2C062C}"/>
+                </a:ext>
+              </a:extLst>
+            </p:cNvPr>
+            <p:cNvSpPr/>
+            <p:nvPr/>
+          </p:nvSpPr>
+          <p:spPr>
+            <a:xfrm>
+              <a:off x="3057019" y="4549212"/>
+              <a:ext cx="634570" cy="282428"/>
+            </a:xfrm>
+            <a:prstGeom prst="rect">
+              <a:avLst/>
+            </a:prstGeom>
+            <a:solidFill>
+              <a:schemeClr val="accent6"/>
+            </a:solidFill>
+            <a:ln>
+              <a:solidFill>
+                <a:schemeClr val="tx1"/>
+              </a:solidFill>
+              <a:prstDash val="dash"/>
+            </a:ln>
+          </p:spPr>
+          <p:style>
+            <a:lnRef idx="2">
+              <a:schemeClr val="accent1">
+                <a:shade val="50000"/>
+              </a:schemeClr>
+            </a:lnRef>
+            <a:fillRef idx="1">
+              <a:schemeClr val="accent1"/>
+            </a:fillRef>
+            <a:effectRef idx="0">
+              <a:schemeClr val="accent1"/>
+            </a:effectRef>
+            <a:fontRef idx="minor">
+              <a:schemeClr val="lt1"/>
+            </a:fontRef>
+          </p:style>
+          <p:txBody>
+            <a:bodyPr rtlCol="0" anchor="ctr"/>
+            <a:lstStyle/>
+            <a:p>
+              <a:pPr algn="ctr"/>
+              <a:endParaRPr lang="en-US" sz="2000">
+                <a:solidFill>
+                  <a:schemeClr val="tx1"/>
+                </a:solidFill>
+                <a:latin typeface="Times New Roman" panose="02020603050405020304" pitchFamily="18" charset="0"/>
+                <a:ea typeface="Tahoma" panose="020B0604030504040204" pitchFamily="34" charset="0"/>
+                <a:cs typeface="Times New Roman" panose="02020603050405020304" pitchFamily="18" charset="0"/>
+              </a:endParaRPr>
+            </a:p>
+          </p:txBody>
+        </p:sp>
+        <p:sp>
+          <p:nvSpPr>
+            <p:cNvPr id="93" name="Rectangle 92">
+              <a:extLst>
+                <a:ext uri="{FF2B5EF4-FFF2-40B4-BE49-F238E27FC236}">
+                  <a16:creationId xmlns:a16="http://schemas.microsoft.com/office/drawing/2014/main" id="{292E998B-C22F-0C46-B276-E4B05259F836}"/>
+                </a:ext>
+              </a:extLst>
+            </p:cNvPr>
+            <p:cNvSpPr/>
+            <p:nvPr/>
+          </p:nvSpPr>
+          <p:spPr>
+            <a:xfrm>
+              <a:off x="3841895" y="4456183"/>
+              <a:ext cx="2199641" cy="461665"/>
+            </a:xfrm>
+            <a:prstGeom prst="rect">
+              <a:avLst/>
+            </a:prstGeom>
+          </p:spPr>
+          <p:txBody>
+            <a:bodyPr wrap="none">
+              <a:spAutoFit/>
+            </a:bodyPr>
+            <a:lstStyle/>
+            <a:p>
+              <a:r>
+                <a:rPr lang="en-US" sz="2400" dirty="0">
+                  <a:latin typeface="Times New Roman" panose="02020603050405020304" pitchFamily="18" charset="0"/>
+                  <a:ea typeface="Tahoma" panose="020B0604030504040204" pitchFamily="34" charset="0"/>
+                  <a:cs typeface="Times New Roman" panose="02020603050405020304" pitchFamily="18" charset="0"/>
+                </a:rPr>
+                <a:t>Synchronization</a:t>
+              </a:r>
+            </a:p>
+          </p:txBody>
+        </p:sp>
+        <p:sp>
+          <p:nvSpPr>
+            <p:cNvPr id="94" name="Rectangle 93">
+              <a:extLst>
+                <a:ext uri="{FF2B5EF4-FFF2-40B4-BE49-F238E27FC236}">
+                  <a16:creationId xmlns:a16="http://schemas.microsoft.com/office/drawing/2014/main" id="{95DE3DB1-7A3D-4546-A2C6-26451DD50A18}"/>
+                </a:ext>
+              </a:extLst>
+            </p:cNvPr>
+            <p:cNvSpPr/>
+            <p:nvPr/>
+          </p:nvSpPr>
+          <p:spPr>
+            <a:xfrm>
+              <a:off x="2101364" y="2932665"/>
+              <a:ext cx="65377" cy="390082"/>
+            </a:xfrm>
+            <a:prstGeom prst="rect">
+              <a:avLst/>
+            </a:prstGeom>
+            <a:solidFill>
+              <a:schemeClr val="accent6"/>
+            </a:solidFill>
+            <a:ln>
+              <a:solidFill>
+                <a:schemeClr val="tx1"/>
+              </a:solidFill>
+              <a:prstDash val="dash"/>
+            </a:ln>
+          </p:spPr>
+          <p:style>
+            <a:lnRef idx="2">
+              <a:schemeClr val="accent1">
+                <a:shade val="50000"/>
+              </a:schemeClr>
+            </a:lnRef>
+            <a:fillRef idx="1">
+              <a:schemeClr val="accent1"/>
+            </a:fillRef>
+            <a:effectRef idx="0">
+              <a:schemeClr val="accent1"/>
+            </a:effectRef>
+            <a:fontRef idx="minor">
+              <a:schemeClr val="lt1"/>
+            </a:fontRef>
+          </p:style>
+          <p:txBody>
+            <a:bodyPr rtlCol="0" anchor="ctr"/>
+            <a:lstStyle/>
+            <a:p>
+              <a:pPr algn="ctr"/>
+              <a:endParaRPr lang="en-US" sz="2000">
+                <a:solidFill>
+                  <a:schemeClr val="tx1"/>
+                </a:solidFill>
+                <a:latin typeface="Times New Roman" panose="02020603050405020304" pitchFamily="18" charset="0"/>
+                <a:ea typeface="Tahoma" panose="020B0604030504040204" pitchFamily="34" charset="0"/>
+                <a:cs typeface="Times New Roman" panose="02020603050405020304" pitchFamily="18" charset="0"/>
+              </a:endParaRPr>
+            </a:p>
+          </p:txBody>
+        </p:sp>
+        <p:sp>
+          <p:nvSpPr>
+            <p:cNvPr id="95" name="Rectangle 94">
+              <a:extLst>
+                <a:ext uri="{FF2B5EF4-FFF2-40B4-BE49-F238E27FC236}">
+                  <a16:creationId xmlns:a16="http://schemas.microsoft.com/office/drawing/2014/main" id="{08CA6FAE-C67F-DE4A-8959-483A611EA858}"/>
+                </a:ext>
+              </a:extLst>
+            </p:cNvPr>
+            <p:cNvSpPr/>
+            <p:nvPr/>
+          </p:nvSpPr>
+          <p:spPr>
+            <a:xfrm>
+              <a:off x="2106622" y="2048656"/>
+              <a:ext cx="65377" cy="390082"/>
+            </a:xfrm>
+            <a:prstGeom prst="rect">
+              <a:avLst/>
+            </a:prstGeom>
+            <a:solidFill>
+              <a:schemeClr val="accent6"/>
+            </a:solidFill>
+            <a:ln>
+              <a:solidFill>
+                <a:schemeClr val="tx1"/>
+              </a:solidFill>
+              <a:prstDash val="dash"/>
+            </a:ln>
+          </p:spPr>
+          <p:style>
+            <a:lnRef idx="2">
+              <a:schemeClr val="accent1">
+                <a:shade val="50000"/>
+              </a:schemeClr>
+            </a:lnRef>
+            <a:fillRef idx="1">
+              <a:schemeClr val="accent1"/>
+            </a:fillRef>
+            <a:effectRef idx="0">
+              <a:schemeClr val="accent1"/>
+            </a:effectRef>
+            <a:fontRef idx="minor">
+              <a:schemeClr val="lt1"/>
+            </a:fontRef>
+          </p:style>
+          <p:txBody>
+            <a:bodyPr rtlCol="0" anchor="ctr"/>
+            <a:lstStyle/>
+            <a:p>
+              <a:pPr algn="ctr"/>
+              <a:endParaRPr lang="en-US" sz="2000">
+                <a:solidFill>
+                  <a:schemeClr val="tx1"/>
+                </a:solidFill>
+                <a:latin typeface="Times New Roman" panose="02020603050405020304" pitchFamily="18" charset="0"/>
+                <a:ea typeface="Tahoma" panose="020B0604030504040204" pitchFamily="34" charset="0"/>
+                <a:cs typeface="Times New Roman" panose="02020603050405020304" pitchFamily="18" charset="0"/>
+              </a:endParaRPr>
+            </a:p>
+          </p:txBody>
+        </p:sp>
+        <p:sp>
+          <p:nvSpPr>
+            <p:cNvPr id="98" name="Rectangle 97">
+              <a:extLst>
+                <a:ext uri="{FF2B5EF4-FFF2-40B4-BE49-F238E27FC236}">
+                  <a16:creationId xmlns:a16="http://schemas.microsoft.com/office/drawing/2014/main" id="{B8BF1310-BF01-014E-91A9-EDC4AC7A332F}"/>
+                </a:ext>
+              </a:extLst>
+            </p:cNvPr>
+            <p:cNvSpPr/>
+            <p:nvPr/>
+          </p:nvSpPr>
+          <p:spPr>
+            <a:xfrm>
+              <a:off x="3761964" y="2046315"/>
+              <a:ext cx="65377" cy="390082"/>
+            </a:xfrm>
+            <a:prstGeom prst="rect">
+              <a:avLst/>
+            </a:prstGeom>
+            <a:solidFill>
+              <a:schemeClr val="accent6"/>
+            </a:solidFill>
+            <a:ln>
+              <a:solidFill>
+                <a:schemeClr val="tx1"/>
+              </a:solidFill>
+              <a:prstDash val="dash"/>
+            </a:ln>
+          </p:spPr>
+          <p:style>
+            <a:lnRef idx="2">
+              <a:schemeClr val="accent1">
+                <a:shade val="50000"/>
+              </a:schemeClr>
+            </a:lnRef>
+            <a:fillRef idx="1">
+              <a:schemeClr val="accent1"/>
+            </a:fillRef>
+            <a:effectRef idx="0">
+              <a:schemeClr val="accent1"/>
+            </a:effectRef>
+            <a:fontRef idx="minor">
+              <a:schemeClr val="lt1"/>
+            </a:fontRef>
+          </p:style>
+          <p:txBody>
+            <a:bodyPr rtlCol="0" anchor="ctr"/>
+            <a:lstStyle/>
+            <a:p>
+              <a:pPr algn="ctr"/>
+              <a:endParaRPr lang="en-US" sz="2000">
+                <a:solidFill>
+                  <a:schemeClr val="tx1"/>
+                </a:solidFill>
+                <a:latin typeface="Times New Roman" panose="02020603050405020304" pitchFamily="18" charset="0"/>
+                <a:ea typeface="Tahoma" panose="020B0604030504040204" pitchFamily="34" charset="0"/>
+                <a:cs typeface="Times New Roman" panose="02020603050405020304" pitchFamily="18" charset="0"/>
+              </a:endParaRPr>
+            </a:p>
+          </p:txBody>
+        </p:sp>
+        <p:sp>
+          <p:nvSpPr>
+            <p:cNvPr id="99" name="Rectangle 98">
+              <a:extLst>
+                <a:ext uri="{FF2B5EF4-FFF2-40B4-BE49-F238E27FC236}">
+                  <a16:creationId xmlns:a16="http://schemas.microsoft.com/office/drawing/2014/main" id="{B05AB07C-F789-AA48-8B2F-5C7DC2EFF038}"/>
+                </a:ext>
+              </a:extLst>
+            </p:cNvPr>
+            <p:cNvSpPr/>
+            <p:nvPr/>
+          </p:nvSpPr>
+          <p:spPr>
+            <a:xfrm>
+              <a:off x="3761963" y="2922899"/>
+              <a:ext cx="65377" cy="390082"/>
+            </a:xfrm>
+            <a:prstGeom prst="rect">
+              <a:avLst/>
+            </a:prstGeom>
+            <a:solidFill>
+              <a:schemeClr val="accent6"/>
+            </a:solidFill>
+            <a:ln>
+              <a:solidFill>
+                <a:schemeClr val="tx1"/>
+              </a:solidFill>
+              <a:prstDash val="dash"/>
+            </a:ln>
+          </p:spPr>
+          <p:style>
+            <a:lnRef idx="2">
+              <a:schemeClr val="accent1">
+                <a:shade val="50000"/>
+              </a:schemeClr>
+            </a:lnRef>
+            <a:fillRef idx="1">
+              <a:schemeClr val="accent1"/>
+            </a:fillRef>
+            <a:effectRef idx="0">
+              <a:schemeClr val="accent1"/>
+            </a:effectRef>
+            <a:fontRef idx="minor">
+              <a:schemeClr val="lt1"/>
+            </a:fontRef>
+          </p:style>
+          <p:txBody>
+            <a:bodyPr rtlCol="0" anchor="ctr"/>
+            <a:lstStyle/>
+            <a:p>
+              <a:pPr algn="ctr"/>
+              <a:endParaRPr lang="en-US" sz="2000">
+                <a:solidFill>
+                  <a:schemeClr val="tx1"/>
+                </a:solidFill>
+                <a:latin typeface="Times New Roman" panose="02020603050405020304" pitchFamily="18" charset="0"/>
+                <a:ea typeface="Tahoma" panose="020B0604030504040204" pitchFamily="34" charset="0"/>
+                <a:cs typeface="Times New Roman" panose="02020603050405020304" pitchFamily="18" charset="0"/>
+              </a:endParaRPr>
+            </a:p>
+          </p:txBody>
+        </p:sp>
+        <p:sp>
+          <p:nvSpPr>
+            <p:cNvPr id="100" name="Rectangle 99">
+              <a:extLst>
+                <a:ext uri="{FF2B5EF4-FFF2-40B4-BE49-F238E27FC236}">
+                  <a16:creationId xmlns:a16="http://schemas.microsoft.com/office/drawing/2014/main" id="{F3A2DAA8-B05B-F146-8997-5FDA4972FFBD}"/>
+                </a:ext>
+              </a:extLst>
+            </p:cNvPr>
+            <p:cNvSpPr/>
+            <p:nvPr/>
+          </p:nvSpPr>
+          <p:spPr>
+            <a:xfrm>
+              <a:off x="7676501" y="2054649"/>
+              <a:ext cx="65377" cy="390082"/>
+            </a:xfrm>
+            <a:prstGeom prst="rect">
+              <a:avLst/>
+            </a:prstGeom>
+            <a:solidFill>
+              <a:schemeClr val="accent6"/>
+            </a:solidFill>
+            <a:ln>
+              <a:solidFill>
+                <a:schemeClr val="tx1"/>
+              </a:solidFill>
+              <a:prstDash val="dash"/>
+            </a:ln>
+          </p:spPr>
+          <p:style>
+            <a:lnRef idx="2">
+              <a:schemeClr val="accent1">
+                <a:shade val="50000"/>
+              </a:schemeClr>
+            </a:lnRef>
+            <a:fillRef idx="1">
+              <a:schemeClr val="accent1"/>
+            </a:fillRef>
+            <a:effectRef idx="0">
+              <a:schemeClr val="accent1"/>
+            </a:effectRef>
+            <a:fontRef idx="minor">
+              <a:schemeClr val="lt1"/>
+            </a:fontRef>
+          </p:style>
+          <p:txBody>
+            <a:bodyPr rtlCol="0" anchor="ctr"/>
+            <a:lstStyle/>
+            <a:p>
+              <a:pPr algn="ctr"/>
+              <a:endParaRPr lang="en-US" sz="2000">
+                <a:solidFill>
+                  <a:schemeClr val="tx1"/>
+                </a:solidFill>
+                <a:latin typeface="Times New Roman" panose="02020603050405020304" pitchFamily="18" charset="0"/>
+                <a:ea typeface="Tahoma" panose="020B0604030504040204" pitchFamily="34" charset="0"/>
+                <a:cs typeface="Times New Roman" panose="02020603050405020304" pitchFamily="18" charset="0"/>
+              </a:endParaRPr>
+            </a:p>
+          </p:txBody>
+        </p:sp>
+        <p:sp>
+          <p:nvSpPr>
+            <p:cNvPr id="102" name="Rectangle 101">
+              <a:extLst>
+                <a:ext uri="{FF2B5EF4-FFF2-40B4-BE49-F238E27FC236}">
+                  <a16:creationId xmlns:a16="http://schemas.microsoft.com/office/drawing/2014/main" id="{B080084D-4285-F64E-B4F7-07BE824F602D}"/>
+                </a:ext>
+              </a:extLst>
+            </p:cNvPr>
+            <p:cNvSpPr/>
+            <p:nvPr/>
+          </p:nvSpPr>
+          <p:spPr>
+            <a:xfrm>
+              <a:off x="7670195" y="2933260"/>
+              <a:ext cx="65377" cy="390082"/>
+            </a:xfrm>
+            <a:prstGeom prst="rect">
+              <a:avLst/>
+            </a:prstGeom>
+            <a:solidFill>
+              <a:schemeClr val="accent6"/>
+            </a:solidFill>
+            <a:ln>
+              <a:solidFill>
+                <a:schemeClr val="tx1"/>
+              </a:solidFill>
+              <a:prstDash val="dash"/>
+            </a:ln>
+          </p:spPr>
+          <p:style>
+            <a:lnRef idx="2">
+              <a:schemeClr val="accent1">
+                <a:shade val="50000"/>
+              </a:schemeClr>
+            </a:lnRef>
+            <a:fillRef idx="1">
+              <a:schemeClr val="accent1"/>
+            </a:fillRef>
+            <a:effectRef idx="0">
+              <a:schemeClr val="accent1"/>
+            </a:effectRef>
+            <a:fontRef idx="minor">
+              <a:schemeClr val="lt1"/>
+            </a:fontRef>
+          </p:style>
+          <p:txBody>
+            <a:bodyPr rtlCol="0" anchor="ctr"/>
+            <a:lstStyle/>
+            <a:p>
+              <a:pPr algn="ctr"/>
+              <a:endParaRPr lang="en-US" sz="2000">
+                <a:solidFill>
+                  <a:schemeClr val="tx1"/>
+                </a:solidFill>
+                <a:latin typeface="Times New Roman" panose="02020603050405020304" pitchFamily="18" charset="0"/>
+                <a:ea typeface="Tahoma" panose="020B0604030504040204" pitchFamily="34" charset="0"/>
+                <a:cs typeface="Times New Roman" panose="02020603050405020304" pitchFamily="18" charset="0"/>
+              </a:endParaRPr>
+            </a:p>
+          </p:txBody>
+        </p:sp>
+        <p:sp>
+          <p:nvSpPr>
+            <p:cNvPr id="103" name="Rectangle 102">
+              <a:extLst>
+                <a:ext uri="{FF2B5EF4-FFF2-40B4-BE49-F238E27FC236}">
+                  <a16:creationId xmlns:a16="http://schemas.microsoft.com/office/drawing/2014/main" id="{BDDE1CE6-E4B8-2346-A2EA-98EBB690341A}"/>
+                </a:ext>
+              </a:extLst>
+            </p:cNvPr>
+            <p:cNvSpPr/>
+            <p:nvPr/>
+          </p:nvSpPr>
+          <p:spPr>
+            <a:xfrm>
+              <a:off x="9329032" y="2048656"/>
+              <a:ext cx="65377" cy="390082"/>
+            </a:xfrm>
+            <a:prstGeom prst="rect">
+              <a:avLst/>
+            </a:prstGeom>
+            <a:solidFill>
+              <a:schemeClr val="accent6"/>
+            </a:solidFill>
+            <a:ln>
+              <a:solidFill>
+                <a:schemeClr val="tx1"/>
+              </a:solidFill>
+              <a:prstDash val="dash"/>
+            </a:ln>
+          </p:spPr>
+          <p:style>
+            <a:lnRef idx="2">
+              <a:schemeClr val="accent1">
+                <a:shade val="50000"/>
+              </a:schemeClr>
+            </a:lnRef>
+            <a:fillRef idx="1">
+              <a:schemeClr val="accent1"/>
+            </a:fillRef>
+            <a:effectRef idx="0">
+              <a:schemeClr val="accent1"/>
+            </a:effectRef>
+            <a:fontRef idx="minor">
+              <a:schemeClr val="lt1"/>
+            </a:fontRef>
+          </p:style>
+          <p:txBody>
+            <a:bodyPr rtlCol="0" anchor="ctr"/>
+            <a:lstStyle/>
+            <a:p>
+              <a:pPr algn="ctr"/>
+              <a:endParaRPr lang="en-US" sz="2000">
+                <a:solidFill>
+                  <a:schemeClr val="tx1"/>
+                </a:solidFill>
+                <a:latin typeface="Times New Roman" panose="02020603050405020304" pitchFamily="18" charset="0"/>
+                <a:ea typeface="Tahoma" panose="020B0604030504040204" pitchFamily="34" charset="0"/>
+                <a:cs typeface="Times New Roman" panose="02020603050405020304" pitchFamily="18" charset="0"/>
+              </a:endParaRPr>
+            </a:p>
+          </p:txBody>
+        </p:sp>
+        <p:sp>
+          <p:nvSpPr>
+            <p:cNvPr id="104" name="Rectangle 103">
+              <a:extLst>
+                <a:ext uri="{FF2B5EF4-FFF2-40B4-BE49-F238E27FC236}">
+                  <a16:creationId xmlns:a16="http://schemas.microsoft.com/office/drawing/2014/main" id="{E7E33423-EC93-FF47-96E3-21C27983927A}"/>
+                </a:ext>
+              </a:extLst>
+            </p:cNvPr>
+            <p:cNvSpPr/>
+            <p:nvPr/>
+          </p:nvSpPr>
+          <p:spPr>
+            <a:xfrm>
+              <a:off x="9322974" y="2941212"/>
+              <a:ext cx="65377" cy="390082"/>
+            </a:xfrm>
+            <a:prstGeom prst="rect">
+              <a:avLst/>
+            </a:prstGeom>
+            <a:solidFill>
+              <a:schemeClr val="accent6"/>
+            </a:solidFill>
+            <a:ln>
+              <a:solidFill>
+                <a:schemeClr val="tx1"/>
+              </a:solidFill>
+              <a:prstDash val="dash"/>
+            </a:ln>
+          </p:spPr>
+          <p:style>
+            <a:lnRef idx="2">
+              <a:schemeClr val="accent1">
+                <a:shade val="50000"/>
+              </a:schemeClr>
+            </a:lnRef>
+            <a:fillRef idx="1">
+              <a:schemeClr val="accent1"/>
+            </a:fillRef>
+            <a:effectRef idx="0">
+              <a:schemeClr val="accent1"/>
+            </a:effectRef>
+            <a:fontRef idx="minor">
+              <a:schemeClr val="lt1"/>
+            </a:fontRef>
+          </p:style>
+          <p:txBody>
+            <a:bodyPr rtlCol="0" anchor="ctr"/>
+            <a:lstStyle/>
+            <a:p>
+              <a:pPr algn="ctr"/>
+              <a:endParaRPr lang="en-US" sz="2000">
+                <a:solidFill>
+                  <a:schemeClr val="tx1"/>
+                </a:solidFill>
+                <a:latin typeface="Times New Roman" panose="02020603050405020304" pitchFamily="18" charset="0"/>
+                <a:ea typeface="Tahoma" panose="020B0604030504040204" pitchFamily="34" charset="0"/>
+                <a:cs typeface="Times New Roman" panose="02020603050405020304" pitchFamily="18" charset="0"/>
+              </a:endParaRPr>
+            </a:p>
+          </p:txBody>
+        </p:sp>
+        <p:sp>
+          <p:nvSpPr>
+            <p:cNvPr id="105" name="Rectangle 104">
+              <a:extLst>
+                <a:ext uri="{FF2B5EF4-FFF2-40B4-BE49-F238E27FC236}">
+                  <a16:creationId xmlns:a16="http://schemas.microsoft.com/office/drawing/2014/main" id="{A9F771B9-DDA5-4844-BC08-E3015BFAB53D}"/>
+                </a:ext>
+              </a:extLst>
+            </p:cNvPr>
+            <p:cNvSpPr/>
+            <p:nvPr/>
+          </p:nvSpPr>
+          <p:spPr>
+            <a:xfrm>
+              <a:off x="9433670" y="2936198"/>
+              <a:ext cx="1039737" cy="395296"/>
+            </a:xfrm>
+            <a:prstGeom prst="rect">
+              <a:avLst/>
+            </a:prstGeom>
+            <a:pattFill prst="wdUpDiag">
+              <a:fgClr>
+                <a:schemeClr val="bg1">
+                  <a:lumMod val="85000"/>
+                </a:schemeClr>
+              </a:fgClr>
+              <a:bgClr>
+                <a:schemeClr val="bg1"/>
+              </a:bgClr>
+            </a:pattFill>
+            <a:ln>
+              <a:solidFill>
+                <a:schemeClr val="tx1"/>
+              </a:solidFill>
+              <a:prstDash val="dash"/>
+            </a:ln>
+          </p:spPr>
+          <p:style>
+            <a:lnRef idx="2">
+              <a:schemeClr val="accent1">
+                <a:shade val="50000"/>
+              </a:schemeClr>
+            </a:lnRef>
+            <a:fillRef idx="1">
+              <a:schemeClr val="accent1"/>
+            </a:fillRef>
+            <a:effectRef idx="0">
+              <a:schemeClr val="accent1"/>
+            </a:effectRef>
+            <a:fontRef idx="minor">
+              <a:schemeClr val="lt1"/>
+            </a:fontRef>
+          </p:style>
+          <p:txBody>
+            <a:bodyPr rtlCol="0" anchor="ctr"/>
+            <a:lstStyle/>
+            <a:p>
+              <a:pPr algn="ctr"/>
+              <a:endParaRPr lang="en-US" sz="2000">
+                <a:solidFill>
+                  <a:schemeClr val="tx1"/>
+                </a:solidFill>
+                <a:latin typeface="Times New Roman" panose="02020603050405020304" pitchFamily="18" charset="0"/>
+                <a:ea typeface="Tahoma" panose="020B0604030504040204" pitchFamily="34" charset="0"/>
+                <a:cs typeface="Times New Roman" panose="02020603050405020304" pitchFamily="18" charset="0"/>
+              </a:endParaRPr>
+            </a:p>
+          </p:txBody>
+        </p:sp>
+        <p:sp>
+          <p:nvSpPr>
+            <p:cNvPr id="108" name="TextBox 107">
+              <a:extLst>
+                <a:ext uri="{FF2B5EF4-FFF2-40B4-BE49-F238E27FC236}">
+                  <a16:creationId xmlns:a16="http://schemas.microsoft.com/office/drawing/2014/main" id="{4D72ADBC-6170-224F-A635-92BC30C7E8A2}"/>
+                </a:ext>
+              </a:extLst>
+            </p:cNvPr>
+            <p:cNvSpPr txBox="1"/>
+            <p:nvPr/>
+          </p:nvSpPr>
+          <p:spPr>
+            <a:xfrm>
+              <a:off x="1553962" y="3613998"/>
+              <a:ext cx="3204890" cy="461665"/>
+            </a:xfrm>
+            <a:prstGeom prst="rect">
+              <a:avLst/>
+            </a:prstGeom>
+            <a:noFill/>
+          </p:spPr>
+          <p:txBody>
+            <a:bodyPr wrap="square" rtlCol="0">
+              <a:spAutoFit/>
+            </a:bodyPr>
+            <a:lstStyle/>
+            <a:p>
+              <a:r>
+                <a:rPr lang="en-US" sz="2400" dirty="0">
+                  <a:latin typeface="Times New Roman" panose="02020603050405020304" pitchFamily="18" charset="0"/>
+                  <a:ea typeface="Tahoma" panose="020B0604030504040204" pitchFamily="34" charset="0"/>
+                  <a:cs typeface="Times New Roman" panose="02020603050405020304" pitchFamily="18" charset="0"/>
+                </a:rPr>
+                <a:t>Learning iteration (T)</a:t>
+              </a:r>
+              <a:endParaRPr lang="en-US" sz="2400" baseline="-25000" dirty="0">
+                <a:latin typeface="Times New Roman" panose="02020603050405020304" pitchFamily="18" charset="0"/>
+                <a:ea typeface="Tahoma" panose="020B0604030504040204" pitchFamily="34" charset="0"/>
+                <a:cs typeface="Times New Roman" panose="02020603050405020304" pitchFamily="18" charset="0"/>
+              </a:endParaRPr>
+            </a:p>
+          </p:txBody>
+        </p:sp>
+        <p:sp>
+          <p:nvSpPr>
+            <p:cNvPr id="110" name="Left Brace 109">
+              <a:extLst>
+                <a:ext uri="{FF2B5EF4-FFF2-40B4-BE49-F238E27FC236}">
+                  <a16:creationId xmlns:a16="http://schemas.microsoft.com/office/drawing/2014/main" id="{80D29DAA-EA7F-9548-8470-7748AFFEFB10}"/>
+                </a:ext>
+              </a:extLst>
+            </p:cNvPr>
+            <p:cNvSpPr/>
+            <p:nvPr/>
+          </p:nvSpPr>
+          <p:spPr>
+            <a:xfrm rot="16200000">
+              <a:off x="2832640" y="2761038"/>
+              <a:ext cx="136778" cy="1676567"/>
+            </a:xfrm>
+            <a:prstGeom prst="leftBrace">
+              <a:avLst/>
+            </a:prstGeom>
+            <a:ln>
+              <a:solidFill>
+                <a:schemeClr val="tx1"/>
+              </a:solidFill>
+            </a:ln>
+          </p:spPr>
+          <p:style>
+            <a:lnRef idx="1">
+              <a:schemeClr val="accent1"/>
+            </a:lnRef>
+            <a:fillRef idx="0">
+              <a:schemeClr val="accent1"/>
+            </a:fillRef>
+            <a:effectRef idx="0">
+              <a:schemeClr val="accent1"/>
+            </a:effectRef>
+            <a:fontRef idx="minor">
+              <a:schemeClr val="tx1"/>
+            </a:fontRef>
+          </p:style>
+          <p:txBody>
+            <a:bodyPr rtlCol="0" anchor="ctr"/>
+            <a:lstStyle/>
+            <a:p>
+              <a:pPr algn="ctr"/>
+              <a:endParaRPr lang="en-US" sz="2000">
+                <a:latin typeface="Times New Roman" panose="02020603050405020304" pitchFamily="18" charset="0"/>
                 <a:cs typeface="Times New Roman" panose="02020603050405020304" pitchFamily="18" charset="0"/>
               </a:endParaRPr>
             </a:p>
